--- a/final_project/presentation/presentation.pptx
+++ b/final_project/presentation/presentation.pptx
@@ -4,22 +4,24 @@
   <p:sldMasterIdLst>
     <p:sldMasterId id="2147483648" r:id="rId2"/>
     <p:sldMasterId id="2147483661" r:id="rId3"/>
-    <p:sldMasterId id="2147483674" r:id="rId4"/>
   </p:sldMasterIdLst>
   <p:sldIdLst>
-    <p:sldId id="256" r:id="rId5"/>
-    <p:sldId id="257" r:id="rId6"/>
-    <p:sldId id="258" r:id="rId7"/>
-    <p:sldId id="259" r:id="rId8"/>
-    <p:sldId id="260" r:id="rId9"/>
-    <p:sldId id="261" r:id="rId10"/>
-    <p:sldId id="262" r:id="rId11"/>
-    <p:sldId id="263" r:id="rId12"/>
-    <p:sldId id="264" r:id="rId13"/>
-    <p:sldId id="265" r:id="rId14"/>
-    <p:sldId id="266" r:id="rId15"/>
-    <p:sldId id="267" r:id="rId16"/>
-    <p:sldId id="268" r:id="rId17"/>
+    <p:sldId id="256" r:id="rId4"/>
+    <p:sldId id="257" r:id="rId5"/>
+    <p:sldId id="258" r:id="rId6"/>
+    <p:sldId id="259" r:id="rId7"/>
+    <p:sldId id="260" r:id="rId8"/>
+    <p:sldId id="261" r:id="rId9"/>
+    <p:sldId id="262" r:id="rId10"/>
+    <p:sldId id="263" r:id="rId11"/>
+    <p:sldId id="264" r:id="rId12"/>
+    <p:sldId id="265" r:id="rId13"/>
+    <p:sldId id="266" r:id="rId14"/>
+    <p:sldId id="267" r:id="rId15"/>
+    <p:sldId id="268" r:id="rId16"/>
+    <p:sldId id="269" r:id="rId17"/>
+    <p:sldId id="270" r:id="rId18"/>
+    <p:sldId id="271" r:id="rId19"/>
   </p:sldIdLst>
   <p:sldSz cx="9144000" cy="6858000"/>
   <p:notesSz cx="7559675" cy="10691812"/>
@@ -67,7 +69,7 @@
       </p:grpSpPr>
       <p:sp>
         <p:nvSpPr>
-          <p:cNvPr id="27" name="PlaceHolder 1"/>
+          <p:cNvPr id="24" name="PlaceHolder 1"/>
           <p:cNvSpPr>
             <a:spLocks noGrp="1"/>
           </p:cNvSpPr>
@@ -77,8 +79,8 @@
         </p:nvSpPr>
         <p:spPr>
           <a:xfrm>
-            <a:off x="457200" y="274680"/>
-            <a:ext cx="8229240" cy="1143000"/>
+            <a:off x="457200" y="273600"/>
+            <a:ext cx="8229240" cy="1145160"/>
           </a:xfrm>
           <a:prstGeom prst="rect">
             <a:avLst/>
@@ -87,13 +89,14 @@
         <p:txBody>
           <a:bodyPr lIns="0" rIns="0" tIns="0" bIns="0" anchor="ctr"/>
           <a:p>
-            <a:endParaRPr/>
-          </a:p>
-        </p:txBody>
-      </p:sp>
-      <p:sp>
-        <p:nvSpPr>
-          <p:cNvPr id="28" name="PlaceHolder 2"/>
+            <a:pPr algn="ctr"/>
+            <a:endParaRPr/>
+          </a:p>
+        </p:txBody>
+      </p:sp>
+      <p:sp>
+        <p:nvSpPr>
+          <p:cNvPr id="25" name="PlaceHolder 2"/>
           <p:cNvSpPr>
             <a:spLocks noGrp="1"/>
           </p:cNvSpPr>
@@ -103,8 +106,8 @@
         </p:nvSpPr>
         <p:spPr>
           <a:xfrm>
-            <a:off x="457200" y="1600200"/>
-            <a:ext cx="8229240" cy="2158560"/>
+            <a:off x="457200" y="1604520"/>
+            <a:ext cx="8229240" cy="1896840"/>
           </a:xfrm>
           <a:prstGeom prst="rect">
             <a:avLst/>
@@ -119,7 +122,7 @@
       </p:sp>
       <p:sp>
         <p:nvSpPr>
-          <p:cNvPr id="29" name="PlaceHolder 3"/>
+          <p:cNvPr id="26" name="PlaceHolder 3"/>
           <p:cNvSpPr>
             <a:spLocks noGrp="1"/>
           </p:cNvSpPr>
@@ -129,8 +132,8 @@
         </p:nvSpPr>
         <p:spPr>
           <a:xfrm>
-            <a:off x="457200" y="3964320"/>
-            <a:ext cx="8229240" cy="2158560"/>
+            <a:off x="457200" y="3682080"/>
+            <a:ext cx="8229240" cy="1896840"/>
           </a:xfrm>
           <a:prstGeom prst="rect">
             <a:avLst/>
@@ -167,7 +170,7 @@
       </p:grpSpPr>
       <p:sp>
         <p:nvSpPr>
-          <p:cNvPr id="30" name="PlaceHolder 1"/>
+          <p:cNvPr id="27" name="PlaceHolder 1"/>
           <p:cNvSpPr>
             <a:spLocks noGrp="1"/>
           </p:cNvSpPr>
@@ -177,8 +180,8 @@
         </p:nvSpPr>
         <p:spPr>
           <a:xfrm>
-            <a:off x="457200" y="274680"/>
-            <a:ext cx="8229240" cy="1143000"/>
+            <a:off x="457200" y="273600"/>
+            <a:ext cx="8229240" cy="1145160"/>
           </a:xfrm>
           <a:prstGeom prst="rect">
             <a:avLst/>
@@ -187,13 +190,14 @@
         <p:txBody>
           <a:bodyPr lIns="0" rIns="0" tIns="0" bIns="0" anchor="ctr"/>
           <a:p>
-            <a:endParaRPr/>
-          </a:p>
-        </p:txBody>
-      </p:sp>
-      <p:sp>
-        <p:nvSpPr>
-          <p:cNvPr id="31" name="PlaceHolder 2"/>
+            <a:pPr algn="ctr"/>
+            <a:endParaRPr/>
+          </a:p>
+        </p:txBody>
+      </p:sp>
+      <p:sp>
+        <p:nvSpPr>
+          <p:cNvPr id="28" name="PlaceHolder 2"/>
           <p:cNvSpPr>
             <a:spLocks noGrp="1"/>
           </p:cNvSpPr>
@@ -203,8 +207,8 @@
         </p:nvSpPr>
         <p:spPr>
           <a:xfrm>
-            <a:off x="457200" y="1600200"/>
-            <a:ext cx="4015800" cy="2158560"/>
+            <a:off x="457200" y="1604520"/>
+            <a:ext cx="4015800" cy="1896840"/>
           </a:xfrm>
           <a:prstGeom prst="rect">
             <a:avLst/>
@@ -219,7 +223,7 @@
       </p:sp>
       <p:sp>
         <p:nvSpPr>
-          <p:cNvPr id="32" name="PlaceHolder 3"/>
+          <p:cNvPr id="29" name="PlaceHolder 3"/>
           <p:cNvSpPr>
             <a:spLocks noGrp="1"/>
           </p:cNvSpPr>
@@ -229,8 +233,8 @@
         </p:nvSpPr>
         <p:spPr>
           <a:xfrm>
-            <a:off x="4674240" y="1600200"/>
-            <a:ext cx="4015800" cy="2158560"/>
+            <a:off x="4674240" y="1604520"/>
+            <a:ext cx="4015800" cy="1896840"/>
           </a:xfrm>
           <a:prstGeom prst="rect">
             <a:avLst/>
@@ -245,7 +249,7 @@
       </p:sp>
       <p:sp>
         <p:nvSpPr>
-          <p:cNvPr id="33" name="PlaceHolder 4"/>
+          <p:cNvPr id="30" name="PlaceHolder 4"/>
           <p:cNvSpPr>
             <a:spLocks noGrp="1"/>
           </p:cNvSpPr>
@@ -255,8 +259,8 @@
         </p:nvSpPr>
         <p:spPr>
           <a:xfrm>
-            <a:off x="4674240" y="3964320"/>
-            <a:ext cx="4015800" cy="2158560"/>
+            <a:off x="4674240" y="3682080"/>
+            <a:ext cx="4015800" cy="1896840"/>
           </a:xfrm>
           <a:prstGeom prst="rect">
             <a:avLst/>
@@ -271,7 +275,7 @@
       </p:sp>
       <p:sp>
         <p:nvSpPr>
-          <p:cNvPr id="34" name="PlaceHolder 5"/>
+          <p:cNvPr id="31" name="PlaceHolder 5"/>
           <p:cNvSpPr>
             <a:spLocks noGrp="1"/>
           </p:cNvSpPr>
@@ -281,8 +285,8 @@
         </p:nvSpPr>
         <p:spPr>
           <a:xfrm>
-            <a:off x="457200" y="3964320"/>
-            <a:ext cx="4015800" cy="2158560"/>
+            <a:off x="457200" y="3682080"/>
+            <a:ext cx="4015800" cy="1896840"/>
           </a:xfrm>
           <a:prstGeom prst="rect">
             <a:avLst/>
@@ -319,7 +323,7 @@
       </p:grpSpPr>
       <p:sp>
         <p:nvSpPr>
-          <p:cNvPr id="35" name="PlaceHolder 1"/>
+          <p:cNvPr id="32" name="PlaceHolder 1"/>
           <p:cNvSpPr>
             <a:spLocks noGrp="1"/>
           </p:cNvSpPr>
@@ -329,8 +333,8 @@
         </p:nvSpPr>
         <p:spPr>
           <a:xfrm>
-            <a:off x="457200" y="274680"/>
-            <a:ext cx="8229240" cy="1143000"/>
+            <a:off x="457200" y="273600"/>
+            <a:ext cx="8229240" cy="1145160"/>
           </a:xfrm>
           <a:prstGeom prst="rect">
             <a:avLst/>
@@ -339,13 +343,14 @@
         <p:txBody>
           <a:bodyPr lIns="0" rIns="0" tIns="0" bIns="0" anchor="ctr"/>
           <a:p>
-            <a:endParaRPr/>
-          </a:p>
-        </p:txBody>
-      </p:sp>
-      <p:sp>
-        <p:nvSpPr>
-          <p:cNvPr id="36" name="PlaceHolder 2"/>
+            <a:pPr algn="ctr"/>
+            <a:endParaRPr/>
+          </a:p>
+        </p:txBody>
+      </p:sp>
+      <p:sp>
+        <p:nvSpPr>
+          <p:cNvPr id="33" name="PlaceHolder 2"/>
           <p:cNvSpPr>
             <a:spLocks noGrp="1"/>
           </p:cNvSpPr>
@@ -355,8 +360,8 @@
         </p:nvSpPr>
         <p:spPr>
           <a:xfrm>
-            <a:off x="457200" y="1600200"/>
-            <a:ext cx="8229240" cy="4525560"/>
+            <a:off x="457200" y="1604520"/>
+            <a:ext cx="8229240" cy="3977280"/>
           </a:xfrm>
           <a:prstGeom prst="rect">
             <a:avLst/>
@@ -371,7 +376,7 @@
       </p:sp>
       <p:sp>
         <p:nvSpPr>
-          <p:cNvPr id="37" name="PlaceHolder 3"/>
+          <p:cNvPr id="34" name="PlaceHolder 3"/>
           <p:cNvSpPr>
             <a:spLocks noGrp="1"/>
           </p:cNvSpPr>
@@ -381,8 +386,8 @@
         </p:nvSpPr>
         <p:spPr>
           <a:xfrm>
-            <a:off x="457200" y="1600200"/>
-            <a:ext cx="8229240" cy="4525560"/>
+            <a:off x="457200" y="1604520"/>
+            <a:ext cx="8229240" cy="3977280"/>
           </a:xfrm>
           <a:prstGeom prst="rect">
             <a:avLst/>
@@ -397,7 +402,7 @@
       </p:sp>
       <p:pic>
         <p:nvPicPr>
-          <p:cNvPr id="38" name="" descr=""/>
+          <p:cNvPr id="35" name="" descr=""/>
           <p:cNvPicPr/>
           <p:nvPr/>
         </p:nvPicPr>
@@ -409,8 +414,8 @@
         </p:blipFill>
         <p:spPr>
           <a:xfrm>
-            <a:off x="1735560" y="1599840"/>
-            <a:ext cx="5671800" cy="4525560"/>
+            <a:off x="2079000" y="1604520"/>
+            <a:ext cx="4984920" cy="3977280"/>
           </a:xfrm>
           <a:prstGeom prst="rect">
             <a:avLst/>
@@ -422,7 +427,7 @@
       </p:pic>
       <p:pic>
         <p:nvPicPr>
-          <p:cNvPr id="39" name="" descr=""/>
+          <p:cNvPr id="36" name="" descr=""/>
           <p:cNvPicPr/>
           <p:nvPr/>
         </p:nvPicPr>
@@ -434,8 +439,8 @@
         </p:blipFill>
         <p:spPr>
           <a:xfrm>
-            <a:off x="1735560" y="1599840"/>
-            <a:ext cx="5671800" cy="4525560"/>
+            <a:off x="2079000" y="1604520"/>
+            <a:ext cx="4984920" cy="3977280"/>
           </a:xfrm>
           <a:prstGeom prst="rect">
             <a:avLst/>
@@ -491,7 +496,7 @@
       </p:grpSpPr>
       <p:sp>
         <p:nvSpPr>
-          <p:cNvPr id="46" name="PlaceHolder 1"/>
+          <p:cNvPr id="40" name="PlaceHolder 1"/>
           <p:cNvSpPr>
             <a:spLocks noGrp="1"/>
           </p:cNvSpPr>
@@ -501,8 +506,8 @@
         </p:nvSpPr>
         <p:spPr>
           <a:xfrm>
-            <a:off x="457200" y="274680"/>
-            <a:ext cx="8229240" cy="1143000"/>
+            <a:off x="457200" y="273600"/>
+            <a:ext cx="8229240" cy="1145160"/>
           </a:xfrm>
           <a:prstGeom prst="rect">
             <a:avLst/>
@@ -511,13 +516,14 @@
         <p:txBody>
           <a:bodyPr lIns="0" rIns="0" tIns="0" bIns="0" anchor="ctr"/>
           <a:p>
-            <a:endParaRPr/>
-          </a:p>
-        </p:txBody>
-      </p:sp>
-      <p:sp>
-        <p:nvSpPr>
-          <p:cNvPr id="47" name="PlaceHolder 2"/>
+            <a:pPr algn="ctr"/>
+            <a:endParaRPr/>
+          </a:p>
+        </p:txBody>
+      </p:sp>
+      <p:sp>
+        <p:nvSpPr>
+          <p:cNvPr id="41" name="PlaceHolder 2"/>
           <p:cNvSpPr>
             <a:spLocks noGrp="1"/>
           </p:cNvSpPr>
@@ -527,8 +533,8 @@
         </p:nvSpPr>
         <p:spPr>
           <a:xfrm>
-            <a:off x="457200" y="1600200"/>
-            <a:ext cx="8229240" cy="4525920"/>
+            <a:off x="457200" y="1604520"/>
+            <a:ext cx="8229240" cy="3977640"/>
           </a:xfrm>
           <a:prstGeom prst="rect">
             <a:avLst/>
@@ -566,7 +572,7 @@
       </p:grpSpPr>
       <p:sp>
         <p:nvSpPr>
-          <p:cNvPr id="48" name="PlaceHolder 1"/>
+          <p:cNvPr id="42" name="PlaceHolder 1"/>
           <p:cNvSpPr>
             <a:spLocks noGrp="1"/>
           </p:cNvSpPr>
@@ -576,8 +582,8 @@
         </p:nvSpPr>
         <p:spPr>
           <a:xfrm>
-            <a:off x="457200" y="274680"/>
-            <a:ext cx="8229240" cy="1143000"/>
+            <a:off x="457200" y="273600"/>
+            <a:ext cx="8229240" cy="1145160"/>
           </a:xfrm>
           <a:prstGeom prst="rect">
             <a:avLst/>
@@ -586,13 +592,14 @@
         <p:txBody>
           <a:bodyPr lIns="0" rIns="0" tIns="0" bIns="0" anchor="ctr"/>
           <a:p>
-            <a:endParaRPr/>
-          </a:p>
-        </p:txBody>
-      </p:sp>
-      <p:sp>
-        <p:nvSpPr>
-          <p:cNvPr id="49" name="PlaceHolder 2"/>
+            <a:pPr algn="ctr"/>
+            <a:endParaRPr/>
+          </a:p>
+        </p:txBody>
+      </p:sp>
+      <p:sp>
+        <p:nvSpPr>
+          <p:cNvPr id="43" name="PlaceHolder 2"/>
           <p:cNvSpPr>
             <a:spLocks noGrp="1"/>
           </p:cNvSpPr>
@@ -602,8 +609,8 @@
         </p:nvSpPr>
         <p:spPr>
           <a:xfrm>
-            <a:off x="457200" y="1600200"/>
-            <a:ext cx="8229240" cy="4525560"/>
+            <a:off x="457200" y="1604520"/>
+            <a:ext cx="8229240" cy="3977280"/>
           </a:xfrm>
           <a:prstGeom prst="rect">
             <a:avLst/>
@@ -640,7 +647,7 @@
       </p:grpSpPr>
       <p:sp>
         <p:nvSpPr>
-          <p:cNvPr id="50" name="PlaceHolder 1"/>
+          <p:cNvPr id="44" name="PlaceHolder 1"/>
           <p:cNvSpPr>
             <a:spLocks noGrp="1"/>
           </p:cNvSpPr>
@@ -650,8 +657,8 @@
         </p:nvSpPr>
         <p:spPr>
           <a:xfrm>
-            <a:off x="457200" y="274680"/>
-            <a:ext cx="8229240" cy="1143000"/>
+            <a:off x="457200" y="273600"/>
+            <a:ext cx="8229240" cy="1145160"/>
           </a:xfrm>
           <a:prstGeom prst="rect">
             <a:avLst/>
@@ -660,13 +667,14 @@
         <p:txBody>
           <a:bodyPr lIns="0" rIns="0" tIns="0" bIns="0" anchor="ctr"/>
           <a:p>
-            <a:endParaRPr/>
-          </a:p>
-        </p:txBody>
-      </p:sp>
-      <p:sp>
-        <p:nvSpPr>
-          <p:cNvPr id="51" name="PlaceHolder 2"/>
+            <a:pPr algn="ctr"/>
+            <a:endParaRPr/>
+          </a:p>
+        </p:txBody>
+      </p:sp>
+      <p:sp>
+        <p:nvSpPr>
+          <p:cNvPr id="45" name="PlaceHolder 2"/>
           <p:cNvSpPr>
             <a:spLocks noGrp="1"/>
           </p:cNvSpPr>
@@ -676,8 +684,8 @@
         </p:nvSpPr>
         <p:spPr>
           <a:xfrm>
-            <a:off x="457200" y="1600200"/>
-            <a:ext cx="4015800" cy="4525560"/>
+            <a:off x="457200" y="1604520"/>
+            <a:ext cx="4015800" cy="3977280"/>
           </a:xfrm>
           <a:prstGeom prst="rect">
             <a:avLst/>
@@ -692,7 +700,7 @@
       </p:sp>
       <p:sp>
         <p:nvSpPr>
-          <p:cNvPr id="52" name="PlaceHolder 3"/>
+          <p:cNvPr id="46" name="PlaceHolder 3"/>
           <p:cNvSpPr>
             <a:spLocks noGrp="1"/>
           </p:cNvSpPr>
@@ -702,8 +710,8 @@
         </p:nvSpPr>
         <p:spPr>
           <a:xfrm>
-            <a:off x="4674240" y="1600200"/>
-            <a:ext cx="4015800" cy="4525560"/>
+            <a:off x="4674240" y="1604520"/>
+            <a:ext cx="4015800" cy="3977280"/>
           </a:xfrm>
           <a:prstGeom prst="rect">
             <a:avLst/>
@@ -740,7 +748,7 @@
       </p:grpSpPr>
       <p:sp>
         <p:nvSpPr>
-          <p:cNvPr id="53" name="PlaceHolder 1"/>
+          <p:cNvPr id="47" name="PlaceHolder 1"/>
           <p:cNvSpPr>
             <a:spLocks noGrp="1"/>
           </p:cNvSpPr>
@@ -750,8 +758,8 @@
         </p:nvSpPr>
         <p:spPr>
           <a:xfrm>
-            <a:off x="457200" y="274680"/>
-            <a:ext cx="8229240" cy="1143000"/>
+            <a:off x="457200" y="273600"/>
+            <a:ext cx="8229240" cy="1145160"/>
           </a:xfrm>
           <a:prstGeom prst="rect">
             <a:avLst/>
@@ -760,6 +768,7 @@
         <p:txBody>
           <a:bodyPr lIns="0" rIns="0" tIns="0" bIns="0" anchor="ctr"/>
           <a:p>
+            <a:pPr algn="ctr"/>
             <a:endParaRPr/>
           </a:p>
         </p:txBody>
@@ -788,7 +797,7 @@
       </p:grpSpPr>
       <p:sp>
         <p:nvSpPr>
-          <p:cNvPr id="54" name="PlaceHolder 1"/>
+          <p:cNvPr id="48" name="PlaceHolder 1"/>
           <p:cNvSpPr>
             <a:spLocks noGrp="1"/>
           </p:cNvSpPr>
@@ -798,8 +807,8 @@
         </p:nvSpPr>
         <p:spPr>
           <a:xfrm>
-            <a:off x="457200" y="274680"/>
-            <a:ext cx="8229240" cy="5298120"/>
+            <a:off x="457200" y="273600"/>
+            <a:ext cx="8229240" cy="5308200"/>
           </a:xfrm>
           <a:prstGeom prst="rect">
             <a:avLst/>
@@ -837,7 +846,7 @@
       </p:grpSpPr>
       <p:sp>
         <p:nvSpPr>
-          <p:cNvPr id="55" name="PlaceHolder 1"/>
+          <p:cNvPr id="49" name="PlaceHolder 1"/>
           <p:cNvSpPr>
             <a:spLocks noGrp="1"/>
           </p:cNvSpPr>
@@ -847,8 +856,8 @@
         </p:nvSpPr>
         <p:spPr>
           <a:xfrm>
-            <a:off x="457200" y="274680"/>
-            <a:ext cx="8229240" cy="1143000"/>
+            <a:off x="457200" y="273600"/>
+            <a:ext cx="8229240" cy="1145160"/>
           </a:xfrm>
           <a:prstGeom prst="rect">
             <a:avLst/>
@@ -857,13 +866,14 @@
         <p:txBody>
           <a:bodyPr lIns="0" rIns="0" tIns="0" bIns="0" anchor="ctr"/>
           <a:p>
-            <a:endParaRPr/>
-          </a:p>
-        </p:txBody>
-      </p:sp>
-      <p:sp>
-        <p:nvSpPr>
-          <p:cNvPr id="56" name="PlaceHolder 2"/>
+            <a:pPr algn="ctr"/>
+            <a:endParaRPr/>
+          </a:p>
+        </p:txBody>
+      </p:sp>
+      <p:sp>
+        <p:nvSpPr>
+          <p:cNvPr id="50" name="PlaceHolder 2"/>
           <p:cNvSpPr>
             <a:spLocks noGrp="1"/>
           </p:cNvSpPr>
@@ -873,8 +883,8 @@
         </p:nvSpPr>
         <p:spPr>
           <a:xfrm>
-            <a:off x="457200" y="1600200"/>
-            <a:ext cx="4015800" cy="2158560"/>
+            <a:off x="457200" y="1604520"/>
+            <a:ext cx="4015800" cy="1896840"/>
           </a:xfrm>
           <a:prstGeom prst="rect">
             <a:avLst/>
@@ -889,7 +899,7 @@
       </p:sp>
       <p:sp>
         <p:nvSpPr>
-          <p:cNvPr id="57" name="PlaceHolder 3"/>
+          <p:cNvPr id="51" name="PlaceHolder 3"/>
           <p:cNvSpPr>
             <a:spLocks noGrp="1"/>
           </p:cNvSpPr>
@@ -899,8 +909,8 @@
         </p:nvSpPr>
         <p:spPr>
           <a:xfrm>
-            <a:off x="457200" y="3964320"/>
-            <a:ext cx="4015800" cy="2158560"/>
+            <a:off x="457200" y="3682080"/>
+            <a:ext cx="4015800" cy="1896840"/>
           </a:xfrm>
           <a:prstGeom prst="rect">
             <a:avLst/>
@@ -915,7 +925,7 @@
       </p:sp>
       <p:sp>
         <p:nvSpPr>
-          <p:cNvPr id="58" name="PlaceHolder 4"/>
+          <p:cNvPr id="52" name="PlaceHolder 4"/>
           <p:cNvSpPr>
             <a:spLocks noGrp="1"/>
           </p:cNvSpPr>
@@ -925,8 +935,8 @@
         </p:nvSpPr>
         <p:spPr>
           <a:xfrm>
-            <a:off x="4674240" y="1600200"/>
-            <a:ext cx="4015800" cy="4525560"/>
+            <a:off x="4674240" y="1604520"/>
+            <a:ext cx="4015800" cy="3977280"/>
           </a:xfrm>
           <a:prstGeom prst="rect">
             <a:avLst/>
@@ -963,7 +973,7 @@
       </p:grpSpPr>
       <p:sp>
         <p:nvSpPr>
-          <p:cNvPr id="6" name="PlaceHolder 1"/>
+          <p:cNvPr id="3" name="PlaceHolder 1"/>
           <p:cNvSpPr>
             <a:spLocks noGrp="1"/>
           </p:cNvSpPr>
@@ -973,8 +983,8 @@
         </p:nvSpPr>
         <p:spPr>
           <a:xfrm>
-            <a:off x="457200" y="274680"/>
-            <a:ext cx="8229240" cy="1143000"/>
+            <a:off x="457200" y="273600"/>
+            <a:ext cx="8229240" cy="1145160"/>
           </a:xfrm>
           <a:prstGeom prst="rect">
             <a:avLst/>
@@ -983,13 +993,14 @@
         <p:txBody>
           <a:bodyPr lIns="0" rIns="0" tIns="0" bIns="0" anchor="ctr"/>
           <a:p>
-            <a:endParaRPr/>
-          </a:p>
-        </p:txBody>
-      </p:sp>
-      <p:sp>
-        <p:nvSpPr>
-          <p:cNvPr id="7" name="PlaceHolder 2"/>
+            <a:pPr algn="ctr"/>
+            <a:endParaRPr/>
+          </a:p>
+        </p:txBody>
+      </p:sp>
+      <p:sp>
+        <p:nvSpPr>
+          <p:cNvPr id="4" name="PlaceHolder 2"/>
           <p:cNvSpPr>
             <a:spLocks noGrp="1"/>
           </p:cNvSpPr>
@@ -999,8 +1010,8 @@
         </p:nvSpPr>
         <p:spPr>
           <a:xfrm>
-            <a:off x="457200" y="1600200"/>
-            <a:ext cx="8229240" cy="4525920"/>
+            <a:off x="457200" y="1604520"/>
+            <a:ext cx="8229240" cy="3977640"/>
           </a:xfrm>
           <a:prstGeom prst="rect">
             <a:avLst/>
@@ -1038,7 +1049,7 @@
       </p:grpSpPr>
       <p:sp>
         <p:nvSpPr>
-          <p:cNvPr id="59" name="PlaceHolder 1"/>
+          <p:cNvPr id="53" name="PlaceHolder 1"/>
           <p:cNvSpPr>
             <a:spLocks noGrp="1"/>
           </p:cNvSpPr>
@@ -1048,8 +1059,8 @@
         </p:nvSpPr>
         <p:spPr>
           <a:xfrm>
-            <a:off x="457200" y="274680"/>
-            <a:ext cx="8229240" cy="1143000"/>
+            <a:off x="457200" y="273600"/>
+            <a:ext cx="8229240" cy="1145160"/>
           </a:xfrm>
           <a:prstGeom prst="rect">
             <a:avLst/>
@@ -1058,13 +1069,14 @@
         <p:txBody>
           <a:bodyPr lIns="0" rIns="0" tIns="0" bIns="0" anchor="ctr"/>
           <a:p>
-            <a:endParaRPr/>
-          </a:p>
-        </p:txBody>
-      </p:sp>
-      <p:sp>
-        <p:nvSpPr>
-          <p:cNvPr id="60" name="PlaceHolder 2"/>
+            <a:pPr algn="ctr"/>
+            <a:endParaRPr/>
+          </a:p>
+        </p:txBody>
+      </p:sp>
+      <p:sp>
+        <p:nvSpPr>
+          <p:cNvPr id="54" name="PlaceHolder 2"/>
           <p:cNvSpPr>
             <a:spLocks noGrp="1"/>
           </p:cNvSpPr>
@@ -1074,8 +1086,8 @@
         </p:nvSpPr>
         <p:spPr>
           <a:xfrm>
-            <a:off x="457200" y="1600200"/>
-            <a:ext cx="4015800" cy="4525560"/>
+            <a:off x="457200" y="1604520"/>
+            <a:ext cx="4015800" cy="3977280"/>
           </a:xfrm>
           <a:prstGeom prst="rect">
             <a:avLst/>
@@ -1090,7 +1102,7 @@
       </p:sp>
       <p:sp>
         <p:nvSpPr>
-          <p:cNvPr id="61" name="PlaceHolder 3"/>
+          <p:cNvPr id="55" name="PlaceHolder 3"/>
           <p:cNvSpPr>
             <a:spLocks noGrp="1"/>
           </p:cNvSpPr>
@@ -1100,8 +1112,8 @@
         </p:nvSpPr>
         <p:spPr>
           <a:xfrm>
-            <a:off x="4674240" y="1600200"/>
-            <a:ext cx="4015800" cy="2158560"/>
+            <a:off x="4674240" y="1604520"/>
+            <a:ext cx="4015800" cy="1896840"/>
           </a:xfrm>
           <a:prstGeom prst="rect">
             <a:avLst/>
@@ -1116,7 +1128,7 @@
       </p:sp>
       <p:sp>
         <p:nvSpPr>
-          <p:cNvPr id="62" name="PlaceHolder 4"/>
+          <p:cNvPr id="56" name="PlaceHolder 4"/>
           <p:cNvSpPr>
             <a:spLocks noGrp="1"/>
           </p:cNvSpPr>
@@ -1126,8 +1138,8 @@
         </p:nvSpPr>
         <p:spPr>
           <a:xfrm>
-            <a:off x="4674240" y="3964320"/>
-            <a:ext cx="4015800" cy="2158560"/>
+            <a:off x="4674240" y="3682080"/>
+            <a:ext cx="4015800" cy="1896840"/>
           </a:xfrm>
           <a:prstGeom prst="rect">
             <a:avLst/>
@@ -1164,7 +1176,7 @@
       </p:grpSpPr>
       <p:sp>
         <p:nvSpPr>
-          <p:cNvPr id="63" name="PlaceHolder 1"/>
+          <p:cNvPr id="57" name="PlaceHolder 1"/>
           <p:cNvSpPr>
             <a:spLocks noGrp="1"/>
           </p:cNvSpPr>
@@ -1174,8 +1186,8 @@
         </p:nvSpPr>
         <p:spPr>
           <a:xfrm>
-            <a:off x="457200" y="274680"/>
-            <a:ext cx="8229240" cy="1143000"/>
+            <a:off x="457200" y="273600"/>
+            <a:ext cx="8229240" cy="1145160"/>
           </a:xfrm>
           <a:prstGeom prst="rect">
             <a:avLst/>
@@ -1184,13 +1196,14 @@
         <p:txBody>
           <a:bodyPr lIns="0" rIns="0" tIns="0" bIns="0" anchor="ctr"/>
           <a:p>
-            <a:endParaRPr/>
-          </a:p>
-        </p:txBody>
-      </p:sp>
-      <p:sp>
-        <p:nvSpPr>
-          <p:cNvPr id="64" name="PlaceHolder 2"/>
+            <a:pPr algn="ctr"/>
+            <a:endParaRPr/>
+          </a:p>
+        </p:txBody>
+      </p:sp>
+      <p:sp>
+        <p:nvSpPr>
+          <p:cNvPr id="58" name="PlaceHolder 2"/>
           <p:cNvSpPr>
             <a:spLocks noGrp="1"/>
           </p:cNvSpPr>
@@ -1200,8 +1213,8 @@
         </p:nvSpPr>
         <p:spPr>
           <a:xfrm>
-            <a:off x="457200" y="1600200"/>
-            <a:ext cx="4015800" cy="2158560"/>
+            <a:off x="457200" y="1604520"/>
+            <a:ext cx="4015800" cy="1896840"/>
           </a:xfrm>
           <a:prstGeom prst="rect">
             <a:avLst/>
@@ -1216,7 +1229,7 @@
       </p:sp>
       <p:sp>
         <p:nvSpPr>
-          <p:cNvPr id="65" name="PlaceHolder 3"/>
+          <p:cNvPr id="59" name="PlaceHolder 3"/>
           <p:cNvSpPr>
             <a:spLocks noGrp="1"/>
           </p:cNvSpPr>
@@ -1226,8 +1239,8 @@
         </p:nvSpPr>
         <p:spPr>
           <a:xfrm>
-            <a:off x="4674240" y="1600200"/>
-            <a:ext cx="4015800" cy="2158560"/>
+            <a:off x="4674240" y="1604520"/>
+            <a:ext cx="4015800" cy="1896840"/>
           </a:xfrm>
           <a:prstGeom prst="rect">
             <a:avLst/>
@@ -1242,7 +1255,7 @@
       </p:sp>
       <p:sp>
         <p:nvSpPr>
-          <p:cNvPr id="66" name="PlaceHolder 4"/>
+          <p:cNvPr id="60" name="PlaceHolder 4"/>
           <p:cNvSpPr>
             <a:spLocks noGrp="1"/>
           </p:cNvSpPr>
@@ -1252,8 +1265,8 @@
         </p:nvSpPr>
         <p:spPr>
           <a:xfrm>
-            <a:off x="457200" y="3964320"/>
-            <a:ext cx="8229240" cy="2158560"/>
+            <a:off x="457200" y="3682080"/>
+            <a:ext cx="8229240" cy="1896840"/>
           </a:xfrm>
           <a:prstGeom prst="rect">
             <a:avLst/>
@@ -1290,7 +1303,7 @@
       </p:grpSpPr>
       <p:sp>
         <p:nvSpPr>
-          <p:cNvPr id="67" name="PlaceHolder 1"/>
+          <p:cNvPr id="61" name="PlaceHolder 1"/>
           <p:cNvSpPr>
             <a:spLocks noGrp="1"/>
           </p:cNvSpPr>
@@ -1300,8 +1313,8 @@
         </p:nvSpPr>
         <p:spPr>
           <a:xfrm>
-            <a:off x="457200" y="274680"/>
-            <a:ext cx="8229240" cy="1143000"/>
+            <a:off x="457200" y="273600"/>
+            <a:ext cx="8229240" cy="1145160"/>
           </a:xfrm>
           <a:prstGeom prst="rect">
             <a:avLst/>
@@ -1310,13 +1323,14 @@
         <p:txBody>
           <a:bodyPr lIns="0" rIns="0" tIns="0" bIns="0" anchor="ctr"/>
           <a:p>
-            <a:endParaRPr/>
-          </a:p>
-        </p:txBody>
-      </p:sp>
-      <p:sp>
-        <p:nvSpPr>
-          <p:cNvPr id="68" name="PlaceHolder 2"/>
+            <a:pPr algn="ctr"/>
+            <a:endParaRPr/>
+          </a:p>
+        </p:txBody>
+      </p:sp>
+      <p:sp>
+        <p:nvSpPr>
+          <p:cNvPr id="62" name="PlaceHolder 2"/>
           <p:cNvSpPr>
             <a:spLocks noGrp="1"/>
           </p:cNvSpPr>
@@ -1326,8 +1340,8 @@
         </p:nvSpPr>
         <p:spPr>
           <a:xfrm>
-            <a:off x="457200" y="1600200"/>
-            <a:ext cx="8229240" cy="2158560"/>
+            <a:off x="457200" y="1604520"/>
+            <a:ext cx="8229240" cy="1896840"/>
           </a:xfrm>
           <a:prstGeom prst="rect">
             <a:avLst/>
@@ -1342,7 +1356,7 @@
       </p:sp>
       <p:sp>
         <p:nvSpPr>
-          <p:cNvPr id="69" name="PlaceHolder 3"/>
+          <p:cNvPr id="63" name="PlaceHolder 3"/>
           <p:cNvSpPr>
             <a:spLocks noGrp="1"/>
           </p:cNvSpPr>
@@ -1352,8 +1366,8 @@
         </p:nvSpPr>
         <p:spPr>
           <a:xfrm>
-            <a:off x="457200" y="3964320"/>
-            <a:ext cx="8229240" cy="2158560"/>
+            <a:off x="457200" y="3682080"/>
+            <a:ext cx="8229240" cy="1896840"/>
           </a:xfrm>
           <a:prstGeom prst="rect">
             <a:avLst/>
@@ -1390,7 +1404,7 @@
       </p:grpSpPr>
       <p:sp>
         <p:nvSpPr>
-          <p:cNvPr id="70" name="PlaceHolder 1"/>
+          <p:cNvPr id="64" name="PlaceHolder 1"/>
           <p:cNvSpPr>
             <a:spLocks noGrp="1"/>
           </p:cNvSpPr>
@@ -1400,8 +1414,8 @@
         </p:nvSpPr>
         <p:spPr>
           <a:xfrm>
-            <a:off x="457200" y="274680"/>
-            <a:ext cx="8229240" cy="1143000"/>
+            <a:off x="457200" y="273600"/>
+            <a:ext cx="8229240" cy="1145160"/>
           </a:xfrm>
           <a:prstGeom prst="rect">
             <a:avLst/>
@@ -1410,13 +1424,14 @@
         <p:txBody>
           <a:bodyPr lIns="0" rIns="0" tIns="0" bIns="0" anchor="ctr"/>
           <a:p>
-            <a:endParaRPr/>
-          </a:p>
-        </p:txBody>
-      </p:sp>
-      <p:sp>
-        <p:nvSpPr>
-          <p:cNvPr id="71" name="PlaceHolder 2"/>
+            <a:pPr algn="ctr"/>
+            <a:endParaRPr/>
+          </a:p>
+        </p:txBody>
+      </p:sp>
+      <p:sp>
+        <p:nvSpPr>
+          <p:cNvPr id="65" name="PlaceHolder 2"/>
           <p:cNvSpPr>
             <a:spLocks noGrp="1"/>
           </p:cNvSpPr>
@@ -1426,8 +1441,8 @@
         </p:nvSpPr>
         <p:spPr>
           <a:xfrm>
-            <a:off x="457200" y="1600200"/>
-            <a:ext cx="4015800" cy="2158560"/>
+            <a:off x="457200" y="1604520"/>
+            <a:ext cx="4015800" cy="1896840"/>
           </a:xfrm>
           <a:prstGeom prst="rect">
             <a:avLst/>
@@ -1442,7 +1457,7 @@
       </p:sp>
       <p:sp>
         <p:nvSpPr>
-          <p:cNvPr id="72" name="PlaceHolder 3"/>
+          <p:cNvPr id="66" name="PlaceHolder 3"/>
           <p:cNvSpPr>
             <a:spLocks noGrp="1"/>
           </p:cNvSpPr>
@@ -1452,8 +1467,8 @@
         </p:nvSpPr>
         <p:spPr>
           <a:xfrm>
-            <a:off x="4674240" y="1600200"/>
-            <a:ext cx="4015800" cy="2158560"/>
+            <a:off x="4674240" y="1604520"/>
+            <a:ext cx="4015800" cy="1896840"/>
           </a:xfrm>
           <a:prstGeom prst="rect">
             <a:avLst/>
@@ -1468,7 +1483,7 @@
       </p:sp>
       <p:sp>
         <p:nvSpPr>
-          <p:cNvPr id="73" name="PlaceHolder 4"/>
+          <p:cNvPr id="67" name="PlaceHolder 4"/>
           <p:cNvSpPr>
             <a:spLocks noGrp="1"/>
           </p:cNvSpPr>
@@ -1478,8 +1493,8 @@
         </p:nvSpPr>
         <p:spPr>
           <a:xfrm>
-            <a:off x="4674240" y="3964320"/>
-            <a:ext cx="4015800" cy="2158560"/>
+            <a:off x="4674240" y="3682080"/>
+            <a:ext cx="4015800" cy="1896840"/>
           </a:xfrm>
           <a:prstGeom prst="rect">
             <a:avLst/>
@@ -1494,7 +1509,7 @@
       </p:sp>
       <p:sp>
         <p:nvSpPr>
-          <p:cNvPr id="74" name="PlaceHolder 5"/>
+          <p:cNvPr id="68" name="PlaceHolder 5"/>
           <p:cNvSpPr>
             <a:spLocks noGrp="1"/>
           </p:cNvSpPr>
@@ -1504,8 +1519,8 @@
         </p:nvSpPr>
         <p:spPr>
           <a:xfrm>
-            <a:off x="457200" y="3964320"/>
-            <a:ext cx="4015800" cy="2158560"/>
+            <a:off x="457200" y="3682080"/>
+            <a:ext cx="4015800" cy="1896840"/>
           </a:xfrm>
           <a:prstGeom prst="rect">
             <a:avLst/>
@@ -1542,7 +1557,7 @@
       </p:grpSpPr>
       <p:sp>
         <p:nvSpPr>
-          <p:cNvPr id="75" name="PlaceHolder 1"/>
+          <p:cNvPr id="69" name="PlaceHolder 1"/>
           <p:cNvSpPr>
             <a:spLocks noGrp="1"/>
           </p:cNvSpPr>
@@ -1552,8 +1567,8 @@
         </p:nvSpPr>
         <p:spPr>
           <a:xfrm>
-            <a:off x="457200" y="274680"/>
-            <a:ext cx="8229240" cy="1143000"/>
+            <a:off x="457200" y="273600"/>
+            <a:ext cx="8229240" cy="1145160"/>
           </a:xfrm>
           <a:prstGeom prst="rect">
             <a:avLst/>
@@ -1562,13 +1577,14 @@
         <p:txBody>
           <a:bodyPr lIns="0" rIns="0" tIns="0" bIns="0" anchor="ctr"/>
           <a:p>
-            <a:endParaRPr/>
-          </a:p>
-        </p:txBody>
-      </p:sp>
-      <p:sp>
-        <p:nvSpPr>
-          <p:cNvPr id="76" name="PlaceHolder 2"/>
+            <a:pPr algn="ctr"/>
+            <a:endParaRPr/>
+          </a:p>
+        </p:txBody>
+      </p:sp>
+      <p:sp>
+        <p:nvSpPr>
+          <p:cNvPr id="70" name="PlaceHolder 2"/>
           <p:cNvSpPr>
             <a:spLocks noGrp="1"/>
           </p:cNvSpPr>
@@ -1578,8 +1594,8 @@
         </p:nvSpPr>
         <p:spPr>
           <a:xfrm>
-            <a:off x="457200" y="1600200"/>
-            <a:ext cx="8229240" cy="4525560"/>
+            <a:off x="457200" y="1604520"/>
+            <a:ext cx="8229240" cy="3977280"/>
           </a:xfrm>
           <a:prstGeom prst="rect">
             <a:avLst/>
@@ -1594,7 +1610,7 @@
       </p:sp>
       <p:sp>
         <p:nvSpPr>
-          <p:cNvPr id="77" name="PlaceHolder 3"/>
+          <p:cNvPr id="71" name="PlaceHolder 3"/>
           <p:cNvSpPr>
             <a:spLocks noGrp="1"/>
           </p:cNvSpPr>
@@ -1604,8 +1620,8 @@
         </p:nvSpPr>
         <p:spPr>
           <a:xfrm>
-            <a:off x="457200" y="1600200"/>
-            <a:ext cx="8229240" cy="4525560"/>
+            <a:off x="457200" y="1604520"/>
+            <a:ext cx="8229240" cy="3977280"/>
           </a:xfrm>
           <a:prstGeom prst="rect">
             <a:avLst/>
@@ -1620,7 +1636,7 @@
       </p:sp>
       <p:pic>
         <p:nvPicPr>
-          <p:cNvPr id="78" name="" descr=""/>
+          <p:cNvPr id="72" name="" descr=""/>
           <p:cNvPicPr/>
           <p:nvPr/>
         </p:nvPicPr>
@@ -1632,8 +1648,8 @@
         </p:blipFill>
         <p:spPr>
           <a:xfrm>
-            <a:off x="1735560" y="1599840"/>
-            <a:ext cx="5671800" cy="4525560"/>
+            <a:off x="2079000" y="1604520"/>
+            <a:ext cx="4984920" cy="3977280"/>
           </a:xfrm>
           <a:prstGeom prst="rect">
             <a:avLst/>
@@ -1645,7 +1661,7 @@
       </p:pic>
       <p:pic>
         <p:nvPicPr>
-          <p:cNvPr id="79" name="" descr=""/>
+          <p:cNvPr id="73" name="" descr=""/>
           <p:cNvPicPr/>
           <p:nvPr/>
         </p:nvPicPr>
@@ -1657,8 +1673,8 @@
         </p:blipFill>
         <p:spPr>
           <a:xfrm>
-            <a:off x="1735560" y="1599840"/>
-            <a:ext cx="5671800" cy="4525560"/>
+            <a:off x="2079000" y="1604520"/>
+            <a:ext cx="4984920" cy="3977280"/>
           </a:xfrm>
           <a:prstGeom prst="rect">
             <a:avLst/>
@@ -1668,325 +1684,6 @@
           </a:ln>
         </p:spPr>
       </p:pic>
-    </p:spTree>
-  </p:cSld>
-</p:sldLayout>
-</file>
-
-<file path=ppt/slideLayouts/slideLayout25.xml><?xml version="1.0" encoding="utf-8"?>
-<p:sldLayout xmlns:a="http://schemas.openxmlformats.org/drawingml/2006/main" xmlns:p="http://schemas.openxmlformats.org/presentationml/2006/main" xmlns:r="http://schemas.openxmlformats.org/officeDocument/2006/relationships" type="blank" preserve="1">
-  <p:cSld name="Blank Slide">
-    <p:spTree>
-      <p:nvGrpSpPr>
-        <p:cNvPr id="1" name=""/>
-        <p:cNvGrpSpPr/>
-        <p:nvPr/>
-      </p:nvGrpSpPr>
-      <p:grpSpPr>
-        <a:xfrm>
-          <a:off x="0" y="0"/>
-          <a:ext cx="0" cy="0"/>
-          <a:chOff x="0" y="0"/>
-          <a:chExt cx="0" cy="0"/>
-        </a:xfrm>
-      </p:grpSpPr>
-    </p:spTree>
-  </p:cSld>
-</p:sldLayout>
-</file>
-
-<file path=ppt/slideLayouts/slideLayout26.xml><?xml version="1.0" encoding="utf-8"?>
-<p:sldLayout xmlns:a="http://schemas.openxmlformats.org/drawingml/2006/main" xmlns:p="http://schemas.openxmlformats.org/presentationml/2006/main" xmlns:r="http://schemas.openxmlformats.org/officeDocument/2006/relationships" type="tx" preserve="1">
-  <p:cSld name="Title Slide">
-    <p:spTree>
-      <p:nvGrpSpPr>
-        <p:cNvPr id="1" name=""/>
-        <p:cNvGrpSpPr/>
-        <p:nvPr/>
-      </p:nvGrpSpPr>
-      <p:grpSpPr>
-        <a:xfrm>
-          <a:off x="0" y="0"/>
-          <a:ext cx="0" cy="0"/>
-          <a:chOff x="0" y="0"/>
-          <a:chExt cx="0" cy="0"/>
-        </a:xfrm>
-      </p:grpSpPr>
-      <p:sp>
-        <p:nvSpPr>
-          <p:cNvPr id="86" name="PlaceHolder 1"/>
-          <p:cNvSpPr>
-            <a:spLocks noGrp="1"/>
-          </p:cNvSpPr>
-          <p:nvPr>
-            <p:ph type="title"/>
-          </p:nvPr>
-        </p:nvSpPr>
-        <p:spPr>
-          <a:xfrm>
-            <a:off x="457200" y="274680"/>
-            <a:ext cx="8229240" cy="1143000"/>
-          </a:xfrm>
-          <a:prstGeom prst="rect">
-            <a:avLst/>
-          </a:prstGeom>
-        </p:spPr>
-        <p:txBody>
-          <a:bodyPr lIns="0" rIns="0" tIns="0" bIns="0" anchor="ctr"/>
-          <a:p>
-            <a:endParaRPr/>
-          </a:p>
-        </p:txBody>
-      </p:sp>
-      <p:sp>
-        <p:nvSpPr>
-          <p:cNvPr id="87" name="PlaceHolder 2"/>
-          <p:cNvSpPr>
-            <a:spLocks noGrp="1"/>
-          </p:cNvSpPr>
-          <p:nvPr>
-            <p:ph type="subTitle"/>
-          </p:nvPr>
-        </p:nvSpPr>
-        <p:spPr>
-          <a:xfrm>
-            <a:off x="457200" y="1600200"/>
-            <a:ext cx="8229240" cy="4525920"/>
-          </a:xfrm>
-          <a:prstGeom prst="rect">
-            <a:avLst/>
-          </a:prstGeom>
-        </p:spPr>
-        <p:txBody>
-          <a:bodyPr lIns="0" rIns="0" tIns="0" bIns="0" anchor="ctr"/>
-          <a:p>
-            <a:pPr algn="ctr"/>
-            <a:endParaRPr/>
-          </a:p>
-        </p:txBody>
-      </p:sp>
-    </p:spTree>
-  </p:cSld>
-</p:sldLayout>
-</file>
-
-<file path=ppt/slideLayouts/slideLayout27.xml><?xml version="1.0" encoding="utf-8"?>
-<p:sldLayout xmlns:a="http://schemas.openxmlformats.org/drawingml/2006/main" xmlns:p="http://schemas.openxmlformats.org/presentationml/2006/main" xmlns:r="http://schemas.openxmlformats.org/officeDocument/2006/relationships" type="obj" preserve="1">
-  <p:cSld name="Title, Content">
-    <p:spTree>
-      <p:nvGrpSpPr>
-        <p:cNvPr id="1" name=""/>
-        <p:cNvGrpSpPr/>
-        <p:nvPr/>
-      </p:nvGrpSpPr>
-      <p:grpSpPr>
-        <a:xfrm>
-          <a:off x="0" y="0"/>
-          <a:ext cx="0" cy="0"/>
-          <a:chOff x="0" y="0"/>
-          <a:chExt cx="0" cy="0"/>
-        </a:xfrm>
-      </p:grpSpPr>
-      <p:sp>
-        <p:nvSpPr>
-          <p:cNvPr id="88" name="PlaceHolder 1"/>
-          <p:cNvSpPr>
-            <a:spLocks noGrp="1"/>
-          </p:cNvSpPr>
-          <p:nvPr>
-            <p:ph type="title"/>
-          </p:nvPr>
-        </p:nvSpPr>
-        <p:spPr>
-          <a:xfrm>
-            <a:off x="457200" y="274680"/>
-            <a:ext cx="8229240" cy="1143000"/>
-          </a:xfrm>
-          <a:prstGeom prst="rect">
-            <a:avLst/>
-          </a:prstGeom>
-        </p:spPr>
-        <p:txBody>
-          <a:bodyPr lIns="0" rIns="0" tIns="0" bIns="0" anchor="ctr"/>
-          <a:p>
-            <a:endParaRPr/>
-          </a:p>
-        </p:txBody>
-      </p:sp>
-      <p:sp>
-        <p:nvSpPr>
-          <p:cNvPr id="89" name="PlaceHolder 2"/>
-          <p:cNvSpPr>
-            <a:spLocks noGrp="1"/>
-          </p:cNvSpPr>
-          <p:nvPr>
-            <p:ph type="body"/>
-          </p:nvPr>
-        </p:nvSpPr>
-        <p:spPr>
-          <a:xfrm>
-            <a:off x="457200" y="1600200"/>
-            <a:ext cx="8229240" cy="4525560"/>
-          </a:xfrm>
-          <a:prstGeom prst="rect">
-            <a:avLst/>
-          </a:prstGeom>
-        </p:spPr>
-        <p:txBody>
-          <a:bodyPr lIns="0" rIns="0" tIns="0" bIns="0"/>
-          <a:p>
-            <a:endParaRPr/>
-          </a:p>
-        </p:txBody>
-      </p:sp>
-    </p:spTree>
-  </p:cSld>
-</p:sldLayout>
-</file>
-
-<file path=ppt/slideLayouts/slideLayout28.xml><?xml version="1.0" encoding="utf-8"?>
-<p:sldLayout xmlns:a="http://schemas.openxmlformats.org/drawingml/2006/main" xmlns:p="http://schemas.openxmlformats.org/presentationml/2006/main" xmlns:r="http://schemas.openxmlformats.org/officeDocument/2006/relationships" type="twoObj" preserve="1">
-  <p:cSld name="Title, 2 Content">
-    <p:spTree>
-      <p:nvGrpSpPr>
-        <p:cNvPr id="1" name=""/>
-        <p:cNvGrpSpPr/>
-        <p:nvPr/>
-      </p:nvGrpSpPr>
-      <p:grpSpPr>
-        <a:xfrm>
-          <a:off x="0" y="0"/>
-          <a:ext cx="0" cy="0"/>
-          <a:chOff x="0" y="0"/>
-          <a:chExt cx="0" cy="0"/>
-        </a:xfrm>
-      </p:grpSpPr>
-      <p:sp>
-        <p:nvSpPr>
-          <p:cNvPr id="90" name="PlaceHolder 1"/>
-          <p:cNvSpPr>
-            <a:spLocks noGrp="1"/>
-          </p:cNvSpPr>
-          <p:nvPr>
-            <p:ph type="title"/>
-          </p:nvPr>
-        </p:nvSpPr>
-        <p:spPr>
-          <a:xfrm>
-            <a:off x="457200" y="274680"/>
-            <a:ext cx="8229240" cy="1143000"/>
-          </a:xfrm>
-          <a:prstGeom prst="rect">
-            <a:avLst/>
-          </a:prstGeom>
-        </p:spPr>
-        <p:txBody>
-          <a:bodyPr lIns="0" rIns="0" tIns="0" bIns="0" anchor="ctr"/>
-          <a:p>
-            <a:endParaRPr/>
-          </a:p>
-        </p:txBody>
-      </p:sp>
-      <p:sp>
-        <p:nvSpPr>
-          <p:cNvPr id="91" name="PlaceHolder 2"/>
-          <p:cNvSpPr>
-            <a:spLocks noGrp="1"/>
-          </p:cNvSpPr>
-          <p:nvPr>
-            <p:ph type="body"/>
-          </p:nvPr>
-        </p:nvSpPr>
-        <p:spPr>
-          <a:xfrm>
-            <a:off x="457200" y="1600200"/>
-            <a:ext cx="4015800" cy="4525560"/>
-          </a:xfrm>
-          <a:prstGeom prst="rect">
-            <a:avLst/>
-          </a:prstGeom>
-        </p:spPr>
-        <p:txBody>
-          <a:bodyPr lIns="0" rIns="0" tIns="0" bIns="0"/>
-          <a:p>
-            <a:endParaRPr/>
-          </a:p>
-        </p:txBody>
-      </p:sp>
-      <p:sp>
-        <p:nvSpPr>
-          <p:cNvPr id="92" name="PlaceHolder 3"/>
-          <p:cNvSpPr>
-            <a:spLocks noGrp="1"/>
-          </p:cNvSpPr>
-          <p:nvPr>
-            <p:ph type="body"/>
-          </p:nvPr>
-        </p:nvSpPr>
-        <p:spPr>
-          <a:xfrm>
-            <a:off x="4674240" y="1600200"/>
-            <a:ext cx="4015800" cy="4525560"/>
-          </a:xfrm>
-          <a:prstGeom prst="rect">
-            <a:avLst/>
-          </a:prstGeom>
-        </p:spPr>
-        <p:txBody>
-          <a:bodyPr lIns="0" rIns="0" tIns="0" bIns="0"/>
-          <a:p>
-            <a:endParaRPr/>
-          </a:p>
-        </p:txBody>
-      </p:sp>
-    </p:spTree>
-  </p:cSld>
-</p:sldLayout>
-</file>
-
-<file path=ppt/slideLayouts/slideLayout29.xml><?xml version="1.0" encoding="utf-8"?>
-<p:sldLayout xmlns:a="http://schemas.openxmlformats.org/drawingml/2006/main" xmlns:p="http://schemas.openxmlformats.org/presentationml/2006/main" xmlns:r="http://schemas.openxmlformats.org/officeDocument/2006/relationships" type="titleOnly" preserve="1">
-  <p:cSld name="Title Only">
-    <p:spTree>
-      <p:nvGrpSpPr>
-        <p:cNvPr id="1" name=""/>
-        <p:cNvGrpSpPr/>
-        <p:nvPr/>
-      </p:nvGrpSpPr>
-      <p:grpSpPr>
-        <a:xfrm>
-          <a:off x="0" y="0"/>
-          <a:ext cx="0" cy="0"/>
-          <a:chOff x="0" y="0"/>
-          <a:chExt cx="0" cy="0"/>
-        </a:xfrm>
-      </p:grpSpPr>
-      <p:sp>
-        <p:nvSpPr>
-          <p:cNvPr id="93" name="PlaceHolder 1"/>
-          <p:cNvSpPr>
-            <a:spLocks noGrp="1"/>
-          </p:cNvSpPr>
-          <p:nvPr>
-            <p:ph type="title"/>
-          </p:nvPr>
-        </p:nvSpPr>
-        <p:spPr>
-          <a:xfrm>
-            <a:off x="457200" y="274680"/>
-            <a:ext cx="8229240" cy="1143000"/>
-          </a:xfrm>
-          <a:prstGeom prst="rect">
-            <a:avLst/>
-          </a:prstGeom>
-        </p:spPr>
-        <p:txBody>
-          <a:bodyPr lIns="0" rIns="0" tIns="0" bIns="0" anchor="ctr"/>
-          <a:p>
-            <a:endParaRPr/>
-          </a:p>
-        </p:txBody>
-      </p:sp>
     </p:spTree>
   </p:cSld>
 </p:sldLayout>
@@ -2011,7 +1708,7 @@
       </p:grpSpPr>
       <p:sp>
         <p:nvSpPr>
-          <p:cNvPr id="8" name="PlaceHolder 1"/>
+          <p:cNvPr id="5" name="PlaceHolder 1"/>
           <p:cNvSpPr>
             <a:spLocks noGrp="1"/>
           </p:cNvSpPr>
@@ -2021,8 +1718,8 @@
         </p:nvSpPr>
         <p:spPr>
           <a:xfrm>
-            <a:off x="457200" y="274680"/>
-            <a:ext cx="8229240" cy="1143000"/>
+            <a:off x="457200" y="273600"/>
+            <a:ext cx="8229240" cy="1145160"/>
           </a:xfrm>
           <a:prstGeom prst="rect">
             <a:avLst/>
@@ -2031,13 +1728,14 @@
         <p:txBody>
           <a:bodyPr lIns="0" rIns="0" tIns="0" bIns="0" anchor="ctr"/>
           <a:p>
-            <a:endParaRPr/>
-          </a:p>
-        </p:txBody>
-      </p:sp>
-      <p:sp>
-        <p:nvSpPr>
-          <p:cNvPr id="9" name="PlaceHolder 2"/>
+            <a:pPr algn="ctr"/>
+            <a:endParaRPr/>
+          </a:p>
+        </p:txBody>
+      </p:sp>
+      <p:sp>
+        <p:nvSpPr>
+          <p:cNvPr id="6" name="PlaceHolder 2"/>
           <p:cNvSpPr>
             <a:spLocks noGrp="1"/>
           </p:cNvSpPr>
@@ -2047,8 +1745,8 @@
         </p:nvSpPr>
         <p:spPr>
           <a:xfrm>
-            <a:off x="457200" y="1600200"/>
-            <a:ext cx="8229240" cy="4525560"/>
+            <a:off x="457200" y="1604520"/>
+            <a:ext cx="8229240" cy="3977280"/>
           </a:xfrm>
           <a:prstGeom prst="rect">
             <a:avLst/>
@@ -2061,835 +1759,6 @@
           </a:p>
         </p:txBody>
       </p:sp>
-    </p:spTree>
-  </p:cSld>
-</p:sldLayout>
-</file>
-
-<file path=ppt/slideLayouts/slideLayout30.xml><?xml version="1.0" encoding="utf-8"?>
-<p:sldLayout xmlns:a="http://schemas.openxmlformats.org/drawingml/2006/main" xmlns:p="http://schemas.openxmlformats.org/presentationml/2006/main" xmlns:r="http://schemas.openxmlformats.org/officeDocument/2006/relationships" type="objOnly" preserve="1">
-  <p:cSld name="Centered Text">
-    <p:spTree>
-      <p:nvGrpSpPr>
-        <p:cNvPr id="1" name=""/>
-        <p:cNvGrpSpPr/>
-        <p:nvPr/>
-      </p:nvGrpSpPr>
-      <p:grpSpPr>
-        <a:xfrm>
-          <a:off x="0" y="0"/>
-          <a:ext cx="0" cy="0"/>
-          <a:chOff x="0" y="0"/>
-          <a:chExt cx="0" cy="0"/>
-        </a:xfrm>
-      </p:grpSpPr>
-      <p:sp>
-        <p:nvSpPr>
-          <p:cNvPr id="94" name="PlaceHolder 1"/>
-          <p:cNvSpPr>
-            <a:spLocks noGrp="1"/>
-          </p:cNvSpPr>
-          <p:nvPr>
-            <p:ph type="subTitle"/>
-          </p:nvPr>
-        </p:nvSpPr>
-        <p:spPr>
-          <a:xfrm>
-            <a:off x="457200" y="274680"/>
-            <a:ext cx="8229240" cy="5298120"/>
-          </a:xfrm>
-          <a:prstGeom prst="rect">
-            <a:avLst/>
-          </a:prstGeom>
-        </p:spPr>
-        <p:txBody>
-          <a:bodyPr lIns="0" rIns="0" tIns="0" bIns="0" anchor="ctr"/>
-          <a:p>
-            <a:pPr algn="ctr"/>
-            <a:endParaRPr/>
-          </a:p>
-        </p:txBody>
-      </p:sp>
-    </p:spTree>
-  </p:cSld>
-</p:sldLayout>
-</file>
-
-<file path=ppt/slideLayouts/slideLayout31.xml><?xml version="1.0" encoding="utf-8"?>
-<p:sldLayout xmlns:a="http://schemas.openxmlformats.org/drawingml/2006/main" xmlns:p="http://schemas.openxmlformats.org/presentationml/2006/main" xmlns:r="http://schemas.openxmlformats.org/officeDocument/2006/relationships" type="twoObjAndObj" preserve="1">
-  <p:cSld name="Title, 2 Content and Content">
-    <p:spTree>
-      <p:nvGrpSpPr>
-        <p:cNvPr id="1" name=""/>
-        <p:cNvGrpSpPr/>
-        <p:nvPr/>
-      </p:nvGrpSpPr>
-      <p:grpSpPr>
-        <a:xfrm>
-          <a:off x="0" y="0"/>
-          <a:ext cx="0" cy="0"/>
-          <a:chOff x="0" y="0"/>
-          <a:chExt cx="0" cy="0"/>
-        </a:xfrm>
-      </p:grpSpPr>
-      <p:sp>
-        <p:nvSpPr>
-          <p:cNvPr id="95" name="PlaceHolder 1"/>
-          <p:cNvSpPr>
-            <a:spLocks noGrp="1"/>
-          </p:cNvSpPr>
-          <p:nvPr>
-            <p:ph type="title"/>
-          </p:nvPr>
-        </p:nvSpPr>
-        <p:spPr>
-          <a:xfrm>
-            <a:off x="457200" y="274680"/>
-            <a:ext cx="8229240" cy="1143000"/>
-          </a:xfrm>
-          <a:prstGeom prst="rect">
-            <a:avLst/>
-          </a:prstGeom>
-        </p:spPr>
-        <p:txBody>
-          <a:bodyPr lIns="0" rIns="0" tIns="0" bIns="0" anchor="ctr"/>
-          <a:p>
-            <a:endParaRPr/>
-          </a:p>
-        </p:txBody>
-      </p:sp>
-      <p:sp>
-        <p:nvSpPr>
-          <p:cNvPr id="96" name="PlaceHolder 2"/>
-          <p:cNvSpPr>
-            <a:spLocks noGrp="1"/>
-          </p:cNvSpPr>
-          <p:nvPr>
-            <p:ph type="body"/>
-          </p:nvPr>
-        </p:nvSpPr>
-        <p:spPr>
-          <a:xfrm>
-            <a:off x="457200" y="1600200"/>
-            <a:ext cx="4015800" cy="2158560"/>
-          </a:xfrm>
-          <a:prstGeom prst="rect">
-            <a:avLst/>
-          </a:prstGeom>
-        </p:spPr>
-        <p:txBody>
-          <a:bodyPr lIns="0" rIns="0" tIns="0" bIns="0"/>
-          <a:p>
-            <a:endParaRPr/>
-          </a:p>
-        </p:txBody>
-      </p:sp>
-      <p:sp>
-        <p:nvSpPr>
-          <p:cNvPr id="97" name="PlaceHolder 3"/>
-          <p:cNvSpPr>
-            <a:spLocks noGrp="1"/>
-          </p:cNvSpPr>
-          <p:nvPr>
-            <p:ph type="body"/>
-          </p:nvPr>
-        </p:nvSpPr>
-        <p:spPr>
-          <a:xfrm>
-            <a:off x="457200" y="3964320"/>
-            <a:ext cx="4015800" cy="2158560"/>
-          </a:xfrm>
-          <a:prstGeom prst="rect">
-            <a:avLst/>
-          </a:prstGeom>
-        </p:spPr>
-        <p:txBody>
-          <a:bodyPr lIns="0" rIns="0" tIns="0" bIns="0"/>
-          <a:p>
-            <a:endParaRPr/>
-          </a:p>
-        </p:txBody>
-      </p:sp>
-      <p:sp>
-        <p:nvSpPr>
-          <p:cNvPr id="98" name="PlaceHolder 4"/>
-          <p:cNvSpPr>
-            <a:spLocks noGrp="1"/>
-          </p:cNvSpPr>
-          <p:nvPr>
-            <p:ph type="body"/>
-          </p:nvPr>
-        </p:nvSpPr>
-        <p:spPr>
-          <a:xfrm>
-            <a:off x="4674240" y="1600200"/>
-            <a:ext cx="4015800" cy="4525560"/>
-          </a:xfrm>
-          <a:prstGeom prst="rect">
-            <a:avLst/>
-          </a:prstGeom>
-        </p:spPr>
-        <p:txBody>
-          <a:bodyPr lIns="0" rIns="0" tIns="0" bIns="0"/>
-          <a:p>
-            <a:endParaRPr/>
-          </a:p>
-        </p:txBody>
-      </p:sp>
-    </p:spTree>
-  </p:cSld>
-</p:sldLayout>
-</file>
-
-<file path=ppt/slideLayouts/slideLayout32.xml><?xml version="1.0" encoding="utf-8"?>
-<p:sldLayout xmlns:a="http://schemas.openxmlformats.org/drawingml/2006/main" xmlns:p="http://schemas.openxmlformats.org/presentationml/2006/main" xmlns:r="http://schemas.openxmlformats.org/officeDocument/2006/relationships" type="objAndTwoObj" preserve="1">
-  <p:cSld name="Title Content and 2 Content">
-    <p:spTree>
-      <p:nvGrpSpPr>
-        <p:cNvPr id="1" name=""/>
-        <p:cNvGrpSpPr/>
-        <p:nvPr/>
-      </p:nvGrpSpPr>
-      <p:grpSpPr>
-        <a:xfrm>
-          <a:off x="0" y="0"/>
-          <a:ext cx="0" cy="0"/>
-          <a:chOff x="0" y="0"/>
-          <a:chExt cx="0" cy="0"/>
-        </a:xfrm>
-      </p:grpSpPr>
-      <p:sp>
-        <p:nvSpPr>
-          <p:cNvPr id="99" name="PlaceHolder 1"/>
-          <p:cNvSpPr>
-            <a:spLocks noGrp="1"/>
-          </p:cNvSpPr>
-          <p:nvPr>
-            <p:ph type="title"/>
-          </p:nvPr>
-        </p:nvSpPr>
-        <p:spPr>
-          <a:xfrm>
-            <a:off x="457200" y="274680"/>
-            <a:ext cx="8229240" cy="1143000"/>
-          </a:xfrm>
-          <a:prstGeom prst="rect">
-            <a:avLst/>
-          </a:prstGeom>
-        </p:spPr>
-        <p:txBody>
-          <a:bodyPr lIns="0" rIns="0" tIns="0" bIns="0" anchor="ctr"/>
-          <a:p>
-            <a:endParaRPr/>
-          </a:p>
-        </p:txBody>
-      </p:sp>
-      <p:sp>
-        <p:nvSpPr>
-          <p:cNvPr id="100" name="PlaceHolder 2"/>
-          <p:cNvSpPr>
-            <a:spLocks noGrp="1"/>
-          </p:cNvSpPr>
-          <p:nvPr>
-            <p:ph type="body"/>
-          </p:nvPr>
-        </p:nvSpPr>
-        <p:spPr>
-          <a:xfrm>
-            <a:off x="457200" y="1600200"/>
-            <a:ext cx="4015800" cy="4525560"/>
-          </a:xfrm>
-          <a:prstGeom prst="rect">
-            <a:avLst/>
-          </a:prstGeom>
-        </p:spPr>
-        <p:txBody>
-          <a:bodyPr lIns="0" rIns="0" tIns="0" bIns="0"/>
-          <a:p>
-            <a:endParaRPr/>
-          </a:p>
-        </p:txBody>
-      </p:sp>
-      <p:sp>
-        <p:nvSpPr>
-          <p:cNvPr id="101" name="PlaceHolder 3"/>
-          <p:cNvSpPr>
-            <a:spLocks noGrp="1"/>
-          </p:cNvSpPr>
-          <p:nvPr>
-            <p:ph type="body"/>
-          </p:nvPr>
-        </p:nvSpPr>
-        <p:spPr>
-          <a:xfrm>
-            <a:off x="4674240" y="1600200"/>
-            <a:ext cx="4015800" cy="2158560"/>
-          </a:xfrm>
-          <a:prstGeom prst="rect">
-            <a:avLst/>
-          </a:prstGeom>
-        </p:spPr>
-        <p:txBody>
-          <a:bodyPr lIns="0" rIns="0" tIns="0" bIns="0"/>
-          <a:p>
-            <a:endParaRPr/>
-          </a:p>
-        </p:txBody>
-      </p:sp>
-      <p:sp>
-        <p:nvSpPr>
-          <p:cNvPr id="102" name="PlaceHolder 4"/>
-          <p:cNvSpPr>
-            <a:spLocks noGrp="1"/>
-          </p:cNvSpPr>
-          <p:nvPr>
-            <p:ph type="body"/>
-          </p:nvPr>
-        </p:nvSpPr>
-        <p:spPr>
-          <a:xfrm>
-            <a:off x="4674240" y="3964320"/>
-            <a:ext cx="4015800" cy="2158560"/>
-          </a:xfrm>
-          <a:prstGeom prst="rect">
-            <a:avLst/>
-          </a:prstGeom>
-        </p:spPr>
-        <p:txBody>
-          <a:bodyPr lIns="0" rIns="0" tIns="0" bIns="0"/>
-          <a:p>
-            <a:endParaRPr/>
-          </a:p>
-        </p:txBody>
-      </p:sp>
-    </p:spTree>
-  </p:cSld>
-</p:sldLayout>
-</file>
-
-<file path=ppt/slideLayouts/slideLayout33.xml><?xml version="1.0" encoding="utf-8"?>
-<p:sldLayout xmlns:a="http://schemas.openxmlformats.org/drawingml/2006/main" xmlns:p="http://schemas.openxmlformats.org/presentationml/2006/main" xmlns:r="http://schemas.openxmlformats.org/officeDocument/2006/relationships" type="twoObjOverTx" preserve="1">
-  <p:cSld name="Title, 2 Content over Content">
-    <p:spTree>
-      <p:nvGrpSpPr>
-        <p:cNvPr id="1" name=""/>
-        <p:cNvGrpSpPr/>
-        <p:nvPr/>
-      </p:nvGrpSpPr>
-      <p:grpSpPr>
-        <a:xfrm>
-          <a:off x="0" y="0"/>
-          <a:ext cx="0" cy="0"/>
-          <a:chOff x="0" y="0"/>
-          <a:chExt cx="0" cy="0"/>
-        </a:xfrm>
-      </p:grpSpPr>
-      <p:sp>
-        <p:nvSpPr>
-          <p:cNvPr id="103" name="PlaceHolder 1"/>
-          <p:cNvSpPr>
-            <a:spLocks noGrp="1"/>
-          </p:cNvSpPr>
-          <p:nvPr>
-            <p:ph type="title"/>
-          </p:nvPr>
-        </p:nvSpPr>
-        <p:spPr>
-          <a:xfrm>
-            <a:off x="457200" y="274680"/>
-            <a:ext cx="8229240" cy="1143000"/>
-          </a:xfrm>
-          <a:prstGeom prst="rect">
-            <a:avLst/>
-          </a:prstGeom>
-        </p:spPr>
-        <p:txBody>
-          <a:bodyPr lIns="0" rIns="0" tIns="0" bIns="0" anchor="ctr"/>
-          <a:p>
-            <a:endParaRPr/>
-          </a:p>
-        </p:txBody>
-      </p:sp>
-      <p:sp>
-        <p:nvSpPr>
-          <p:cNvPr id="104" name="PlaceHolder 2"/>
-          <p:cNvSpPr>
-            <a:spLocks noGrp="1"/>
-          </p:cNvSpPr>
-          <p:nvPr>
-            <p:ph type="body"/>
-          </p:nvPr>
-        </p:nvSpPr>
-        <p:spPr>
-          <a:xfrm>
-            <a:off x="457200" y="1600200"/>
-            <a:ext cx="4015800" cy="2158560"/>
-          </a:xfrm>
-          <a:prstGeom prst="rect">
-            <a:avLst/>
-          </a:prstGeom>
-        </p:spPr>
-        <p:txBody>
-          <a:bodyPr lIns="0" rIns="0" tIns="0" bIns="0"/>
-          <a:p>
-            <a:endParaRPr/>
-          </a:p>
-        </p:txBody>
-      </p:sp>
-      <p:sp>
-        <p:nvSpPr>
-          <p:cNvPr id="105" name="PlaceHolder 3"/>
-          <p:cNvSpPr>
-            <a:spLocks noGrp="1"/>
-          </p:cNvSpPr>
-          <p:nvPr>
-            <p:ph type="body"/>
-          </p:nvPr>
-        </p:nvSpPr>
-        <p:spPr>
-          <a:xfrm>
-            <a:off x="4674240" y="1600200"/>
-            <a:ext cx="4015800" cy="2158560"/>
-          </a:xfrm>
-          <a:prstGeom prst="rect">
-            <a:avLst/>
-          </a:prstGeom>
-        </p:spPr>
-        <p:txBody>
-          <a:bodyPr lIns="0" rIns="0" tIns="0" bIns="0"/>
-          <a:p>
-            <a:endParaRPr/>
-          </a:p>
-        </p:txBody>
-      </p:sp>
-      <p:sp>
-        <p:nvSpPr>
-          <p:cNvPr id="106" name="PlaceHolder 4"/>
-          <p:cNvSpPr>
-            <a:spLocks noGrp="1"/>
-          </p:cNvSpPr>
-          <p:nvPr>
-            <p:ph type="body"/>
-          </p:nvPr>
-        </p:nvSpPr>
-        <p:spPr>
-          <a:xfrm>
-            <a:off x="457200" y="3964320"/>
-            <a:ext cx="8229240" cy="2158560"/>
-          </a:xfrm>
-          <a:prstGeom prst="rect">
-            <a:avLst/>
-          </a:prstGeom>
-        </p:spPr>
-        <p:txBody>
-          <a:bodyPr lIns="0" rIns="0" tIns="0" bIns="0"/>
-          <a:p>
-            <a:endParaRPr/>
-          </a:p>
-        </p:txBody>
-      </p:sp>
-    </p:spTree>
-  </p:cSld>
-</p:sldLayout>
-</file>
-
-<file path=ppt/slideLayouts/slideLayout34.xml><?xml version="1.0" encoding="utf-8"?>
-<p:sldLayout xmlns:a="http://schemas.openxmlformats.org/drawingml/2006/main" xmlns:p="http://schemas.openxmlformats.org/presentationml/2006/main" xmlns:r="http://schemas.openxmlformats.org/officeDocument/2006/relationships" type="objOverTx" preserve="1">
-  <p:cSld name="Title, Content over Content">
-    <p:spTree>
-      <p:nvGrpSpPr>
-        <p:cNvPr id="1" name=""/>
-        <p:cNvGrpSpPr/>
-        <p:nvPr/>
-      </p:nvGrpSpPr>
-      <p:grpSpPr>
-        <a:xfrm>
-          <a:off x="0" y="0"/>
-          <a:ext cx="0" cy="0"/>
-          <a:chOff x="0" y="0"/>
-          <a:chExt cx="0" cy="0"/>
-        </a:xfrm>
-      </p:grpSpPr>
-      <p:sp>
-        <p:nvSpPr>
-          <p:cNvPr id="107" name="PlaceHolder 1"/>
-          <p:cNvSpPr>
-            <a:spLocks noGrp="1"/>
-          </p:cNvSpPr>
-          <p:nvPr>
-            <p:ph type="title"/>
-          </p:nvPr>
-        </p:nvSpPr>
-        <p:spPr>
-          <a:xfrm>
-            <a:off x="457200" y="274680"/>
-            <a:ext cx="8229240" cy="1143000"/>
-          </a:xfrm>
-          <a:prstGeom prst="rect">
-            <a:avLst/>
-          </a:prstGeom>
-        </p:spPr>
-        <p:txBody>
-          <a:bodyPr lIns="0" rIns="0" tIns="0" bIns="0" anchor="ctr"/>
-          <a:p>
-            <a:endParaRPr/>
-          </a:p>
-        </p:txBody>
-      </p:sp>
-      <p:sp>
-        <p:nvSpPr>
-          <p:cNvPr id="108" name="PlaceHolder 2"/>
-          <p:cNvSpPr>
-            <a:spLocks noGrp="1"/>
-          </p:cNvSpPr>
-          <p:nvPr>
-            <p:ph type="body"/>
-          </p:nvPr>
-        </p:nvSpPr>
-        <p:spPr>
-          <a:xfrm>
-            <a:off x="457200" y="1600200"/>
-            <a:ext cx="8229240" cy="2158560"/>
-          </a:xfrm>
-          <a:prstGeom prst="rect">
-            <a:avLst/>
-          </a:prstGeom>
-        </p:spPr>
-        <p:txBody>
-          <a:bodyPr lIns="0" rIns="0" tIns="0" bIns="0"/>
-          <a:p>
-            <a:endParaRPr/>
-          </a:p>
-        </p:txBody>
-      </p:sp>
-      <p:sp>
-        <p:nvSpPr>
-          <p:cNvPr id="109" name="PlaceHolder 3"/>
-          <p:cNvSpPr>
-            <a:spLocks noGrp="1"/>
-          </p:cNvSpPr>
-          <p:nvPr>
-            <p:ph type="body"/>
-          </p:nvPr>
-        </p:nvSpPr>
-        <p:spPr>
-          <a:xfrm>
-            <a:off x="457200" y="3964320"/>
-            <a:ext cx="8229240" cy="2158560"/>
-          </a:xfrm>
-          <a:prstGeom prst="rect">
-            <a:avLst/>
-          </a:prstGeom>
-        </p:spPr>
-        <p:txBody>
-          <a:bodyPr lIns="0" rIns="0" tIns="0" bIns="0"/>
-          <a:p>
-            <a:endParaRPr/>
-          </a:p>
-        </p:txBody>
-      </p:sp>
-    </p:spTree>
-  </p:cSld>
-</p:sldLayout>
-</file>
-
-<file path=ppt/slideLayouts/slideLayout35.xml><?xml version="1.0" encoding="utf-8"?>
-<p:sldLayout xmlns:a="http://schemas.openxmlformats.org/drawingml/2006/main" xmlns:p="http://schemas.openxmlformats.org/presentationml/2006/main" xmlns:r="http://schemas.openxmlformats.org/officeDocument/2006/relationships" type="fourObj" preserve="1">
-  <p:cSld name="Title, 4 Content">
-    <p:spTree>
-      <p:nvGrpSpPr>
-        <p:cNvPr id="1" name=""/>
-        <p:cNvGrpSpPr/>
-        <p:nvPr/>
-      </p:nvGrpSpPr>
-      <p:grpSpPr>
-        <a:xfrm>
-          <a:off x="0" y="0"/>
-          <a:ext cx="0" cy="0"/>
-          <a:chOff x="0" y="0"/>
-          <a:chExt cx="0" cy="0"/>
-        </a:xfrm>
-      </p:grpSpPr>
-      <p:sp>
-        <p:nvSpPr>
-          <p:cNvPr id="110" name="PlaceHolder 1"/>
-          <p:cNvSpPr>
-            <a:spLocks noGrp="1"/>
-          </p:cNvSpPr>
-          <p:nvPr>
-            <p:ph type="title"/>
-          </p:nvPr>
-        </p:nvSpPr>
-        <p:spPr>
-          <a:xfrm>
-            <a:off x="457200" y="274680"/>
-            <a:ext cx="8229240" cy="1143000"/>
-          </a:xfrm>
-          <a:prstGeom prst="rect">
-            <a:avLst/>
-          </a:prstGeom>
-        </p:spPr>
-        <p:txBody>
-          <a:bodyPr lIns="0" rIns="0" tIns="0" bIns="0" anchor="ctr"/>
-          <a:p>
-            <a:endParaRPr/>
-          </a:p>
-        </p:txBody>
-      </p:sp>
-      <p:sp>
-        <p:nvSpPr>
-          <p:cNvPr id="111" name="PlaceHolder 2"/>
-          <p:cNvSpPr>
-            <a:spLocks noGrp="1"/>
-          </p:cNvSpPr>
-          <p:nvPr>
-            <p:ph type="body"/>
-          </p:nvPr>
-        </p:nvSpPr>
-        <p:spPr>
-          <a:xfrm>
-            <a:off x="457200" y="1600200"/>
-            <a:ext cx="4015800" cy="2158560"/>
-          </a:xfrm>
-          <a:prstGeom prst="rect">
-            <a:avLst/>
-          </a:prstGeom>
-        </p:spPr>
-        <p:txBody>
-          <a:bodyPr lIns="0" rIns="0" tIns="0" bIns="0"/>
-          <a:p>
-            <a:endParaRPr/>
-          </a:p>
-        </p:txBody>
-      </p:sp>
-      <p:sp>
-        <p:nvSpPr>
-          <p:cNvPr id="112" name="PlaceHolder 3"/>
-          <p:cNvSpPr>
-            <a:spLocks noGrp="1"/>
-          </p:cNvSpPr>
-          <p:nvPr>
-            <p:ph type="body"/>
-          </p:nvPr>
-        </p:nvSpPr>
-        <p:spPr>
-          <a:xfrm>
-            <a:off x="4674240" y="1600200"/>
-            <a:ext cx="4015800" cy="2158560"/>
-          </a:xfrm>
-          <a:prstGeom prst="rect">
-            <a:avLst/>
-          </a:prstGeom>
-        </p:spPr>
-        <p:txBody>
-          <a:bodyPr lIns="0" rIns="0" tIns="0" bIns="0"/>
-          <a:p>
-            <a:endParaRPr/>
-          </a:p>
-        </p:txBody>
-      </p:sp>
-      <p:sp>
-        <p:nvSpPr>
-          <p:cNvPr id="113" name="PlaceHolder 4"/>
-          <p:cNvSpPr>
-            <a:spLocks noGrp="1"/>
-          </p:cNvSpPr>
-          <p:nvPr>
-            <p:ph type="body"/>
-          </p:nvPr>
-        </p:nvSpPr>
-        <p:spPr>
-          <a:xfrm>
-            <a:off x="4674240" y="3964320"/>
-            <a:ext cx="4015800" cy="2158560"/>
-          </a:xfrm>
-          <a:prstGeom prst="rect">
-            <a:avLst/>
-          </a:prstGeom>
-        </p:spPr>
-        <p:txBody>
-          <a:bodyPr lIns="0" rIns="0" tIns="0" bIns="0"/>
-          <a:p>
-            <a:endParaRPr/>
-          </a:p>
-        </p:txBody>
-      </p:sp>
-      <p:sp>
-        <p:nvSpPr>
-          <p:cNvPr id="114" name="PlaceHolder 5"/>
-          <p:cNvSpPr>
-            <a:spLocks noGrp="1"/>
-          </p:cNvSpPr>
-          <p:nvPr>
-            <p:ph type="body"/>
-          </p:nvPr>
-        </p:nvSpPr>
-        <p:spPr>
-          <a:xfrm>
-            <a:off x="457200" y="3964320"/>
-            <a:ext cx="4015800" cy="2158560"/>
-          </a:xfrm>
-          <a:prstGeom prst="rect">
-            <a:avLst/>
-          </a:prstGeom>
-        </p:spPr>
-        <p:txBody>
-          <a:bodyPr lIns="0" rIns="0" tIns="0" bIns="0"/>
-          <a:p>
-            <a:endParaRPr/>
-          </a:p>
-        </p:txBody>
-      </p:sp>
-    </p:spTree>
-  </p:cSld>
-</p:sldLayout>
-</file>
-
-<file path=ppt/slideLayouts/slideLayout36.xml><?xml version="1.0" encoding="utf-8"?>
-<p:sldLayout xmlns:a="http://schemas.openxmlformats.org/drawingml/2006/main" xmlns:p="http://schemas.openxmlformats.org/presentationml/2006/main" xmlns:r="http://schemas.openxmlformats.org/officeDocument/2006/relationships" type="blank" preserve="1">
-  <p:cSld name="Title, 6 Content">
-    <p:spTree>
-      <p:nvGrpSpPr>
-        <p:cNvPr id="1" name=""/>
-        <p:cNvGrpSpPr/>
-        <p:nvPr/>
-      </p:nvGrpSpPr>
-      <p:grpSpPr>
-        <a:xfrm>
-          <a:off x="0" y="0"/>
-          <a:ext cx="0" cy="0"/>
-          <a:chOff x="0" y="0"/>
-          <a:chExt cx="0" cy="0"/>
-        </a:xfrm>
-      </p:grpSpPr>
-      <p:sp>
-        <p:nvSpPr>
-          <p:cNvPr id="115" name="PlaceHolder 1"/>
-          <p:cNvSpPr>
-            <a:spLocks noGrp="1"/>
-          </p:cNvSpPr>
-          <p:nvPr>
-            <p:ph type="title"/>
-          </p:nvPr>
-        </p:nvSpPr>
-        <p:spPr>
-          <a:xfrm>
-            <a:off x="457200" y="274680"/>
-            <a:ext cx="8229240" cy="1143000"/>
-          </a:xfrm>
-          <a:prstGeom prst="rect">
-            <a:avLst/>
-          </a:prstGeom>
-        </p:spPr>
-        <p:txBody>
-          <a:bodyPr lIns="0" rIns="0" tIns="0" bIns="0" anchor="ctr"/>
-          <a:p>
-            <a:endParaRPr/>
-          </a:p>
-        </p:txBody>
-      </p:sp>
-      <p:sp>
-        <p:nvSpPr>
-          <p:cNvPr id="116" name="PlaceHolder 2"/>
-          <p:cNvSpPr>
-            <a:spLocks noGrp="1"/>
-          </p:cNvSpPr>
-          <p:nvPr>
-            <p:ph type="body"/>
-          </p:nvPr>
-        </p:nvSpPr>
-        <p:spPr>
-          <a:xfrm>
-            <a:off x="457200" y="1600200"/>
-            <a:ext cx="8229240" cy="4525560"/>
-          </a:xfrm>
-          <a:prstGeom prst="rect">
-            <a:avLst/>
-          </a:prstGeom>
-        </p:spPr>
-        <p:txBody>
-          <a:bodyPr lIns="0" rIns="0" tIns="0" bIns="0"/>
-          <a:p>
-            <a:endParaRPr/>
-          </a:p>
-        </p:txBody>
-      </p:sp>
-      <p:sp>
-        <p:nvSpPr>
-          <p:cNvPr id="117" name="PlaceHolder 3"/>
-          <p:cNvSpPr>
-            <a:spLocks noGrp="1"/>
-          </p:cNvSpPr>
-          <p:nvPr>
-            <p:ph type="body"/>
-          </p:nvPr>
-        </p:nvSpPr>
-        <p:spPr>
-          <a:xfrm>
-            <a:off x="457200" y="1600200"/>
-            <a:ext cx="8229240" cy="4525560"/>
-          </a:xfrm>
-          <a:prstGeom prst="rect">
-            <a:avLst/>
-          </a:prstGeom>
-        </p:spPr>
-        <p:txBody>
-          <a:bodyPr lIns="0" rIns="0" tIns="0" bIns="0"/>
-          <a:p>
-            <a:endParaRPr/>
-          </a:p>
-        </p:txBody>
-      </p:sp>
-      <p:pic>
-        <p:nvPicPr>
-          <p:cNvPr id="118" name="" descr=""/>
-          <p:cNvPicPr/>
-          <p:nvPr/>
-        </p:nvPicPr>
-        <p:blipFill>
-          <a:blip r:embed="rId2"/>
-          <a:stretch>
-            <a:fillRect/>
-          </a:stretch>
-        </p:blipFill>
-        <p:spPr>
-          <a:xfrm>
-            <a:off x="1735560" y="1599840"/>
-            <a:ext cx="5671800" cy="4525560"/>
-          </a:xfrm>
-          <a:prstGeom prst="rect">
-            <a:avLst/>
-          </a:prstGeom>
-          <a:ln>
-            <a:noFill/>
-          </a:ln>
-        </p:spPr>
-      </p:pic>
-      <p:pic>
-        <p:nvPicPr>
-          <p:cNvPr id="119" name="" descr=""/>
-          <p:cNvPicPr/>
-          <p:nvPr/>
-        </p:nvPicPr>
-        <p:blipFill>
-          <a:blip r:embed="rId3"/>
-          <a:stretch>
-            <a:fillRect/>
-          </a:stretch>
-        </p:blipFill>
-        <p:spPr>
-          <a:xfrm>
-            <a:off x="1735560" y="1599840"/>
-            <a:ext cx="5671800" cy="4525560"/>
-          </a:xfrm>
-          <a:prstGeom prst="rect">
-            <a:avLst/>
-          </a:prstGeom>
-          <a:ln>
-            <a:noFill/>
-          </a:ln>
-        </p:spPr>
-      </p:pic>
     </p:spTree>
   </p:cSld>
 </p:sldLayout>
@@ -2914,7 +1783,7 @@
       </p:grpSpPr>
       <p:sp>
         <p:nvSpPr>
-          <p:cNvPr id="10" name="PlaceHolder 1"/>
+          <p:cNvPr id="7" name="PlaceHolder 1"/>
           <p:cNvSpPr>
             <a:spLocks noGrp="1"/>
           </p:cNvSpPr>
@@ -2924,8 +1793,8 @@
         </p:nvSpPr>
         <p:spPr>
           <a:xfrm>
-            <a:off x="457200" y="274680"/>
-            <a:ext cx="8229240" cy="1143000"/>
+            <a:off x="457200" y="273600"/>
+            <a:ext cx="8229240" cy="1145160"/>
           </a:xfrm>
           <a:prstGeom prst="rect">
             <a:avLst/>
@@ -2934,13 +1803,14 @@
         <p:txBody>
           <a:bodyPr lIns="0" rIns="0" tIns="0" bIns="0" anchor="ctr"/>
           <a:p>
-            <a:endParaRPr/>
-          </a:p>
-        </p:txBody>
-      </p:sp>
-      <p:sp>
-        <p:nvSpPr>
-          <p:cNvPr id="11" name="PlaceHolder 2"/>
+            <a:pPr algn="ctr"/>
+            <a:endParaRPr/>
+          </a:p>
+        </p:txBody>
+      </p:sp>
+      <p:sp>
+        <p:nvSpPr>
+          <p:cNvPr id="8" name="PlaceHolder 2"/>
           <p:cNvSpPr>
             <a:spLocks noGrp="1"/>
           </p:cNvSpPr>
@@ -2950,8 +1820,8 @@
         </p:nvSpPr>
         <p:spPr>
           <a:xfrm>
-            <a:off x="457200" y="1600200"/>
-            <a:ext cx="4015800" cy="4525560"/>
+            <a:off x="457200" y="1604520"/>
+            <a:ext cx="4015800" cy="3977280"/>
           </a:xfrm>
           <a:prstGeom prst="rect">
             <a:avLst/>
@@ -2966,7 +1836,7 @@
       </p:sp>
       <p:sp>
         <p:nvSpPr>
-          <p:cNvPr id="12" name="PlaceHolder 3"/>
+          <p:cNvPr id="9" name="PlaceHolder 3"/>
           <p:cNvSpPr>
             <a:spLocks noGrp="1"/>
           </p:cNvSpPr>
@@ -2976,8 +1846,8 @@
         </p:nvSpPr>
         <p:spPr>
           <a:xfrm>
-            <a:off x="4674240" y="1600200"/>
-            <a:ext cx="4015800" cy="4525560"/>
+            <a:off x="4674240" y="1604520"/>
+            <a:ext cx="4015800" cy="3977280"/>
           </a:xfrm>
           <a:prstGeom prst="rect">
             <a:avLst/>
@@ -3014,7 +1884,7 @@
       </p:grpSpPr>
       <p:sp>
         <p:nvSpPr>
-          <p:cNvPr id="13" name="PlaceHolder 1"/>
+          <p:cNvPr id="10" name="PlaceHolder 1"/>
           <p:cNvSpPr>
             <a:spLocks noGrp="1"/>
           </p:cNvSpPr>
@@ -3024,8 +1894,8 @@
         </p:nvSpPr>
         <p:spPr>
           <a:xfrm>
-            <a:off x="457200" y="274680"/>
-            <a:ext cx="8229240" cy="1143000"/>
+            <a:off x="457200" y="273600"/>
+            <a:ext cx="8229240" cy="1145160"/>
           </a:xfrm>
           <a:prstGeom prst="rect">
             <a:avLst/>
@@ -3034,6 +1904,7 @@
         <p:txBody>
           <a:bodyPr lIns="0" rIns="0" tIns="0" bIns="0" anchor="ctr"/>
           <a:p>
+            <a:pPr algn="ctr"/>
             <a:endParaRPr/>
           </a:p>
         </p:txBody>
@@ -3062,7 +1933,7 @@
       </p:grpSpPr>
       <p:sp>
         <p:nvSpPr>
-          <p:cNvPr id="14" name="PlaceHolder 1"/>
+          <p:cNvPr id="11" name="PlaceHolder 1"/>
           <p:cNvSpPr>
             <a:spLocks noGrp="1"/>
           </p:cNvSpPr>
@@ -3072,8 +1943,8 @@
         </p:nvSpPr>
         <p:spPr>
           <a:xfrm>
-            <a:off x="457200" y="274680"/>
-            <a:ext cx="8229240" cy="5298120"/>
+            <a:off x="457200" y="273600"/>
+            <a:ext cx="8229240" cy="5308200"/>
           </a:xfrm>
           <a:prstGeom prst="rect">
             <a:avLst/>
@@ -3111,7 +1982,7 @@
       </p:grpSpPr>
       <p:sp>
         <p:nvSpPr>
-          <p:cNvPr id="15" name="PlaceHolder 1"/>
+          <p:cNvPr id="12" name="PlaceHolder 1"/>
           <p:cNvSpPr>
             <a:spLocks noGrp="1"/>
           </p:cNvSpPr>
@@ -3121,8 +1992,8 @@
         </p:nvSpPr>
         <p:spPr>
           <a:xfrm>
-            <a:off x="457200" y="274680"/>
-            <a:ext cx="8229240" cy="1143000"/>
+            <a:off x="457200" y="273600"/>
+            <a:ext cx="8229240" cy="1145160"/>
           </a:xfrm>
           <a:prstGeom prst="rect">
             <a:avLst/>
@@ -3131,13 +2002,14 @@
         <p:txBody>
           <a:bodyPr lIns="0" rIns="0" tIns="0" bIns="0" anchor="ctr"/>
           <a:p>
-            <a:endParaRPr/>
-          </a:p>
-        </p:txBody>
-      </p:sp>
-      <p:sp>
-        <p:nvSpPr>
-          <p:cNvPr id="16" name="PlaceHolder 2"/>
+            <a:pPr algn="ctr"/>
+            <a:endParaRPr/>
+          </a:p>
+        </p:txBody>
+      </p:sp>
+      <p:sp>
+        <p:nvSpPr>
+          <p:cNvPr id="13" name="PlaceHolder 2"/>
           <p:cNvSpPr>
             <a:spLocks noGrp="1"/>
           </p:cNvSpPr>
@@ -3147,8 +2019,8 @@
         </p:nvSpPr>
         <p:spPr>
           <a:xfrm>
-            <a:off x="457200" y="1600200"/>
-            <a:ext cx="4015800" cy="2158560"/>
+            <a:off x="457200" y="1604520"/>
+            <a:ext cx="4015800" cy="1896840"/>
           </a:xfrm>
           <a:prstGeom prst="rect">
             <a:avLst/>
@@ -3163,7 +2035,7 @@
       </p:sp>
       <p:sp>
         <p:nvSpPr>
-          <p:cNvPr id="17" name="PlaceHolder 3"/>
+          <p:cNvPr id="14" name="PlaceHolder 3"/>
           <p:cNvSpPr>
             <a:spLocks noGrp="1"/>
           </p:cNvSpPr>
@@ -3173,8 +2045,8 @@
         </p:nvSpPr>
         <p:spPr>
           <a:xfrm>
-            <a:off x="457200" y="3964320"/>
-            <a:ext cx="4015800" cy="2158560"/>
+            <a:off x="457200" y="3682080"/>
+            <a:ext cx="4015800" cy="1896840"/>
           </a:xfrm>
           <a:prstGeom prst="rect">
             <a:avLst/>
@@ -3189,7 +2061,7 @@
       </p:sp>
       <p:sp>
         <p:nvSpPr>
-          <p:cNvPr id="18" name="PlaceHolder 4"/>
+          <p:cNvPr id="15" name="PlaceHolder 4"/>
           <p:cNvSpPr>
             <a:spLocks noGrp="1"/>
           </p:cNvSpPr>
@@ -3199,8 +2071,8 @@
         </p:nvSpPr>
         <p:spPr>
           <a:xfrm>
-            <a:off x="4674240" y="1600200"/>
-            <a:ext cx="4015800" cy="4525560"/>
+            <a:off x="4674240" y="1604520"/>
+            <a:ext cx="4015800" cy="3977280"/>
           </a:xfrm>
           <a:prstGeom prst="rect">
             <a:avLst/>
@@ -3237,7 +2109,7 @@
       </p:grpSpPr>
       <p:sp>
         <p:nvSpPr>
-          <p:cNvPr id="19" name="PlaceHolder 1"/>
+          <p:cNvPr id="16" name="PlaceHolder 1"/>
           <p:cNvSpPr>
             <a:spLocks noGrp="1"/>
           </p:cNvSpPr>
@@ -3247,8 +2119,8 @@
         </p:nvSpPr>
         <p:spPr>
           <a:xfrm>
-            <a:off x="457200" y="274680"/>
-            <a:ext cx="8229240" cy="1143000"/>
+            <a:off x="457200" y="273600"/>
+            <a:ext cx="8229240" cy="1145160"/>
           </a:xfrm>
           <a:prstGeom prst="rect">
             <a:avLst/>
@@ -3257,13 +2129,14 @@
         <p:txBody>
           <a:bodyPr lIns="0" rIns="0" tIns="0" bIns="0" anchor="ctr"/>
           <a:p>
-            <a:endParaRPr/>
-          </a:p>
-        </p:txBody>
-      </p:sp>
-      <p:sp>
-        <p:nvSpPr>
-          <p:cNvPr id="20" name="PlaceHolder 2"/>
+            <a:pPr algn="ctr"/>
+            <a:endParaRPr/>
+          </a:p>
+        </p:txBody>
+      </p:sp>
+      <p:sp>
+        <p:nvSpPr>
+          <p:cNvPr id="17" name="PlaceHolder 2"/>
           <p:cNvSpPr>
             <a:spLocks noGrp="1"/>
           </p:cNvSpPr>
@@ -3273,8 +2146,8 @@
         </p:nvSpPr>
         <p:spPr>
           <a:xfrm>
-            <a:off x="457200" y="1600200"/>
-            <a:ext cx="4015800" cy="4525560"/>
+            <a:off x="457200" y="1604520"/>
+            <a:ext cx="4015800" cy="3977280"/>
           </a:xfrm>
           <a:prstGeom prst="rect">
             <a:avLst/>
@@ -3289,7 +2162,7 @@
       </p:sp>
       <p:sp>
         <p:nvSpPr>
-          <p:cNvPr id="21" name="PlaceHolder 3"/>
+          <p:cNvPr id="18" name="PlaceHolder 3"/>
           <p:cNvSpPr>
             <a:spLocks noGrp="1"/>
           </p:cNvSpPr>
@@ -3299,8 +2172,8 @@
         </p:nvSpPr>
         <p:spPr>
           <a:xfrm>
-            <a:off x="4674240" y="1600200"/>
-            <a:ext cx="4015800" cy="2158560"/>
+            <a:off x="4674240" y="1604520"/>
+            <a:ext cx="4015800" cy="1896840"/>
           </a:xfrm>
           <a:prstGeom prst="rect">
             <a:avLst/>
@@ -3315,7 +2188,7 @@
       </p:sp>
       <p:sp>
         <p:nvSpPr>
-          <p:cNvPr id="22" name="PlaceHolder 4"/>
+          <p:cNvPr id="19" name="PlaceHolder 4"/>
           <p:cNvSpPr>
             <a:spLocks noGrp="1"/>
           </p:cNvSpPr>
@@ -3325,8 +2198,8 @@
         </p:nvSpPr>
         <p:spPr>
           <a:xfrm>
-            <a:off x="4674240" y="3964320"/>
-            <a:ext cx="4015800" cy="2158560"/>
+            <a:off x="4674240" y="3682080"/>
+            <a:ext cx="4015800" cy="1896840"/>
           </a:xfrm>
           <a:prstGeom prst="rect">
             <a:avLst/>
@@ -3363,7 +2236,7 @@
       </p:grpSpPr>
       <p:sp>
         <p:nvSpPr>
-          <p:cNvPr id="23" name="PlaceHolder 1"/>
+          <p:cNvPr id="20" name="PlaceHolder 1"/>
           <p:cNvSpPr>
             <a:spLocks noGrp="1"/>
           </p:cNvSpPr>
@@ -3373,8 +2246,8 @@
         </p:nvSpPr>
         <p:spPr>
           <a:xfrm>
-            <a:off x="457200" y="274680"/>
-            <a:ext cx="8229240" cy="1143000"/>
+            <a:off x="457200" y="273600"/>
+            <a:ext cx="8229240" cy="1145160"/>
           </a:xfrm>
           <a:prstGeom prst="rect">
             <a:avLst/>
@@ -3383,13 +2256,14 @@
         <p:txBody>
           <a:bodyPr lIns="0" rIns="0" tIns="0" bIns="0" anchor="ctr"/>
           <a:p>
-            <a:endParaRPr/>
-          </a:p>
-        </p:txBody>
-      </p:sp>
-      <p:sp>
-        <p:nvSpPr>
-          <p:cNvPr id="24" name="PlaceHolder 2"/>
+            <a:pPr algn="ctr"/>
+            <a:endParaRPr/>
+          </a:p>
+        </p:txBody>
+      </p:sp>
+      <p:sp>
+        <p:nvSpPr>
+          <p:cNvPr id="21" name="PlaceHolder 2"/>
           <p:cNvSpPr>
             <a:spLocks noGrp="1"/>
           </p:cNvSpPr>
@@ -3399,8 +2273,8 @@
         </p:nvSpPr>
         <p:spPr>
           <a:xfrm>
-            <a:off x="457200" y="1600200"/>
-            <a:ext cx="4015800" cy="2158560"/>
+            <a:off x="457200" y="1604520"/>
+            <a:ext cx="4015800" cy="1896840"/>
           </a:xfrm>
           <a:prstGeom prst="rect">
             <a:avLst/>
@@ -3415,7 +2289,7 @@
       </p:sp>
       <p:sp>
         <p:nvSpPr>
-          <p:cNvPr id="25" name="PlaceHolder 3"/>
+          <p:cNvPr id="22" name="PlaceHolder 3"/>
           <p:cNvSpPr>
             <a:spLocks noGrp="1"/>
           </p:cNvSpPr>
@@ -3425,8 +2299,8 @@
         </p:nvSpPr>
         <p:spPr>
           <a:xfrm>
-            <a:off x="4674240" y="1600200"/>
-            <a:ext cx="4015800" cy="2158560"/>
+            <a:off x="4674240" y="1604520"/>
+            <a:ext cx="4015800" cy="1896840"/>
           </a:xfrm>
           <a:prstGeom prst="rect">
             <a:avLst/>
@@ -3441,7 +2315,7 @@
       </p:sp>
       <p:sp>
         <p:nvSpPr>
-          <p:cNvPr id="26" name="PlaceHolder 4"/>
+          <p:cNvPr id="23" name="PlaceHolder 4"/>
           <p:cNvSpPr>
             <a:spLocks noGrp="1"/>
           </p:cNvSpPr>
@@ -3451,8 +2325,8 @@
         </p:nvSpPr>
         <p:spPr>
           <a:xfrm>
-            <a:off x="457200" y="3964320"/>
-            <a:ext cx="8229240" cy="2158560"/>
+            <a:off x="457200" y="3682080"/>
+            <a:ext cx="8229240" cy="1896840"/>
           </a:xfrm>
           <a:prstGeom prst="rect">
             <a:avLst/>
@@ -3509,7 +2383,7 @@
         <p:spPr>
           <a:xfrm>
             <a:off x="7452360" y="332640"/>
-            <a:ext cx="1252080" cy="1052640"/>
+            <a:ext cx="1249920" cy="1050480"/>
           </a:xfrm>
           <a:prstGeom prst="rect">
             <a:avLst/>
@@ -3531,29 +2405,22 @@
         </p:nvSpPr>
         <p:spPr>
           <a:xfrm>
-            <a:off x="685800" y="2130480"/>
-            <a:ext cx="7772040" cy="1469520"/>
-          </a:xfrm>
-          <a:prstGeom prst="rect">
-            <a:avLst/>
-          </a:prstGeom>
-        </p:spPr>
-        <p:txBody>
-          <a:bodyPr anchor="ctr"/>
-          <a:p>
-            <a:pPr algn="ctr">
-              <a:lnSpc>
-                <a:spcPct val="100000"/>
-              </a:lnSpc>
-            </a:pPr>
-            <a:r>
-              <a:rPr lang="es-ES" sz="4400">
-                <a:solidFill>
-                  <a:srgbClr val="000000"/>
-                </a:solidFill>
-                <a:latin typeface="Calibri"/>
-              </a:rPr>
-              <a:t>Click to edit the title text formatHaga clic para modificar el estilo de título del patrón</a:t>
+            <a:off x="457200" y="273600"/>
+            <a:ext cx="8229240" cy="1144800"/>
+          </a:xfrm>
+          <a:prstGeom prst="rect">
+            <a:avLst/>
+          </a:prstGeom>
+        </p:spPr>
+        <p:txBody>
+          <a:bodyPr lIns="0" rIns="0" tIns="0" bIns="0" anchor="ctr"/>
+          <a:p>
+            <a:pPr algn="ctr"/>
+            <a:r>
+              <a:rPr lang="en-US" sz="4400">
+                <a:latin typeface="Arial"/>
+              </a:rPr>
+              <a:t>Click to edit the title text format</a:t>
             </a:r>
             <a:endParaRPr/>
           </a:p>
@@ -3562,126 +2429,6 @@
       <p:sp>
         <p:nvSpPr>
           <p:cNvPr id="2" name="PlaceHolder 2"/>
-          <p:cNvSpPr>
-            <a:spLocks noGrp="1"/>
-          </p:cNvSpPr>
-          <p:nvPr>
-            <p:ph type="dt"/>
-          </p:nvPr>
-        </p:nvSpPr>
-        <p:spPr>
-          <a:xfrm>
-            <a:off x="457200" y="6356520"/>
-            <a:ext cx="2133360" cy="364680"/>
-          </a:xfrm>
-          <a:prstGeom prst="rect">
-            <a:avLst/>
-          </a:prstGeom>
-        </p:spPr>
-        <p:txBody>
-          <a:bodyPr anchor="ctr"/>
-          <a:p>
-            <a:pPr>
-              <a:lnSpc>
-                <a:spcPct val="100000"/>
-              </a:lnSpc>
-            </a:pPr>
-            <a:r>
-              <a:rPr lang="en-US" sz="1200">
-                <a:solidFill>
-                  <a:srgbClr val="8b8b8b"/>
-                </a:solidFill>
-                <a:latin typeface="Calibri"/>
-              </a:rPr>
-              <a:t>2/20/16</a:t>
-            </a:r>
-            <a:endParaRPr/>
-          </a:p>
-        </p:txBody>
-      </p:sp>
-      <p:sp>
-        <p:nvSpPr>
-          <p:cNvPr id="3" name="PlaceHolder 3"/>
-          <p:cNvSpPr>
-            <a:spLocks noGrp="1"/>
-          </p:cNvSpPr>
-          <p:nvPr>
-            <p:ph type="ftr"/>
-          </p:nvPr>
-        </p:nvSpPr>
-        <p:spPr>
-          <a:xfrm>
-            <a:off x="3124080" y="6356520"/>
-            <a:ext cx="2895120" cy="364680"/>
-          </a:xfrm>
-          <a:prstGeom prst="rect">
-            <a:avLst/>
-          </a:prstGeom>
-        </p:spPr>
-        <p:txBody>
-          <a:bodyPr anchor="ctr"/>
-          <a:p>
-            <a:pPr>
-              <a:lnSpc>
-                <a:spcPct val="100000"/>
-              </a:lnSpc>
-            </a:pPr>
-            <a:r>
-              <a:rPr lang="en-US" sz="1200">
-                <a:solidFill>
-                  <a:srgbClr val="8b8b8b"/>
-                </a:solidFill>
-                <a:latin typeface="Calibri"/>
-              </a:rPr>
-              <a:t>Título del Proyecto</a:t>
-            </a:r>
-            <a:endParaRPr/>
-          </a:p>
-        </p:txBody>
-      </p:sp>
-      <p:sp>
-        <p:nvSpPr>
-          <p:cNvPr id="4" name="PlaceHolder 4"/>
-          <p:cNvSpPr>
-            <a:spLocks noGrp="1"/>
-          </p:cNvSpPr>
-          <p:nvPr>
-            <p:ph type="sldNum"/>
-          </p:nvPr>
-        </p:nvSpPr>
-        <p:spPr>
-          <a:xfrm>
-            <a:off x="6553080" y="6356520"/>
-            <a:ext cx="2133360" cy="364680"/>
-          </a:xfrm>
-          <a:prstGeom prst="rect">
-            <a:avLst/>
-          </a:prstGeom>
-        </p:spPr>
-        <p:txBody>
-          <a:bodyPr anchor="ctr"/>
-          <a:p>
-            <a:pPr algn="r">
-              <a:lnSpc>
-                <a:spcPct val="100000"/>
-              </a:lnSpc>
-            </a:pPr>
-            <a:fld id="{3294730D-87BC-4044-BAE9-B178720BFE12}" type="slidenum">
-              <a:rPr lang="en-US" sz="1200">
-                <a:solidFill>
-                  <a:srgbClr val="8b8b8b"/>
-                </a:solidFill>
-                <a:latin typeface="Calibri"/>
-              </a:rPr>
-              <a:t>&lt;number&gt;</a:t>
-            </a:fld>
-            <a:endParaRPr/>
-          </a:p>
-        </p:txBody>
-      </p:sp>
-      <p:sp>
-        <p:nvSpPr>
-          <p:cNvPr id="5" name="PlaceHolder 5"/>
           <p:cNvSpPr>
             <a:spLocks noGrp="1"/>
           </p:cNvSpPr>
@@ -3707,8 +2454,8 @@
               <a:buChar char=""/>
             </a:pPr>
             <a:r>
-              <a:rPr lang="es-ES" sz="3200">
-                <a:latin typeface="Calibri"/>
+              <a:rPr lang="en-US" sz="3200">
+                <a:latin typeface="Arial"/>
               </a:rPr>
               <a:t>Click to edit the outline text format</a:t>
             </a:r>
@@ -3721,8 +2468,8 @@
               <a:buChar char=""/>
             </a:pPr>
             <a:r>
-              <a:rPr lang="es-ES" sz="2400">
-                <a:latin typeface="Calibri"/>
+              <a:rPr lang="en-US" sz="2800">
+                <a:latin typeface="Arial"/>
               </a:rPr>
               <a:t>Second Outline Level</a:t>
             </a:r>
@@ -3735,8 +2482,8 @@
               <a:buChar char=""/>
             </a:pPr>
             <a:r>
-              <a:rPr lang="es-ES" sz="2000">
-                <a:latin typeface="Calibri"/>
+              <a:rPr lang="en-US" sz="2400">
+                <a:latin typeface="Arial"/>
               </a:rPr>
               <a:t>Third Outline Level</a:t>
             </a:r>
@@ -3749,8 +2496,8 @@
               <a:buChar char=""/>
             </a:pPr>
             <a:r>
-              <a:rPr lang="es-ES" sz="2000">
-                <a:latin typeface="Calibri"/>
+              <a:rPr lang="en-US" sz="2000">
+                <a:latin typeface="Arial"/>
               </a:rPr>
               <a:t>Fourth Outline Level</a:t>
             </a:r>
@@ -3763,8 +2510,8 @@
               <a:buChar char=""/>
             </a:pPr>
             <a:r>
-              <a:rPr lang="es-ES" sz="2000">
-                <a:latin typeface="Calibri"/>
+              <a:rPr lang="en-US" sz="2000">
+                <a:latin typeface="Arial"/>
               </a:rPr>
               <a:t>Fifth Outline Level</a:t>
             </a:r>
@@ -3777,8 +2524,8 @@
               <a:buChar char=""/>
             </a:pPr>
             <a:r>
-              <a:rPr lang="es-ES" sz="2000">
-                <a:latin typeface="Calibri"/>
+              <a:rPr lang="en-US" sz="2000">
+                <a:latin typeface="Arial"/>
               </a:rPr>
               <a:t>Sixth Outline Level</a:t>
             </a:r>
@@ -3791,8 +2538,8 @@
               <a:buChar char=""/>
             </a:pPr>
             <a:r>
-              <a:rPr lang="es-ES" sz="2000">
-                <a:latin typeface="Calibri"/>
+              <a:rPr lang="en-US" sz="2000">
+                <a:latin typeface="Arial"/>
               </a:rPr>
               <a:t>Seventh Outline Level</a:t>
             </a:r>
@@ -3846,7 +2593,7 @@
       </p:grpSpPr>
       <p:pic>
         <p:nvPicPr>
-          <p:cNvPr id="40" name="6 Imagen" descr=""/>
+          <p:cNvPr id="37" name="6 Imagen" descr=""/>
           <p:cNvPicPr/>
           <p:nvPr/>
         </p:nvPicPr>
@@ -3859,7 +2606,7 @@
         <p:spPr>
           <a:xfrm>
             <a:off x="7452360" y="332640"/>
-            <a:ext cx="1252080" cy="1052640"/>
+            <a:ext cx="1249920" cy="1050480"/>
           </a:xfrm>
           <a:prstGeom prst="rect">
             <a:avLst/>
@@ -3871,7 +2618,7 @@
       </p:pic>
       <p:sp>
         <p:nvSpPr>
-          <p:cNvPr id="41" name="PlaceHolder 1"/>
+          <p:cNvPr id="38" name="PlaceHolder 1"/>
           <p:cNvSpPr>
             <a:spLocks noGrp="1"/>
           </p:cNvSpPr>
@@ -3881,37 +2628,30 @@
         </p:nvSpPr>
         <p:spPr>
           <a:xfrm>
-            <a:off x="457200" y="274680"/>
-            <a:ext cx="8229240" cy="1142640"/>
-          </a:xfrm>
-          <a:prstGeom prst="rect">
-            <a:avLst/>
-          </a:prstGeom>
-        </p:spPr>
-        <p:txBody>
-          <a:bodyPr anchor="ctr"/>
-          <a:p>
-            <a:pPr algn="ctr">
-              <a:lnSpc>
-                <a:spcPct val="100000"/>
-              </a:lnSpc>
-            </a:pPr>
-            <a:r>
-              <a:rPr lang="es-ES" sz="4400">
-                <a:solidFill>
-                  <a:srgbClr val="000000"/>
-                </a:solidFill>
-                <a:latin typeface="Calibri"/>
-              </a:rPr>
-              <a:t>Click to edit the title text formatHaga clic para modificar el estilo de título del patrón</a:t>
-            </a:r>
-            <a:endParaRPr/>
-          </a:p>
-        </p:txBody>
-      </p:sp>
-      <p:sp>
-        <p:nvSpPr>
-          <p:cNvPr id="42" name="PlaceHolder 2"/>
+            <a:off x="457200" y="273600"/>
+            <a:ext cx="8229240" cy="1144800"/>
+          </a:xfrm>
+          <a:prstGeom prst="rect">
+            <a:avLst/>
+          </a:prstGeom>
+        </p:spPr>
+        <p:txBody>
+          <a:bodyPr lIns="0" rIns="0" tIns="0" bIns="0" anchor="ctr"/>
+          <a:p>
+            <a:pPr algn="ctr"/>
+            <a:r>
+              <a:rPr lang="en-US" sz="4400">
+                <a:latin typeface="Arial"/>
+              </a:rPr>
+              <a:t>Click to edit the title text format</a:t>
+            </a:r>
+            <a:endParaRPr/>
+          </a:p>
+        </p:txBody>
+      </p:sp>
+      <p:sp>
+        <p:nvSpPr>
+          <p:cNvPr id="39" name="PlaceHolder 2"/>
           <p:cNvSpPr>
             <a:spLocks noGrp="1"/>
           </p:cNvSpPr>
@@ -3921,15 +2661,15 @@
         </p:nvSpPr>
         <p:spPr>
           <a:xfrm>
-            <a:off x="457200" y="1600200"/>
-            <a:ext cx="8229240" cy="4525560"/>
-          </a:xfrm>
-          <a:prstGeom prst="rect">
-            <a:avLst/>
-          </a:prstGeom>
-        </p:spPr>
-        <p:txBody>
-          <a:bodyPr/>
+            <a:off x="457200" y="1604520"/>
+            <a:ext cx="8229240" cy="3977280"/>
+          </a:xfrm>
+          <a:prstGeom prst="rect">
+            <a:avLst/>
+          </a:prstGeom>
+        </p:spPr>
+        <p:txBody>
+          <a:bodyPr lIns="0" rIns="0" tIns="0" bIns="0"/>
           <a:p>
             <a:pPr>
               <a:buSzPct val="45000"/>
@@ -3937,11 +2677,8 @@
               <a:buChar char=""/>
             </a:pPr>
             <a:r>
-              <a:rPr lang="es-ES" sz="3200">
-                <a:solidFill>
-                  <a:srgbClr val="000000"/>
-                </a:solidFill>
-                <a:latin typeface="Calibri"/>
+              <a:rPr lang="en-US" sz="3200">
+                <a:latin typeface="Arial"/>
               </a:rPr>
               <a:t>Click to edit the outline text format</a:t>
             </a:r>
@@ -3954,11 +2691,8 @@
               <a:buChar char=""/>
             </a:pPr>
             <a:r>
-              <a:rPr lang="es-ES" sz="3200">
-                <a:solidFill>
-                  <a:srgbClr val="000000"/>
-                </a:solidFill>
-                <a:latin typeface="Calibri"/>
+              <a:rPr lang="en-US" sz="2800">
+                <a:latin typeface="Arial"/>
               </a:rPr>
               <a:t>Second Outline Level</a:t>
             </a:r>
@@ -3971,11 +2705,8 @@
               <a:buChar char=""/>
             </a:pPr>
             <a:r>
-              <a:rPr lang="es-ES" sz="3200">
-                <a:solidFill>
-                  <a:srgbClr val="000000"/>
-                </a:solidFill>
-                <a:latin typeface="Calibri"/>
+              <a:rPr lang="en-US" sz="2400">
+                <a:latin typeface="Arial"/>
               </a:rPr>
               <a:t>Third Outline Level</a:t>
             </a:r>
@@ -3988,11 +2719,8 @@
               <a:buChar char=""/>
             </a:pPr>
             <a:r>
-              <a:rPr lang="es-ES" sz="3200">
-                <a:solidFill>
-                  <a:srgbClr val="000000"/>
-                </a:solidFill>
-                <a:latin typeface="Calibri"/>
+              <a:rPr lang="en-US" sz="2000">
+                <a:latin typeface="Arial"/>
               </a:rPr>
               <a:t>Fourth Outline Level</a:t>
             </a:r>
@@ -4005,11 +2733,8 @@
               <a:buChar char=""/>
             </a:pPr>
             <a:r>
-              <a:rPr lang="es-ES" sz="3200">
-                <a:solidFill>
-                  <a:srgbClr val="000000"/>
-                </a:solidFill>
-                <a:latin typeface="Calibri"/>
+              <a:rPr lang="en-US" sz="2000">
+                <a:latin typeface="Arial"/>
               </a:rPr>
               <a:t>Fifth Outline Level</a:t>
             </a:r>
@@ -4022,229 +2747,25 @@
               <a:buChar char=""/>
             </a:pPr>
             <a:r>
-              <a:rPr lang="es-ES" sz="3200">
-                <a:solidFill>
-                  <a:srgbClr val="000000"/>
-                </a:solidFill>
-                <a:latin typeface="Calibri"/>
+              <a:rPr lang="en-US" sz="2000">
+                <a:latin typeface="Arial"/>
               </a:rPr>
               <a:t>Sixth Outline Level</a:t>
             </a:r>
             <a:endParaRPr/>
           </a:p>
           <a:p>
-            <a:pPr>
-              <a:lnSpc>
-                <a:spcPct val="100000"/>
-              </a:lnSpc>
-              <a:buFont typeface="Arial"/>
-              <a:buChar char="•"/>
-            </a:pPr>
-            <a:r>
-              <a:rPr lang="es-ES" sz="3200">
-                <a:solidFill>
-                  <a:srgbClr val="000000"/>
-                </a:solidFill>
-                <a:latin typeface="Calibri"/>
-              </a:rPr>
-              <a:t>Seventh Outline LevelHaga clic para modificar el estilo de texto del patrón</a:t>
-            </a:r>
-            <a:endParaRPr/>
-          </a:p>
-          <a:p>
-            <a:pPr lvl="1">
-              <a:lnSpc>
-                <a:spcPct val="100000"/>
-              </a:lnSpc>
-              <a:buFont typeface="Arial"/>
-              <a:buChar char="–"/>
-            </a:pPr>
-            <a:r>
-              <a:rPr lang="es-ES" sz="2800">
-                <a:solidFill>
-                  <a:srgbClr val="000000"/>
-                </a:solidFill>
-                <a:latin typeface="Calibri"/>
-              </a:rPr>
-              <a:t>Segundo nivel</a:t>
-            </a:r>
-            <a:endParaRPr/>
-          </a:p>
-          <a:p>
-            <a:pPr lvl="2">
-              <a:lnSpc>
-                <a:spcPct val="100000"/>
-              </a:lnSpc>
-              <a:buFont typeface="Arial"/>
-              <a:buChar char="•"/>
-            </a:pPr>
-            <a:r>
-              <a:rPr lang="es-ES" sz="2400">
-                <a:solidFill>
-                  <a:srgbClr val="000000"/>
-                </a:solidFill>
-                <a:latin typeface="Calibri"/>
-              </a:rPr>
-              <a:t>Tercer nivel</a:t>
-            </a:r>
-            <a:endParaRPr/>
-          </a:p>
-          <a:p>
-            <a:pPr lvl="3">
-              <a:lnSpc>
-                <a:spcPct val="100000"/>
-              </a:lnSpc>
-              <a:buFont typeface="Arial"/>
-              <a:buChar char="–"/>
-            </a:pPr>
-            <a:r>
-              <a:rPr lang="es-ES" sz="2000">
-                <a:solidFill>
-                  <a:srgbClr val="000000"/>
-                </a:solidFill>
-                <a:latin typeface="Calibri"/>
-              </a:rPr>
-              <a:t>Cuarto nivel</a:t>
-            </a:r>
-            <a:endParaRPr/>
-          </a:p>
-          <a:p>
-            <a:pPr lvl="4">
-              <a:lnSpc>
-                <a:spcPct val="100000"/>
-              </a:lnSpc>
-              <a:buFont typeface="Arial"/>
-              <a:buChar char="»"/>
-            </a:pPr>
-            <a:r>
-              <a:rPr lang="es-ES" sz="2000">
-                <a:solidFill>
-                  <a:srgbClr val="000000"/>
-                </a:solidFill>
-                <a:latin typeface="Calibri"/>
-              </a:rPr>
-              <a:t>Quinto nivel</a:t>
-            </a:r>
-            <a:endParaRPr/>
-          </a:p>
-        </p:txBody>
-      </p:sp>
-      <p:sp>
-        <p:nvSpPr>
-          <p:cNvPr id="43" name="PlaceHolder 3"/>
-          <p:cNvSpPr>
-            <a:spLocks noGrp="1"/>
-          </p:cNvSpPr>
-          <p:nvPr>
-            <p:ph type="dt"/>
-          </p:nvPr>
-        </p:nvSpPr>
-        <p:spPr>
-          <a:xfrm>
-            <a:off x="457200" y="6356520"/>
-            <a:ext cx="2133360" cy="364680"/>
-          </a:xfrm>
-          <a:prstGeom prst="rect">
-            <a:avLst/>
-          </a:prstGeom>
-        </p:spPr>
-        <p:txBody>
-          <a:bodyPr anchor="ctr"/>
-          <a:p>
-            <a:pPr>
-              <a:lnSpc>
-                <a:spcPct val="100000"/>
-              </a:lnSpc>
-            </a:pPr>
-            <a:r>
-              <a:rPr lang="en-US" sz="1200">
-                <a:solidFill>
-                  <a:srgbClr val="8b8b8b"/>
-                </a:solidFill>
-                <a:latin typeface="Calibri"/>
-              </a:rPr>
-              <a:t>2/20/16</a:t>
-            </a:r>
-            <a:endParaRPr/>
-          </a:p>
-        </p:txBody>
-      </p:sp>
-      <p:sp>
-        <p:nvSpPr>
-          <p:cNvPr id="44" name="PlaceHolder 4"/>
-          <p:cNvSpPr>
-            <a:spLocks noGrp="1"/>
-          </p:cNvSpPr>
-          <p:nvPr>
-            <p:ph type="ftr"/>
-          </p:nvPr>
-        </p:nvSpPr>
-        <p:spPr>
-          <a:xfrm>
-            <a:off x="3124080" y="6356520"/>
-            <a:ext cx="2895120" cy="364680"/>
-          </a:xfrm>
-          <a:prstGeom prst="rect">
-            <a:avLst/>
-          </a:prstGeom>
-        </p:spPr>
-        <p:txBody>
-          <a:bodyPr anchor="ctr"/>
-          <a:p>
-            <a:pPr algn="ctr">
-              <a:lnSpc>
-                <a:spcPct val="100000"/>
-              </a:lnSpc>
-            </a:pPr>
-            <a:r>
-              <a:rPr lang="en-US" sz="1200">
-                <a:solidFill>
-                  <a:srgbClr val="8b8b8b"/>
-                </a:solidFill>
-                <a:latin typeface="Calibri"/>
-              </a:rPr>
-              <a:t>Título del Proyecto</a:t>
-            </a:r>
-            <a:endParaRPr/>
-          </a:p>
-        </p:txBody>
-      </p:sp>
-      <p:sp>
-        <p:nvSpPr>
-          <p:cNvPr id="45" name="PlaceHolder 5"/>
-          <p:cNvSpPr>
-            <a:spLocks noGrp="1"/>
-          </p:cNvSpPr>
-          <p:nvPr>
-            <p:ph type="sldNum"/>
-          </p:nvPr>
-        </p:nvSpPr>
-        <p:spPr>
-          <a:xfrm>
-            <a:off x="6553080" y="6356520"/>
-            <a:ext cx="2133360" cy="364680"/>
-          </a:xfrm>
-          <a:prstGeom prst="rect">
-            <a:avLst/>
-          </a:prstGeom>
-        </p:spPr>
-        <p:txBody>
-          <a:bodyPr anchor="ctr"/>
-          <a:p>
-            <a:pPr algn="r">
-              <a:lnSpc>
-                <a:spcPct val="100000"/>
-              </a:lnSpc>
-            </a:pPr>
-            <a:fld id="{F4A197C2-D6B1-4E99-8C64-13206FE034BA}" type="slidenum">
-              <a:rPr lang="en-US" sz="1200">
-                <a:solidFill>
-                  <a:srgbClr val="8b8b8b"/>
-                </a:solidFill>
-                <a:latin typeface="Calibri"/>
-              </a:rPr>
-              <a:t>&lt;number&gt;</a:t>
-            </a:fld>
+            <a:pPr lvl="6">
+              <a:buSzPct val="45000"/>
+              <a:buFont typeface="StarSymbol"/>
+              <a:buChar char=""/>
+            </a:pPr>
+            <a:r>
+              <a:rPr lang="en-US" sz="2000">
+                <a:latin typeface="Arial"/>
+              </a:rPr>
+              <a:t>Seventh Outline Level</a:t>
+            </a:r>
             <a:endParaRPr/>
           </a:p>
         </p:txBody>
@@ -4265,377 +2786,6 @@
     <p:sldLayoutId id="2147483671" r:id="rId12"/>
     <p:sldLayoutId id="2147483672" r:id="rId13"/>
     <p:sldLayoutId id="2147483673" r:id="rId14"/>
-  </p:sldLayoutIdLst>
-</p:sldMaster>
-</file>
-
-<file path=ppt/slideMasters/slideMaster3.xml><?xml version="1.0" encoding="utf-8"?>
-<p:sldMaster xmlns:a="http://schemas.openxmlformats.org/drawingml/2006/main" xmlns:p="http://schemas.openxmlformats.org/presentationml/2006/main" xmlns:r="http://schemas.openxmlformats.org/officeDocument/2006/relationships">
-  <p:cSld>
-    <p:bg>
-      <p:bgPr>
-        <a:solidFill>
-          <a:srgbClr val="ffffff"/>
-        </a:solidFill>
-      </p:bgPr>
-    </p:bg>
-    <p:spTree>
-      <p:nvGrpSpPr>
-        <p:cNvPr id="1" name=""/>
-        <p:cNvGrpSpPr/>
-        <p:nvPr/>
-      </p:nvGrpSpPr>
-      <p:grpSpPr>
-        <a:xfrm>
-          <a:off x="0" y="0"/>
-          <a:ext cx="0" cy="0"/>
-          <a:chOff x="0" y="0"/>
-          <a:chExt cx="0" cy="0"/>
-        </a:xfrm>
-      </p:grpSpPr>
-      <p:pic>
-        <p:nvPicPr>
-          <p:cNvPr id="80" name="6 Imagen" descr=""/>
-          <p:cNvPicPr/>
-          <p:nvPr/>
-        </p:nvPicPr>
-        <p:blipFill>
-          <a:blip r:embed="rId2"/>
-          <a:stretch>
-            <a:fillRect/>
-          </a:stretch>
-        </p:blipFill>
-        <p:spPr>
-          <a:xfrm>
-            <a:off x="7452360" y="332640"/>
-            <a:ext cx="1252080" cy="1052640"/>
-          </a:xfrm>
-          <a:prstGeom prst="rect">
-            <a:avLst/>
-          </a:prstGeom>
-          <a:ln>
-            <a:noFill/>
-          </a:ln>
-        </p:spPr>
-      </p:pic>
-      <p:sp>
-        <p:nvSpPr>
-          <p:cNvPr id="81" name="PlaceHolder 1"/>
-          <p:cNvSpPr>
-            <a:spLocks noGrp="1"/>
-          </p:cNvSpPr>
-          <p:nvPr>
-            <p:ph type="title"/>
-          </p:nvPr>
-        </p:nvSpPr>
-        <p:spPr>
-          <a:xfrm>
-            <a:off x="722160" y="4406760"/>
-            <a:ext cx="7772040" cy="1361880"/>
-          </a:xfrm>
-          <a:prstGeom prst="rect">
-            <a:avLst/>
-          </a:prstGeom>
-        </p:spPr>
-        <p:txBody>
-          <a:bodyPr/>
-          <a:p>
-            <a:pPr>
-              <a:lnSpc>
-                <a:spcPct val="100000"/>
-              </a:lnSpc>
-            </a:pPr>
-            <a:r>
-              <a:rPr b="1" lang="es-ES" sz="4000">
-                <a:solidFill>
-                  <a:srgbClr val="000000"/>
-                </a:solidFill>
-                <a:latin typeface="Calibri"/>
-              </a:rPr>
-              <a:t>Click to edit the title text formatHaga clic para modificar el estilo de título del patrón</a:t>
-            </a:r>
-            <a:endParaRPr/>
-          </a:p>
-        </p:txBody>
-      </p:sp>
-      <p:sp>
-        <p:nvSpPr>
-          <p:cNvPr id="82" name="PlaceHolder 2"/>
-          <p:cNvSpPr>
-            <a:spLocks noGrp="1"/>
-          </p:cNvSpPr>
-          <p:nvPr>
-            <p:ph type="body"/>
-          </p:nvPr>
-        </p:nvSpPr>
-        <p:spPr>
-          <a:xfrm>
-            <a:off x="722160" y="2906640"/>
-            <a:ext cx="7772040" cy="1499760"/>
-          </a:xfrm>
-          <a:prstGeom prst="rect">
-            <a:avLst/>
-          </a:prstGeom>
-        </p:spPr>
-        <p:txBody>
-          <a:bodyPr anchor="b"/>
-          <a:p>
-            <a:pPr>
-              <a:buSzPct val="45000"/>
-              <a:buFont typeface="StarSymbol"/>
-              <a:buChar char=""/>
-            </a:pPr>
-            <a:r>
-              <a:rPr lang="es-ES" sz="2000">
-                <a:solidFill>
-                  <a:srgbClr val="8b8b8b"/>
-                </a:solidFill>
-                <a:latin typeface="Calibri"/>
-              </a:rPr>
-              <a:t>Click to edit the outline text format</a:t>
-            </a:r>
-            <a:endParaRPr/>
-          </a:p>
-          <a:p>
-            <a:pPr lvl="1">
-              <a:buSzPct val="75000"/>
-              <a:buFont typeface="StarSymbol"/>
-              <a:buChar char=""/>
-            </a:pPr>
-            <a:r>
-              <a:rPr lang="es-ES" sz="2000">
-                <a:solidFill>
-                  <a:srgbClr val="8b8b8b"/>
-                </a:solidFill>
-                <a:latin typeface="Calibri"/>
-              </a:rPr>
-              <a:t>Second Outline Level</a:t>
-            </a:r>
-            <a:endParaRPr/>
-          </a:p>
-          <a:p>
-            <a:pPr lvl="2">
-              <a:buSzPct val="45000"/>
-              <a:buFont typeface="StarSymbol"/>
-              <a:buChar char=""/>
-            </a:pPr>
-            <a:r>
-              <a:rPr lang="es-ES" sz="2000">
-                <a:solidFill>
-                  <a:srgbClr val="8b8b8b"/>
-                </a:solidFill>
-                <a:latin typeface="Calibri"/>
-              </a:rPr>
-              <a:t>Third Outline Level</a:t>
-            </a:r>
-            <a:endParaRPr/>
-          </a:p>
-          <a:p>
-            <a:pPr lvl="3">
-              <a:buSzPct val="75000"/>
-              <a:buFont typeface="StarSymbol"/>
-              <a:buChar char=""/>
-            </a:pPr>
-            <a:r>
-              <a:rPr lang="es-ES" sz="2000">
-                <a:solidFill>
-                  <a:srgbClr val="8b8b8b"/>
-                </a:solidFill>
-                <a:latin typeface="Calibri"/>
-              </a:rPr>
-              <a:t>Fourth Outline Level</a:t>
-            </a:r>
-            <a:endParaRPr/>
-          </a:p>
-          <a:p>
-            <a:pPr lvl="4">
-              <a:buSzPct val="45000"/>
-              <a:buFont typeface="StarSymbol"/>
-              <a:buChar char=""/>
-            </a:pPr>
-            <a:r>
-              <a:rPr lang="es-ES" sz="2000">
-                <a:solidFill>
-                  <a:srgbClr val="8b8b8b"/>
-                </a:solidFill>
-                <a:latin typeface="Calibri"/>
-              </a:rPr>
-              <a:t>Fifth Outline Level</a:t>
-            </a:r>
-            <a:endParaRPr/>
-          </a:p>
-          <a:p>
-            <a:pPr lvl="5">
-              <a:buSzPct val="45000"/>
-              <a:buFont typeface="StarSymbol"/>
-              <a:buChar char=""/>
-            </a:pPr>
-            <a:r>
-              <a:rPr lang="es-ES" sz="2000">
-                <a:solidFill>
-                  <a:srgbClr val="8b8b8b"/>
-                </a:solidFill>
-                <a:latin typeface="Calibri"/>
-              </a:rPr>
-              <a:t>Sixth Outline Level</a:t>
-            </a:r>
-            <a:endParaRPr/>
-          </a:p>
-          <a:p>
-            <a:pPr>
-              <a:lnSpc>
-                <a:spcPct val="100000"/>
-              </a:lnSpc>
-            </a:pPr>
-            <a:r>
-              <a:rPr lang="es-ES" sz="2000">
-                <a:solidFill>
-                  <a:srgbClr val="8b8b8b"/>
-                </a:solidFill>
-                <a:latin typeface="Calibri"/>
-              </a:rPr>
-              <a:t>Seventh Outline LevelHaga clic para modificar el estilo de texto del patrón</a:t>
-            </a:r>
-            <a:endParaRPr/>
-          </a:p>
-        </p:txBody>
-      </p:sp>
-      <p:sp>
-        <p:nvSpPr>
-          <p:cNvPr id="83" name="PlaceHolder 3"/>
-          <p:cNvSpPr>
-            <a:spLocks noGrp="1"/>
-          </p:cNvSpPr>
-          <p:nvPr>
-            <p:ph type="dt"/>
-          </p:nvPr>
-        </p:nvSpPr>
-        <p:spPr>
-          <a:xfrm>
-            <a:off x="457200" y="6356520"/>
-            <a:ext cx="2133360" cy="364680"/>
-          </a:xfrm>
-          <a:prstGeom prst="rect">
-            <a:avLst/>
-          </a:prstGeom>
-        </p:spPr>
-        <p:txBody>
-          <a:bodyPr anchor="ctr"/>
-          <a:p>
-            <a:pPr>
-              <a:lnSpc>
-                <a:spcPct val="100000"/>
-              </a:lnSpc>
-            </a:pPr>
-            <a:r>
-              <a:rPr lang="en-US" sz="1200">
-                <a:solidFill>
-                  <a:srgbClr val="8b8b8b"/>
-                </a:solidFill>
-                <a:latin typeface="Calibri"/>
-              </a:rPr>
-              <a:t>2/20/16</a:t>
-            </a:r>
-            <a:endParaRPr/>
-          </a:p>
-        </p:txBody>
-      </p:sp>
-      <p:sp>
-        <p:nvSpPr>
-          <p:cNvPr id="84" name="PlaceHolder 4"/>
-          <p:cNvSpPr>
-            <a:spLocks noGrp="1"/>
-          </p:cNvSpPr>
-          <p:nvPr>
-            <p:ph type="ftr"/>
-          </p:nvPr>
-        </p:nvSpPr>
-        <p:spPr>
-          <a:xfrm>
-            <a:off x="3124080" y="6356520"/>
-            <a:ext cx="2895120" cy="364680"/>
-          </a:xfrm>
-          <a:prstGeom prst="rect">
-            <a:avLst/>
-          </a:prstGeom>
-        </p:spPr>
-        <p:txBody>
-          <a:bodyPr anchor="ctr"/>
-          <a:p>
-            <a:pPr algn="ctr">
-              <a:lnSpc>
-                <a:spcPct val="100000"/>
-              </a:lnSpc>
-            </a:pPr>
-            <a:r>
-              <a:rPr lang="en-US" sz="1200">
-                <a:solidFill>
-                  <a:srgbClr val="8b8b8b"/>
-                </a:solidFill>
-                <a:latin typeface="Calibri"/>
-              </a:rPr>
-              <a:t>Título del Proyecto</a:t>
-            </a:r>
-            <a:endParaRPr/>
-          </a:p>
-        </p:txBody>
-      </p:sp>
-      <p:sp>
-        <p:nvSpPr>
-          <p:cNvPr id="85" name="PlaceHolder 5"/>
-          <p:cNvSpPr>
-            <a:spLocks noGrp="1"/>
-          </p:cNvSpPr>
-          <p:nvPr>
-            <p:ph type="sldNum"/>
-          </p:nvPr>
-        </p:nvSpPr>
-        <p:spPr>
-          <a:xfrm>
-            <a:off x="6553080" y="6356520"/>
-            <a:ext cx="2133360" cy="364680"/>
-          </a:xfrm>
-          <a:prstGeom prst="rect">
-            <a:avLst/>
-          </a:prstGeom>
-        </p:spPr>
-        <p:txBody>
-          <a:bodyPr anchor="ctr"/>
-          <a:p>
-            <a:pPr algn="r">
-              <a:lnSpc>
-                <a:spcPct val="100000"/>
-              </a:lnSpc>
-            </a:pPr>
-            <a:fld id="{4BCDD8E8-BB79-4695-A2D8-F7EFCF1D9B72}" type="slidenum">
-              <a:rPr lang="en-US" sz="1200">
-                <a:solidFill>
-                  <a:srgbClr val="8b8b8b"/>
-                </a:solidFill>
-                <a:latin typeface="Calibri"/>
-              </a:rPr>
-              <a:t>&lt;number&gt;</a:t>
-            </a:fld>
-            <a:endParaRPr/>
-          </a:p>
-        </p:txBody>
-      </p:sp>
-    </p:spTree>
-  </p:cSld>
-  <p:clrMap bg1="lt1" bg2="lt2" tx1="dk1" tx2="dk2" accent1="accent1" accent2="accent2" accent3="accent3" accent4="accent4" accent5="accent5" accent6="accent6" hlink="hlink" folHlink="folHlink"/>
-  <p:sldLayoutIdLst>
-    <p:sldLayoutId id="2147483675" r:id="rId3"/>
-    <p:sldLayoutId id="2147483676" r:id="rId4"/>
-    <p:sldLayoutId id="2147483677" r:id="rId5"/>
-    <p:sldLayoutId id="2147483678" r:id="rId6"/>
-    <p:sldLayoutId id="2147483679" r:id="rId7"/>
-    <p:sldLayoutId id="2147483680" r:id="rId8"/>
-    <p:sldLayoutId id="2147483681" r:id="rId9"/>
-    <p:sldLayoutId id="2147483682" r:id="rId10"/>
-    <p:sldLayoutId id="2147483683" r:id="rId11"/>
-    <p:sldLayoutId id="2147483684" r:id="rId12"/>
-    <p:sldLayoutId id="2147483685" r:id="rId13"/>
-    <p:sldLayoutId id="2147483686" r:id="rId14"/>
   </p:sldLayoutIdLst>
 </p:sldMaster>
 </file>
@@ -4659,21 +2809,25 @@
       </p:grpSpPr>
       <p:sp>
         <p:nvSpPr>
-          <p:cNvPr id="120" name="TextShape 1"/>
-          <p:cNvSpPr txBox="1"/>
+          <p:cNvPr id="74" name="CustomShape 1"/>
+          <p:cNvSpPr/>
           <p:nvPr/>
         </p:nvSpPr>
         <p:spPr>
           <a:xfrm>
             <a:off x="664560" y="2922120"/>
-            <a:ext cx="7772040" cy="1469520"/>
-          </a:xfrm>
-          <a:prstGeom prst="rect">
-            <a:avLst/>
-          </a:prstGeom>
-        </p:spPr>
-        <p:txBody>
-          <a:bodyPr anchor="ctr"/>
+            <a:ext cx="7769880" cy="1467360"/>
+          </a:xfrm>
+          <a:prstGeom prst="rect">
+            <a:avLst/>
+          </a:prstGeom>
+          <a:noFill/>
+          <a:ln>
+            <a:noFill/>
+          </a:ln>
+        </p:spPr>
+        <p:txBody>
+          <a:bodyPr lIns="90000" rIns="90000" tIns="45000" bIns="45000" anchor="ctr"/>
           <a:p>
             <a:pPr algn="ctr">
               <a:lnSpc>
@@ -4681,7 +2835,7 @@
               </a:lnSpc>
             </a:pPr>
             <a:r>
-              <a:rPr lang="es-ES" sz="4400">
+              <a:rPr lang="en-US" sz="3200">
                 <a:solidFill>
                   <a:srgbClr val="000000"/>
                 </a:solidFill>
@@ -4695,21 +2849,25 @@
       </p:sp>
       <p:sp>
         <p:nvSpPr>
-          <p:cNvPr id="121" name="TextShape 2"/>
-          <p:cNvSpPr txBox="1"/>
+          <p:cNvPr id="75" name="CustomShape 2"/>
+          <p:cNvSpPr/>
           <p:nvPr/>
         </p:nvSpPr>
         <p:spPr>
           <a:xfrm>
             <a:off x="1317240" y="4581000"/>
-            <a:ext cx="6400440" cy="1223640"/>
-          </a:xfrm>
-          <a:prstGeom prst="rect">
-            <a:avLst/>
-          </a:prstGeom>
-        </p:spPr>
-        <p:txBody>
-          <a:bodyPr/>
+            <a:ext cx="6398280" cy="1221480"/>
+          </a:xfrm>
+          <a:prstGeom prst="rect">
+            <a:avLst/>
+          </a:prstGeom>
+          <a:noFill/>
+          <a:ln>
+            <a:noFill/>
+          </a:ln>
+        </p:spPr>
+        <p:txBody>
+          <a:bodyPr lIns="90000" rIns="90000" tIns="45000" bIns="45000"/>
           <a:p>
             <a:pPr algn="ctr">
               <a:lnSpc>
@@ -4748,7 +2906,7 @@
       </p:sp>
       <p:pic>
         <p:nvPicPr>
-          <p:cNvPr id="122" name="3 Imagen" descr=""/>
+          <p:cNvPr id="76" name="3 Imagen" descr=""/>
           <p:cNvPicPr/>
           <p:nvPr/>
         </p:nvPicPr>
@@ -4761,7 +2919,7 @@
         <p:spPr>
           <a:xfrm>
             <a:off x="3636000" y="306360"/>
-            <a:ext cx="1829160" cy="1537920"/>
+            <a:ext cx="1827000" cy="1535760"/>
           </a:xfrm>
           <a:prstGeom prst="rect">
             <a:avLst/>
@@ -4773,14 +2931,14 @@
       </p:pic>
       <p:sp>
         <p:nvSpPr>
-          <p:cNvPr id="123" name="CustomShape 3"/>
+          <p:cNvPr id="77" name="CustomShape 3"/>
           <p:cNvSpPr/>
           <p:nvPr/>
         </p:nvSpPr>
         <p:spPr>
           <a:xfrm>
             <a:off x="305280" y="1845000"/>
-            <a:ext cx="8424720" cy="1065240"/>
+            <a:ext cx="8422560" cy="1063080"/>
           </a:xfrm>
           <a:prstGeom prst="rect">
             <a:avLst/>
@@ -4839,14 +2997,14 @@
       </p:sp>
       <p:sp>
         <p:nvSpPr>
-          <p:cNvPr id="124" name="CustomShape 4"/>
+          <p:cNvPr id="78" name="CustomShape 4"/>
           <p:cNvSpPr/>
           <p:nvPr/>
         </p:nvSpPr>
         <p:spPr>
           <a:xfrm>
             <a:off x="6675120" y="6309360"/>
-            <a:ext cx="2049480" cy="364680"/>
+            <a:ext cx="2047320" cy="362520"/>
           </a:xfrm>
           <a:prstGeom prst="rect">
             <a:avLst/>
@@ -4879,21 +3037,25 @@
       </p:sp>
       <p:sp>
         <p:nvSpPr>
-          <p:cNvPr id="125" name="TextShape 5"/>
-          <p:cNvSpPr txBox="1"/>
+          <p:cNvPr id="79" name="CustomShape 5"/>
+          <p:cNvSpPr/>
           <p:nvPr/>
         </p:nvSpPr>
         <p:spPr>
           <a:xfrm>
             <a:off x="548640" y="6356520"/>
-            <a:ext cx="6279120" cy="318600"/>
-          </a:xfrm>
-          <a:prstGeom prst="rect">
-            <a:avLst/>
-          </a:prstGeom>
-        </p:spPr>
-        <p:txBody>
-          <a:bodyPr anchor="ctr"/>
+            <a:ext cx="6276960" cy="316440"/>
+          </a:xfrm>
+          <a:prstGeom prst="rect">
+            <a:avLst/>
+          </a:prstGeom>
+          <a:noFill/>
+          <a:ln>
+            <a:noFill/>
+          </a:ln>
+        </p:spPr>
+        <p:txBody>
+          <a:bodyPr lIns="90000" rIns="90000" tIns="45000" bIns="45000" anchor="ctr"/>
           <a:p>
             <a:pPr>
               <a:lnSpc>
@@ -4915,39 +3077,23 @@
       </p:sp>
       <p:sp>
         <p:nvSpPr>
-          <p:cNvPr id="126" name="TextShape 6"/>
-          <p:cNvSpPr txBox="1"/>
+          <p:cNvPr id="80" name="CustomShape 6"/>
+          <p:cNvSpPr/>
           <p:nvPr/>
         </p:nvSpPr>
         <p:spPr>
           <a:xfrm>
             <a:off x="6827760" y="6356520"/>
-            <a:ext cx="2133360" cy="364680"/>
-          </a:xfrm>
-          <a:prstGeom prst="rect">
-            <a:avLst/>
-          </a:prstGeom>
-        </p:spPr>
-        <p:txBody>
-          <a:bodyPr anchor="ctr"/>
-          <a:p>
-            <a:pPr algn="r">
-              <a:lnSpc>
-                <a:spcPct val="100000"/>
-              </a:lnSpc>
-            </a:pPr>
-            <a:fld id="{EFD202F8-A62B-489A-B7D1-A9D6FEEAB381}" type="slidenum">
-              <a:rPr lang="en-US" sz="1200">
-                <a:solidFill>
-                  <a:srgbClr val="8b8b8b"/>
-                </a:solidFill>
-                <a:latin typeface="Calibri"/>
-              </a:rPr>
-              <a:t>&lt;number&gt;</a:t>
-            </a:fld>
-            <a:endParaRPr/>
-          </a:p>
-        </p:txBody>
+            <a:ext cx="2131200" cy="362520"/>
+          </a:xfrm>
+          <a:prstGeom prst="rect">
+            <a:avLst/>
+          </a:prstGeom>
+          <a:noFill/>
+          <a:ln>
+            <a:noFill/>
+          </a:ln>
+        </p:spPr>
       </p:sp>
     </p:spTree>
   </p:cSld>
@@ -5000,21 +3146,25 @@
       </p:grpSpPr>
       <p:sp>
         <p:nvSpPr>
-          <p:cNvPr id="158" name="TextShape 1"/>
-          <p:cNvSpPr txBox="1"/>
+          <p:cNvPr id="116" name="CustomShape 1"/>
+          <p:cNvSpPr/>
           <p:nvPr/>
         </p:nvSpPr>
         <p:spPr>
           <a:xfrm>
             <a:off x="457200" y="274680"/>
-            <a:ext cx="8229240" cy="1142640"/>
-          </a:xfrm>
-          <a:prstGeom prst="rect">
-            <a:avLst/>
-          </a:prstGeom>
-        </p:spPr>
-        <p:txBody>
-          <a:bodyPr anchor="ctr"/>
+            <a:ext cx="8227080" cy="1140480"/>
+          </a:xfrm>
+          <a:prstGeom prst="rect">
+            <a:avLst/>
+          </a:prstGeom>
+          <a:noFill/>
+          <a:ln>
+            <a:noFill/>
+          </a:ln>
+        </p:spPr>
+        <p:txBody>
+          <a:bodyPr lIns="90000" rIns="90000" tIns="45000" bIns="45000" anchor="ctr"/>
           <a:p>
             <a:pPr algn="ctr">
               <a:lnSpc>
@@ -5022,115 +3172,322 @@
               </a:lnSpc>
             </a:pPr>
             <a:r>
-              <a:rPr lang="es-ES" sz="2800">
+              <a:rPr lang="en-US" sz="2800">
                 <a:solidFill>
                   <a:srgbClr val="000000"/>
                 </a:solidFill>
                 <a:latin typeface="Calibri"/>
               </a:rPr>
-              <a:t>Evaluación proyectos NoSQL</a:t>
-            </a:r>
-            <a:endParaRPr/>
-          </a:p>
-        </p:txBody>
-      </p:sp>
-      <p:sp>
-        <p:nvSpPr>
-          <p:cNvPr id="159" name="TextShape 2"/>
-          <p:cNvSpPr txBox="1"/>
+              <a:t>Definición del modelo </a:t>
+            </a:r>
+            <a:endParaRPr/>
+          </a:p>
+        </p:txBody>
+      </p:sp>
+      <p:sp>
+        <p:nvSpPr>
+          <p:cNvPr id="117" name="CustomShape 2"/>
+          <p:cNvSpPr/>
           <p:nvPr/>
         </p:nvSpPr>
         <p:spPr>
           <a:xfrm>
             <a:off x="6553080" y="6356520"/>
-            <a:ext cx="2133360" cy="364680"/>
-          </a:xfrm>
-          <a:prstGeom prst="rect">
-            <a:avLst/>
-          </a:prstGeom>
-        </p:spPr>
-        <p:txBody>
-          <a:bodyPr anchor="ctr"/>
-          <a:p>
-            <a:pPr algn="r">
-              <a:lnSpc>
-                <a:spcPct val="100000"/>
-              </a:lnSpc>
-            </a:pPr>
-            <a:fld id="{871F7A90-BB75-4F3A-AF13-6F74DC4BD5AB}" type="slidenum">
+            <a:ext cx="2131200" cy="362520"/>
+          </a:xfrm>
+          <a:prstGeom prst="rect">
+            <a:avLst/>
+          </a:prstGeom>
+          <a:noFill/>
+          <a:ln>
+            <a:noFill/>
+          </a:ln>
+        </p:spPr>
+      </p:sp>
+      <p:sp>
+        <p:nvSpPr>
+          <p:cNvPr id="118" name="CustomShape 3"/>
+          <p:cNvSpPr/>
+          <p:nvPr/>
+        </p:nvSpPr>
+        <p:spPr>
+          <a:xfrm>
+            <a:off x="580320" y="6357960"/>
+            <a:ext cx="6276960" cy="316440"/>
+          </a:xfrm>
+          <a:prstGeom prst="rect">
+            <a:avLst/>
+          </a:prstGeom>
+          <a:noFill/>
+          <a:ln>
+            <a:noFill/>
+          </a:ln>
+        </p:spPr>
+        <p:txBody>
+          <a:bodyPr lIns="90000" rIns="90000" tIns="45000" bIns="45000" anchor="ctr"/>
+          <a:p>
+            <a:pPr>
+              <a:lnSpc>
+                <a:spcPct val="100000"/>
+              </a:lnSpc>
+            </a:pPr>
+            <a:r>
               <a:rPr lang="en-US" sz="1200">
                 <a:solidFill>
                   <a:srgbClr val="8b8b8b"/>
                 </a:solidFill>
                 <a:latin typeface="Calibri"/>
               </a:rPr>
-              <a:t>&lt;number&gt;</a:t>
-            </a:fld>
-            <a:endParaRPr/>
-          </a:p>
-        </p:txBody>
-      </p:sp>
-      <p:sp>
-        <p:nvSpPr>
-          <p:cNvPr id="160" name="TextShape 3"/>
-          <p:cNvSpPr txBox="1"/>
-          <p:nvPr/>
-        </p:nvSpPr>
-        <p:spPr>
-          <a:xfrm>
-            <a:off x="548640" y="6357960"/>
-            <a:ext cx="6279120" cy="318600"/>
-          </a:xfrm>
-          <a:prstGeom prst="rect">
-            <a:avLst/>
-          </a:prstGeom>
-        </p:spPr>
-        <p:txBody>
-          <a:bodyPr anchor="ctr"/>
-          <a:p>
-            <a:pPr>
-              <a:lnSpc>
-                <a:spcPct val="100000"/>
-              </a:lnSpc>
-            </a:pPr>
-            <a:r>
-              <a:rPr lang="en-US" sz="1200">
-                <a:solidFill>
-                  <a:srgbClr val="8b8b8b"/>
-                </a:solidFill>
-                <a:latin typeface="Calibri"/>
-              </a:rPr>
               <a:t>Medición de calidad de código en proyectos Open Source en base a métricas</a:t>
             </a:r>
             <a:endParaRPr/>
           </a:p>
         </p:txBody>
       </p:sp>
-      <p:pic>
-        <p:nvPicPr>
-          <p:cNvPr id="161" name="" descr=""/>
-          <p:cNvPicPr/>
-          <p:nvPr/>
-        </p:nvPicPr>
-        <p:blipFill>
-          <a:blip r:embed="rId1"/>
-          <a:stretch>
-            <a:fillRect/>
-          </a:stretch>
-        </p:blipFill>
-        <p:spPr>
-          <a:xfrm>
-            <a:off x="365760" y="1188720"/>
-            <a:ext cx="6858000" cy="5029200"/>
-          </a:xfrm>
-          <a:prstGeom prst="rect">
-            <a:avLst/>
-          </a:prstGeom>
+      <p:sp>
+        <p:nvSpPr>
+          <p:cNvPr id="119" name="CustomShape 4"/>
+          <p:cNvSpPr/>
+          <p:nvPr/>
+        </p:nvSpPr>
+        <p:spPr>
+          <a:xfrm>
+            <a:off x="457560" y="1137960"/>
+            <a:ext cx="7497000" cy="5079240"/>
+          </a:xfrm>
+          <a:prstGeom prst="rect">
+            <a:avLst/>
+          </a:prstGeom>
+          <a:noFill/>
           <a:ln>
             <a:noFill/>
           </a:ln>
         </p:spPr>
-      </p:pic>
+        <p:txBody>
+          <a:bodyPr lIns="90000" rIns="90000" tIns="45000" bIns="45000"/>
+          <a:p>
+            <a:pPr lvl="1">
+              <a:lnSpc>
+                <a:spcPct val="100000"/>
+              </a:lnSpc>
+              <a:buSzPct val="45000"/>
+              <a:buFont typeface="StarSymbol"/>
+              <a:buChar char="l"/>
+            </a:pPr>
+            <a:r>
+              <a:rPr lang="en-US" sz="3200">
+                <a:latin typeface="Calibri"/>
+              </a:rPr>
+              <a:t>Orientación a objetos</a:t>
+            </a:r>
+            <a:endParaRPr/>
+          </a:p>
+          <a:p>
+            <a:pPr lvl="3">
+              <a:lnSpc>
+                <a:spcPct val="100000"/>
+              </a:lnSpc>
+              <a:buSzPct val="45000"/>
+              <a:buFont typeface="StarSymbol"/>
+              <a:buChar char="l"/>
+            </a:pPr>
+            <a:r>
+              <a:rPr lang="en-US" sz="2400">
+                <a:latin typeface="Calibri"/>
+              </a:rPr>
+              <a:t>WMC1 / WMCv</a:t>
+            </a:r>
+            <a:endParaRPr/>
+          </a:p>
+          <a:p>
+            <a:pPr lvl="3">
+              <a:lnSpc>
+                <a:spcPct val="100000"/>
+              </a:lnSpc>
+              <a:buSzPct val="45000"/>
+              <a:buFont typeface="StarSymbol"/>
+              <a:buChar char="l"/>
+            </a:pPr>
+            <a:r>
+              <a:rPr lang="en-US" sz="2400">
+                <a:latin typeface="Calibri"/>
+              </a:rPr>
+              <a:t>DIT</a:t>
+            </a:r>
+            <a:endParaRPr/>
+          </a:p>
+          <a:p>
+            <a:pPr lvl="3">
+              <a:lnSpc>
+                <a:spcPct val="100000"/>
+              </a:lnSpc>
+              <a:buSzPct val="45000"/>
+              <a:buFont typeface="StarSymbol"/>
+              <a:buChar char="l"/>
+            </a:pPr>
+            <a:r>
+              <a:rPr lang="en-US" sz="2400">
+                <a:latin typeface="Calibri"/>
+              </a:rPr>
+              <a:t>CBO</a:t>
+            </a:r>
+            <a:endParaRPr/>
+          </a:p>
+          <a:p>
+            <a:pPr lvl="1">
+              <a:lnSpc>
+                <a:spcPct val="100000"/>
+              </a:lnSpc>
+              <a:buSzPct val="45000"/>
+              <a:buFont typeface="StarSymbol"/>
+              <a:buChar char="l"/>
+            </a:pPr>
+            <a:r>
+              <a:rPr lang="en-US" sz="3200">
+                <a:latin typeface="Calibri"/>
+              </a:rPr>
+              <a:t>Estructural</a:t>
+            </a:r>
+            <a:endParaRPr/>
+          </a:p>
+          <a:p>
+            <a:pPr lvl="3">
+              <a:lnSpc>
+                <a:spcPct val="100000"/>
+              </a:lnSpc>
+              <a:buSzPct val="45000"/>
+              <a:buFont typeface="StarSymbol"/>
+              <a:buChar char="l"/>
+            </a:pPr>
+            <a:r>
+              <a:rPr lang="en-US" sz="2400">
+                <a:latin typeface="Calibri"/>
+              </a:rPr>
+              <a:t>LOC / Clase</a:t>
+            </a:r>
+            <a:endParaRPr/>
+          </a:p>
+          <a:p>
+            <a:pPr lvl="3">
+              <a:lnSpc>
+                <a:spcPct val="100000"/>
+              </a:lnSpc>
+              <a:buSzPct val="45000"/>
+              <a:buFont typeface="StarSymbol"/>
+              <a:buChar char="l"/>
+            </a:pPr>
+            <a:r>
+              <a:rPr lang="en-US" sz="2400">
+                <a:latin typeface="Calibri"/>
+              </a:rPr>
+              <a:t>CC McCabe</a:t>
+            </a:r>
+            <a:endParaRPr/>
+          </a:p>
+          <a:p>
+            <a:pPr lvl="3">
+              <a:lnSpc>
+                <a:spcPct val="100000"/>
+              </a:lnSpc>
+              <a:buSzPct val="45000"/>
+              <a:buFont typeface="StarSymbol"/>
+              <a:buChar char="l"/>
+            </a:pPr>
+            <a:r>
+              <a:rPr lang="en-US" sz="2400">
+                <a:latin typeface="Calibri"/>
+              </a:rPr>
+              <a:t>DUP</a:t>
+            </a:r>
+            <a:endParaRPr/>
+          </a:p>
+          <a:p>
+            <a:pPr lvl="1">
+              <a:lnSpc>
+                <a:spcPct val="100000"/>
+              </a:lnSpc>
+              <a:buSzPct val="45000"/>
+              <a:buFont typeface="StarSymbol"/>
+              <a:buChar char="l"/>
+            </a:pPr>
+            <a:r>
+              <a:rPr lang="en-US" sz="3200">
+                <a:latin typeface="Calibri"/>
+              </a:rPr>
+              <a:t>Formato de código</a:t>
+            </a:r>
+            <a:endParaRPr/>
+          </a:p>
+          <a:p>
+            <a:pPr lvl="3">
+              <a:lnSpc>
+                <a:spcPct val="100000"/>
+              </a:lnSpc>
+              <a:buSzPct val="45000"/>
+              <a:buFont typeface="StarSymbol"/>
+              <a:buChar char="l"/>
+            </a:pPr>
+            <a:r>
+              <a:rPr lang="en-US" sz="2400">
+                <a:latin typeface="Calibri"/>
+              </a:rPr>
+              <a:t>LOC</a:t>
+            </a:r>
+            <a:endParaRPr/>
+          </a:p>
+          <a:p>
+            <a:pPr lvl="3">
+              <a:lnSpc>
+                <a:spcPct val="100000"/>
+              </a:lnSpc>
+              <a:buSzPct val="45000"/>
+              <a:buFont typeface="StarSymbol"/>
+              <a:buChar char="l"/>
+            </a:pPr>
+            <a:r>
+              <a:rPr lang="en-US" sz="2400">
+                <a:latin typeface="Calibri"/>
+              </a:rPr>
+              <a:t>WIDTH</a:t>
+            </a:r>
+            <a:endParaRPr/>
+          </a:p>
+          <a:p>
+            <a:pPr lvl="3">
+              <a:lnSpc>
+                <a:spcPct val="100000"/>
+              </a:lnSpc>
+              <a:buSzPct val="45000"/>
+              <a:buFont typeface="StarSymbol"/>
+              <a:buChar char="l"/>
+            </a:pPr>
+            <a:r>
+              <a:rPr lang="en-US" sz="2400">
+                <a:latin typeface="Calibri"/>
+              </a:rPr>
+              <a:t>TAB</a:t>
+            </a:r>
+            <a:endParaRPr/>
+          </a:p>
+          <a:p>
+            <a:pPr lvl="3">
+              <a:lnSpc>
+                <a:spcPct val="100000"/>
+              </a:lnSpc>
+              <a:buSzPct val="45000"/>
+              <a:buFont typeface="StarSymbol"/>
+              <a:buChar char="l"/>
+            </a:pPr>
+            <a:r>
+              <a:rPr lang="en-US" sz="2400">
+                <a:latin typeface="Calibri"/>
+              </a:rPr>
+              <a:t>VAR</a:t>
+            </a:r>
+            <a:endParaRPr/>
+          </a:p>
+        </p:txBody>
+      </p:sp>
     </p:spTree>
   </p:cSld>
   <p:timing>
@@ -5182,21 +3539,25 @@
       </p:grpSpPr>
       <p:sp>
         <p:nvSpPr>
-          <p:cNvPr id="162" name="TextShape 1"/>
-          <p:cNvSpPr txBox="1"/>
+          <p:cNvPr id="120" name="CustomShape 1"/>
+          <p:cNvSpPr/>
           <p:nvPr/>
         </p:nvSpPr>
         <p:spPr>
           <a:xfrm>
             <a:off x="457200" y="274680"/>
-            <a:ext cx="8229240" cy="1142640"/>
-          </a:xfrm>
-          <a:prstGeom prst="rect">
-            <a:avLst/>
-          </a:prstGeom>
-        </p:spPr>
-        <p:txBody>
-          <a:bodyPr anchor="ctr"/>
+            <a:ext cx="8227080" cy="1140480"/>
+          </a:xfrm>
+          <a:prstGeom prst="rect">
+            <a:avLst/>
+          </a:prstGeom>
+          <a:noFill/>
+          <a:ln>
+            <a:noFill/>
+          </a:ln>
+        </p:spPr>
+        <p:txBody>
+          <a:bodyPr lIns="90000" rIns="90000" tIns="45000" bIns="45000" anchor="ctr"/>
           <a:p>
             <a:pPr algn="ctr">
               <a:lnSpc>
@@ -5204,93 +3565,101 @@
               </a:lnSpc>
             </a:pPr>
             <a:r>
-              <a:rPr lang="es-ES" sz="2800">
+              <a:rPr lang="en-US" sz="2800">
                 <a:solidFill>
                   <a:srgbClr val="000000"/>
                 </a:solidFill>
                 <a:latin typeface="Calibri"/>
               </a:rPr>
-              <a:t>Histórico</a:t>
-            </a:r>
-            <a:endParaRPr/>
-          </a:p>
-        </p:txBody>
-      </p:sp>
-      <p:sp>
-        <p:nvSpPr>
-          <p:cNvPr id="163" name="TextShape 2"/>
-          <p:cNvSpPr txBox="1"/>
+              <a:t>Definición del modelo </a:t>
+            </a:r>
+            <a:endParaRPr/>
+          </a:p>
+        </p:txBody>
+      </p:sp>
+      <p:sp>
+        <p:nvSpPr>
+          <p:cNvPr id="121" name="CustomShape 2"/>
+          <p:cNvSpPr/>
           <p:nvPr/>
         </p:nvSpPr>
         <p:spPr>
           <a:xfrm>
             <a:off x="6553080" y="6356520"/>
-            <a:ext cx="2133360" cy="364680"/>
-          </a:xfrm>
-          <a:prstGeom prst="rect">
-            <a:avLst/>
-          </a:prstGeom>
-        </p:spPr>
-        <p:txBody>
-          <a:bodyPr anchor="ctr"/>
-          <a:p>
-            <a:pPr algn="r">
-              <a:lnSpc>
-                <a:spcPct val="100000"/>
-              </a:lnSpc>
-            </a:pPr>
-            <a:fld id="{EE88CBB8-7D33-469E-A98D-C6294990F680}" type="slidenum">
+            <a:ext cx="2131200" cy="362520"/>
+          </a:xfrm>
+          <a:prstGeom prst="rect">
+            <a:avLst/>
+          </a:prstGeom>
+          <a:noFill/>
+          <a:ln>
+            <a:noFill/>
+          </a:ln>
+        </p:spPr>
+      </p:sp>
+      <p:sp>
+        <p:nvSpPr>
+          <p:cNvPr id="122" name="CustomShape 3"/>
+          <p:cNvSpPr/>
+          <p:nvPr/>
+        </p:nvSpPr>
+        <p:spPr>
+          <a:xfrm>
+            <a:off x="580320" y="6357960"/>
+            <a:ext cx="6276960" cy="316440"/>
+          </a:xfrm>
+          <a:prstGeom prst="rect">
+            <a:avLst/>
+          </a:prstGeom>
+          <a:noFill/>
+          <a:ln>
+            <a:noFill/>
+          </a:ln>
+        </p:spPr>
+        <p:txBody>
+          <a:bodyPr lIns="90000" rIns="90000" tIns="45000" bIns="45000" anchor="ctr"/>
+          <a:p>
+            <a:pPr>
+              <a:lnSpc>
+                <a:spcPct val="100000"/>
+              </a:lnSpc>
+            </a:pPr>
+            <a:r>
               <a:rPr lang="en-US" sz="1200">
                 <a:solidFill>
                   <a:srgbClr val="8b8b8b"/>
                 </a:solidFill>
                 <a:latin typeface="Calibri"/>
               </a:rPr>
-              <a:t>&lt;number&gt;</a:t>
-            </a:fld>
-            <a:endParaRPr/>
-          </a:p>
-        </p:txBody>
-      </p:sp>
-      <p:sp>
-        <p:nvSpPr>
-          <p:cNvPr id="164" name="TextShape 3"/>
-          <p:cNvSpPr txBox="1"/>
-          <p:nvPr/>
-        </p:nvSpPr>
-        <p:spPr>
-          <a:xfrm>
-            <a:off x="548640" y="6357960"/>
-            <a:ext cx="6279120" cy="318600"/>
-          </a:xfrm>
-          <a:prstGeom prst="rect">
-            <a:avLst/>
-          </a:prstGeom>
-        </p:spPr>
-        <p:txBody>
-          <a:bodyPr anchor="ctr"/>
-          <a:p>
-            <a:pPr>
-              <a:lnSpc>
-                <a:spcPct val="100000"/>
-              </a:lnSpc>
-            </a:pPr>
-            <a:r>
-              <a:rPr lang="en-US" sz="1200">
-                <a:solidFill>
-                  <a:srgbClr val="8b8b8b"/>
-                </a:solidFill>
-                <a:latin typeface="Calibri"/>
-              </a:rPr>
               <a:t>Medición de calidad de código en proyectos Open Source en base a métricas</a:t>
             </a:r>
             <a:endParaRPr/>
           </a:p>
         </p:txBody>
+      </p:sp>
+      <p:sp>
+        <p:nvSpPr>
+          <p:cNvPr id="123" name="CustomShape 4"/>
+          <p:cNvSpPr/>
+          <p:nvPr/>
+        </p:nvSpPr>
+        <p:spPr>
+          <a:xfrm>
+            <a:off x="457560" y="1137960"/>
+            <a:ext cx="7497000" cy="5079240"/>
+          </a:xfrm>
+          <a:prstGeom prst="rect">
+            <a:avLst/>
+          </a:prstGeom>
+          <a:noFill/>
+          <a:ln>
+            <a:noFill/>
+          </a:ln>
+        </p:spPr>
       </p:sp>
       <p:pic>
         <p:nvPicPr>
-          <p:cNvPr id="165" name="" descr=""/>
+          <p:cNvPr id="124" name="" descr=""/>
           <p:cNvPicPr/>
           <p:nvPr/>
         </p:nvPicPr>
@@ -5302,8 +3671,8 @@
         </p:blipFill>
         <p:spPr>
           <a:xfrm>
-            <a:off x="548640" y="1188720"/>
-            <a:ext cx="6858000" cy="4937760"/>
+            <a:off x="548640" y="1708920"/>
+            <a:ext cx="8127720" cy="4417560"/>
           </a:xfrm>
           <a:prstGeom prst="rect">
             <a:avLst/>
@@ -5364,134 +3733,129 @@
       </p:grpSpPr>
       <p:sp>
         <p:nvSpPr>
-          <p:cNvPr id="166" name="TextShape 1"/>
-          <p:cNvSpPr txBox="1"/>
+          <p:cNvPr id="125" name="CustomShape 1"/>
+          <p:cNvSpPr/>
           <p:nvPr/>
         </p:nvSpPr>
         <p:spPr>
           <a:xfrm>
             <a:off x="457200" y="274680"/>
-            <a:ext cx="8229240" cy="1142640"/>
-          </a:xfrm>
-          <a:prstGeom prst="rect">
-            <a:avLst/>
-          </a:prstGeom>
-        </p:spPr>
-        <p:txBody>
-          <a:bodyPr anchor="ctr"/>
-          <a:p>
-            <a:pPr>
-              <a:lnSpc>
-                <a:spcPct val="100000"/>
-              </a:lnSpc>
-            </a:pPr>
-            <a:r>
-              <a:rPr lang="es-ES" sz="4400">
+            <a:ext cx="8227080" cy="1140480"/>
+          </a:xfrm>
+          <a:prstGeom prst="rect">
+            <a:avLst/>
+          </a:prstGeom>
+          <a:noFill/>
+          <a:ln>
+            <a:noFill/>
+          </a:ln>
+        </p:spPr>
+        <p:txBody>
+          <a:bodyPr lIns="90000" rIns="90000" tIns="45000" bIns="45000" anchor="ctr"/>
+          <a:p>
+            <a:pPr algn="ctr">
+              <a:lnSpc>
+                <a:spcPct val="100000"/>
+              </a:lnSpc>
+            </a:pPr>
+            <a:r>
+              <a:rPr lang="en-US" sz="2800">
                 <a:solidFill>
                   <a:srgbClr val="000000"/>
                 </a:solidFill>
                 <a:latin typeface="Calibri"/>
               </a:rPr>
-              <a:t>Conclusiones y Trabajo Futuro</a:t>
-            </a:r>
-            <a:endParaRPr/>
-          </a:p>
-        </p:txBody>
-      </p:sp>
-      <p:sp>
-        <p:nvSpPr>
-          <p:cNvPr id="167" name="TextShape 2"/>
-          <p:cNvSpPr txBox="1"/>
-          <p:nvPr/>
-        </p:nvSpPr>
-        <p:spPr>
-          <a:xfrm>
-            <a:off x="457200" y="1600200"/>
-            <a:ext cx="8229240" cy="4525560"/>
-          </a:xfrm>
-          <a:prstGeom prst="rect">
-            <a:avLst/>
-          </a:prstGeom>
-        </p:spPr>
-        <p:txBody>
-          <a:bodyPr/>
-          <a:p>
-            <a:endParaRPr/>
-          </a:p>
-        </p:txBody>
-      </p:sp>
-      <p:sp>
-        <p:nvSpPr>
-          <p:cNvPr id="168" name="TextShape 3"/>
-          <p:cNvSpPr txBox="1"/>
+              <a:t>Evaluación proyectos NoSQL</a:t>
+            </a:r>
+            <a:endParaRPr/>
+          </a:p>
+        </p:txBody>
+      </p:sp>
+      <p:sp>
+        <p:nvSpPr>
+          <p:cNvPr id="126" name="CustomShape 2"/>
+          <p:cNvSpPr/>
           <p:nvPr/>
         </p:nvSpPr>
         <p:spPr>
           <a:xfrm>
             <a:off x="6553080" y="6356520"/>
-            <a:ext cx="2133360" cy="364680"/>
-          </a:xfrm>
-          <a:prstGeom prst="rect">
-            <a:avLst/>
-          </a:prstGeom>
-        </p:spPr>
-        <p:txBody>
-          <a:bodyPr anchor="ctr"/>
-          <a:p>
-            <a:pPr algn="r">
-              <a:lnSpc>
-                <a:spcPct val="100000"/>
-              </a:lnSpc>
-            </a:pPr>
-            <a:fld id="{79398F7D-85B0-4F79-BE8A-237621E3A464}" type="slidenum">
+            <a:ext cx="2131200" cy="362520"/>
+          </a:xfrm>
+          <a:prstGeom prst="rect">
+            <a:avLst/>
+          </a:prstGeom>
+          <a:noFill/>
+          <a:ln>
+            <a:noFill/>
+          </a:ln>
+        </p:spPr>
+      </p:sp>
+      <p:sp>
+        <p:nvSpPr>
+          <p:cNvPr id="127" name="CustomShape 3"/>
+          <p:cNvSpPr/>
+          <p:nvPr/>
+        </p:nvSpPr>
+        <p:spPr>
+          <a:xfrm>
+            <a:off x="548640" y="6357960"/>
+            <a:ext cx="6276960" cy="316440"/>
+          </a:xfrm>
+          <a:prstGeom prst="rect">
+            <a:avLst/>
+          </a:prstGeom>
+          <a:noFill/>
+          <a:ln>
+            <a:noFill/>
+          </a:ln>
+        </p:spPr>
+        <p:txBody>
+          <a:bodyPr lIns="90000" rIns="90000" tIns="45000" bIns="45000" anchor="ctr"/>
+          <a:p>
+            <a:pPr>
+              <a:lnSpc>
+                <a:spcPct val="100000"/>
+              </a:lnSpc>
+            </a:pPr>
+            <a:r>
               <a:rPr lang="en-US" sz="1200">
                 <a:solidFill>
                   <a:srgbClr val="8b8b8b"/>
                 </a:solidFill>
                 <a:latin typeface="Calibri"/>
               </a:rPr>
-              <a:t>&lt;number&gt;</a:t>
-            </a:fld>
-            <a:endParaRPr/>
-          </a:p>
-        </p:txBody>
-      </p:sp>
-      <p:sp>
-        <p:nvSpPr>
-          <p:cNvPr id="169" name="TextShape 4"/>
-          <p:cNvSpPr txBox="1"/>
-          <p:nvPr/>
-        </p:nvSpPr>
-        <p:spPr>
-          <a:xfrm>
-            <a:off x="548640" y="6358320"/>
-            <a:ext cx="6279120" cy="318600"/>
-          </a:xfrm>
-          <a:prstGeom prst="rect">
-            <a:avLst/>
-          </a:prstGeom>
-        </p:spPr>
-        <p:txBody>
-          <a:bodyPr anchor="ctr"/>
-          <a:p>
-            <a:pPr>
-              <a:lnSpc>
-                <a:spcPct val="100000"/>
-              </a:lnSpc>
-            </a:pPr>
-            <a:r>
-              <a:rPr lang="en-US" sz="1200">
-                <a:solidFill>
-                  <a:srgbClr val="8b8b8b"/>
-                </a:solidFill>
-                <a:latin typeface="Calibri"/>
-              </a:rPr>
               <a:t>Medición de calidad de código en proyectos Open Source en base a métricas</a:t>
             </a:r>
             <a:endParaRPr/>
           </a:p>
         </p:txBody>
       </p:sp>
+      <p:pic>
+        <p:nvPicPr>
+          <p:cNvPr id="128" name="" descr=""/>
+          <p:cNvPicPr/>
+          <p:nvPr/>
+        </p:nvPicPr>
+        <p:blipFill>
+          <a:blip r:embed="rId1"/>
+          <a:stretch>
+            <a:fillRect/>
+          </a:stretch>
+        </p:blipFill>
+        <p:spPr>
+          <a:xfrm>
+            <a:off x="365760" y="1188720"/>
+            <a:ext cx="7404840" cy="5027400"/>
+          </a:xfrm>
+          <a:prstGeom prst="rect">
+            <a:avLst/>
+          </a:prstGeom>
+          <a:ln>
+            <a:noFill/>
+          </a:ln>
+        </p:spPr>
+      </p:pic>
     </p:spTree>
   </p:cSld>
   <p:timing>
@@ -5543,21 +3907,25 @@
       </p:grpSpPr>
       <p:sp>
         <p:nvSpPr>
-          <p:cNvPr id="170" name="TextShape 1"/>
-          <p:cNvSpPr txBox="1"/>
+          <p:cNvPr id="129" name="CustomShape 1"/>
+          <p:cNvSpPr/>
           <p:nvPr/>
         </p:nvSpPr>
         <p:spPr>
           <a:xfrm>
             <a:off x="457200" y="274680"/>
-            <a:ext cx="8229240" cy="1142640"/>
-          </a:xfrm>
-          <a:prstGeom prst="rect">
-            <a:avLst/>
-          </a:prstGeom>
-        </p:spPr>
-        <p:txBody>
-          <a:bodyPr anchor="ctr"/>
+            <a:ext cx="8227080" cy="1140480"/>
+          </a:xfrm>
+          <a:prstGeom prst="rect">
+            <a:avLst/>
+          </a:prstGeom>
+          <a:noFill/>
+          <a:ln>
+            <a:noFill/>
+          </a:ln>
+        </p:spPr>
+        <p:txBody>
+          <a:bodyPr lIns="90000" rIns="90000" tIns="45000" bIns="45000" anchor="ctr"/>
           <a:p>
             <a:pPr algn="ctr">
               <a:lnSpc>
@@ -5565,112 +3933,103 @@
               </a:lnSpc>
             </a:pPr>
             <a:r>
-              <a:rPr lang="es-ES" sz="4400">
+              <a:rPr lang="en-US" sz="2800">
                 <a:solidFill>
                   <a:srgbClr val="000000"/>
                 </a:solidFill>
                 <a:latin typeface="Calibri"/>
               </a:rPr>
-              <a:t>Bibliografía</a:t>
-            </a:r>
-            <a:endParaRPr/>
-          </a:p>
-        </p:txBody>
-      </p:sp>
-      <p:sp>
-        <p:nvSpPr>
-          <p:cNvPr id="171" name="TextShape 2"/>
-          <p:cNvSpPr txBox="1"/>
-          <p:nvPr/>
-        </p:nvSpPr>
-        <p:spPr>
-          <a:xfrm>
-            <a:off x="457200" y="1600200"/>
-            <a:ext cx="8229240" cy="4525560"/>
-          </a:xfrm>
-          <a:prstGeom prst="rect">
-            <a:avLst/>
-          </a:prstGeom>
-        </p:spPr>
-        <p:txBody>
-          <a:bodyPr/>
-          <a:p>
-            <a:endParaRPr/>
-          </a:p>
-        </p:txBody>
-      </p:sp>
-      <p:sp>
-        <p:nvSpPr>
-          <p:cNvPr id="172" name="TextShape 3"/>
-          <p:cNvSpPr txBox="1"/>
+              <a:t>Histórico</a:t>
+            </a:r>
+            <a:endParaRPr/>
+          </a:p>
+        </p:txBody>
+      </p:sp>
+      <p:sp>
+        <p:nvSpPr>
+          <p:cNvPr id="130" name="CustomShape 2"/>
+          <p:cNvSpPr/>
           <p:nvPr/>
         </p:nvSpPr>
         <p:spPr>
           <a:xfrm>
             <a:off x="6553080" y="6356520"/>
-            <a:ext cx="2133360" cy="364680"/>
-          </a:xfrm>
-          <a:prstGeom prst="rect">
-            <a:avLst/>
-          </a:prstGeom>
-        </p:spPr>
-        <p:txBody>
-          <a:bodyPr anchor="ctr"/>
-          <a:p>
-            <a:pPr algn="r">
-              <a:lnSpc>
-                <a:spcPct val="100000"/>
-              </a:lnSpc>
-            </a:pPr>
-            <a:fld id="{EDF59528-F84E-4E28-A9F4-EDEE44D6608F}" type="slidenum">
+            <a:ext cx="2131200" cy="362520"/>
+          </a:xfrm>
+          <a:prstGeom prst="rect">
+            <a:avLst/>
+          </a:prstGeom>
+          <a:noFill/>
+          <a:ln>
+            <a:noFill/>
+          </a:ln>
+        </p:spPr>
+      </p:sp>
+      <p:sp>
+        <p:nvSpPr>
+          <p:cNvPr id="131" name="CustomShape 3"/>
+          <p:cNvSpPr/>
+          <p:nvPr/>
+        </p:nvSpPr>
+        <p:spPr>
+          <a:xfrm>
+            <a:off x="548640" y="6357960"/>
+            <a:ext cx="6276960" cy="316440"/>
+          </a:xfrm>
+          <a:prstGeom prst="rect">
+            <a:avLst/>
+          </a:prstGeom>
+          <a:noFill/>
+          <a:ln>
+            <a:noFill/>
+          </a:ln>
+        </p:spPr>
+        <p:txBody>
+          <a:bodyPr lIns="90000" rIns="90000" tIns="45000" bIns="45000" anchor="ctr"/>
+          <a:p>
+            <a:pPr>
+              <a:lnSpc>
+                <a:spcPct val="100000"/>
+              </a:lnSpc>
+            </a:pPr>
+            <a:r>
               <a:rPr lang="en-US" sz="1200">
                 <a:solidFill>
                   <a:srgbClr val="8b8b8b"/>
                 </a:solidFill>
                 <a:latin typeface="Calibri"/>
               </a:rPr>
-              <a:t>&lt;number&gt;</a:t>
-            </a:fld>
-            <a:endParaRPr/>
-          </a:p>
-        </p:txBody>
-      </p:sp>
-      <p:sp>
-        <p:nvSpPr>
-          <p:cNvPr id="173" name="TextShape 4"/>
-          <p:cNvSpPr txBox="1"/>
-          <p:nvPr/>
-        </p:nvSpPr>
-        <p:spPr>
-          <a:xfrm>
-            <a:off x="548640" y="6358320"/>
-            <a:ext cx="6279120" cy="318600"/>
-          </a:xfrm>
-          <a:prstGeom prst="rect">
-            <a:avLst/>
-          </a:prstGeom>
-        </p:spPr>
-        <p:txBody>
-          <a:bodyPr anchor="ctr"/>
-          <a:p>
-            <a:pPr>
-              <a:lnSpc>
-                <a:spcPct val="100000"/>
-              </a:lnSpc>
-            </a:pPr>
-            <a:r>
-              <a:rPr lang="en-US" sz="1200">
-                <a:solidFill>
-                  <a:srgbClr val="8b8b8b"/>
-                </a:solidFill>
-                <a:latin typeface="Calibri"/>
-              </a:rPr>
               <a:t>Medición de calidad de código en proyectos Open Source en base a métricas</a:t>
             </a:r>
             <a:endParaRPr/>
           </a:p>
         </p:txBody>
       </p:sp>
+      <p:pic>
+        <p:nvPicPr>
+          <p:cNvPr id="132" name="" descr=""/>
+          <p:cNvPicPr/>
+          <p:nvPr/>
+        </p:nvPicPr>
+        <p:blipFill>
+          <a:blip r:embed="rId1"/>
+          <a:stretch>
+            <a:fillRect/>
+          </a:stretch>
+        </p:blipFill>
+        <p:spPr>
+          <a:xfrm>
+            <a:off x="548640" y="1188720"/>
+            <a:ext cx="6855840" cy="4935600"/>
+          </a:xfrm>
+          <a:prstGeom prst="rect">
+            <a:avLst/>
+          </a:prstGeom>
+          <a:ln>
+            <a:noFill/>
+          </a:ln>
+        </p:spPr>
+      </p:pic>
     </p:spTree>
   </p:cSld>
   <p:timing>
@@ -5680,6 +4039,1068 @@
           <p:childTnLst>
             <p:seq>
               <p:cTn id="26" nodeType="mainSeq"/>
+              <p:prevCondLst>
+                <p:cond delay="0" evt="onPrev">
+                  <p:tgtEl>
+                    <p:sldTgt/>
+                  </p:tgtEl>
+                </p:cond>
+              </p:prevCondLst>
+              <p:nextCondLst>
+                <p:cond delay="0" evt="onNext">
+                  <p:tgtEl>
+                    <p:sldTgt/>
+                  </p:tgtEl>
+                </p:cond>
+              </p:nextCondLst>
+            </p:seq>
+          </p:childTnLst>
+        </p:cTn>
+      </p:par>
+    </p:tnLst>
+  </p:timing>
+</p:sld>
+</file>
+
+<file path=ppt/slides/slide14.xml><?xml version="1.0" encoding="utf-8"?>
+<p:sld xmlns:a="http://schemas.openxmlformats.org/drawingml/2006/main" xmlns:p="http://schemas.openxmlformats.org/presentationml/2006/main" xmlns:r="http://schemas.openxmlformats.org/officeDocument/2006/relationships">
+  <p:cSld>
+    <p:spTree>
+      <p:nvGrpSpPr>
+        <p:cNvPr id="1" name=""/>
+        <p:cNvGrpSpPr/>
+        <p:nvPr/>
+      </p:nvGrpSpPr>
+      <p:grpSpPr>
+        <a:xfrm>
+          <a:off x="0" y="0"/>
+          <a:ext cx="0" cy="0"/>
+          <a:chOff x="0" y="0"/>
+          <a:chExt cx="0" cy="0"/>
+        </a:xfrm>
+      </p:grpSpPr>
+      <p:sp>
+        <p:nvSpPr>
+          <p:cNvPr id="133" name="CustomShape 1"/>
+          <p:cNvSpPr/>
+          <p:nvPr/>
+        </p:nvSpPr>
+        <p:spPr>
+          <a:xfrm>
+            <a:off x="457200" y="274680"/>
+            <a:ext cx="8227080" cy="1140480"/>
+          </a:xfrm>
+          <a:prstGeom prst="rect">
+            <a:avLst/>
+          </a:prstGeom>
+          <a:noFill/>
+          <a:ln>
+            <a:noFill/>
+          </a:ln>
+        </p:spPr>
+        <p:txBody>
+          <a:bodyPr lIns="90000" rIns="90000" tIns="45000" bIns="45000" anchor="ctr"/>
+          <a:p>
+            <a:pPr algn="ctr">
+              <a:lnSpc>
+                <a:spcPct val="100000"/>
+              </a:lnSpc>
+            </a:pPr>
+            <a:r>
+              <a:rPr lang="en-US" sz="2800">
+                <a:solidFill>
+                  <a:srgbClr val="000000"/>
+                </a:solidFill>
+                <a:latin typeface="Calibri"/>
+              </a:rPr>
+              <a:t>Conclusiones</a:t>
+            </a:r>
+            <a:endParaRPr/>
+          </a:p>
+        </p:txBody>
+      </p:sp>
+      <p:sp>
+        <p:nvSpPr>
+          <p:cNvPr id="134" name="CustomShape 2"/>
+          <p:cNvSpPr/>
+          <p:nvPr/>
+        </p:nvSpPr>
+        <p:spPr>
+          <a:xfrm>
+            <a:off x="457200" y="1600200"/>
+            <a:ext cx="8227080" cy="4523400"/>
+          </a:xfrm>
+          <a:prstGeom prst="rect">
+            <a:avLst/>
+          </a:prstGeom>
+          <a:noFill/>
+          <a:ln>
+            <a:noFill/>
+          </a:ln>
+        </p:spPr>
+        <p:txBody>
+          <a:bodyPr lIns="90000" rIns="90000" tIns="45000" bIns="45000"/>
+          <a:p>
+            <a:pPr>
+              <a:lnSpc>
+                <a:spcPct val="100000"/>
+              </a:lnSpc>
+              <a:buFont typeface="Arial"/>
+              <a:buChar char="•"/>
+            </a:pPr>
+            <a:r>
+              <a:rPr lang="en-US" sz="3200">
+                <a:solidFill>
+                  <a:srgbClr val="000000"/>
+                </a:solidFill>
+                <a:latin typeface="Calibri"/>
+              </a:rPr>
+              <a:t>Calidad del código fuente</a:t>
+            </a:r>
+            <a:endParaRPr/>
+          </a:p>
+          <a:p>
+            <a:pPr lvl="1">
+              <a:lnSpc>
+                <a:spcPct val="100000"/>
+              </a:lnSpc>
+              <a:buFont typeface="Arial"/>
+              <a:buChar char="–"/>
+            </a:pPr>
+            <a:r>
+              <a:rPr lang="en-US" sz="2400">
+                <a:solidFill>
+                  <a:srgbClr val="000000"/>
+                </a:solidFill>
+                <a:latin typeface="Calibri"/>
+              </a:rPr>
+              <a:t>De extrema importancia</a:t>
+            </a:r>
+            <a:endParaRPr/>
+          </a:p>
+          <a:p>
+            <a:pPr lvl="1">
+              <a:lnSpc>
+                <a:spcPct val="100000"/>
+              </a:lnSpc>
+              <a:buFont typeface="Arial"/>
+              <a:buChar char="–"/>
+            </a:pPr>
+            <a:r>
+              <a:rPr lang="en-US" sz="2400">
+                <a:solidFill>
+                  <a:srgbClr val="000000"/>
+                </a:solidFill>
+                <a:latin typeface="Calibri"/>
+              </a:rPr>
+              <a:t>Medible</a:t>
+            </a:r>
+            <a:endParaRPr/>
+          </a:p>
+          <a:p>
+            <a:pPr lvl="1">
+              <a:lnSpc>
+                <a:spcPct val="100000"/>
+              </a:lnSpc>
+              <a:buFont typeface="Arial"/>
+              <a:buChar char="–"/>
+            </a:pPr>
+            <a:r>
+              <a:rPr lang="en-US" sz="2400">
+                <a:solidFill>
+                  <a:srgbClr val="000000"/>
+                </a:solidFill>
+                <a:latin typeface="Calibri"/>
+              </a:rPr>
+              <a:t>Subjetiva, pero sigue ciertos parámetros</a:t>
+            </a:r>
+            <a:endParaRPr/>
+          </a:p>
+          <a:p>
+            <a:pPr lvl="1">
+              <a:lnSpc>
+                <a:spcPct val="100000"/>
+              </a:lnSpc>
+              <a:buFont typeface="Arial"/>
+              <a:buChar char="–"/>
+            </a:pPr>
+            <a:r>
+              <a:rPr lang="en-US" sz="2400">
+                <a:solidFill>
+                  <a:srgbClr val="000000"/>
+                </a:solidFill>
+                <a:latin typeface="Calibri"/>
+              </a:rPr>
+              <a:t>Modelos de calidad: categorizados</a:t>
+            </a:r>
+            <a:endParaRPr/>
+          </a:p>
+          <a:p>
+            <a:pPr>
+              <a:lnSpc>
+                <a:spcPct val="100000"/>
+              </a:lnSpc>
+              <a:buFont typeface="Arial"/>
+              <a:buChar char="•"/>
+            </a:pPr>
+            <a:r>
+              <a:rPr lang="en-US" sz="3200">
+                <a:solidFill>
+                  <a:srgbClr val="000000"/>
+                </a:solidFill>
+                <a:latin typeface="Calibri"/>
+              </a:rPr>
+              <a:t>Open Source</a:t>
+            </a:r>
+            <a:endParaRPr/>
+          </a:p>
+          <a:p>
+            <a:pPr lvl="1">
+              <a:lnSpc>
+                <a:spcPct val="100000"/>
+              </a:lnSpc>
+              <a:buFont typeface="Arial"/>
+              <a:buChar char="–"/>
+            </a:pPr>
+            <a:r>
+              <a:rPr lang="en-US" sz="2400">
+                <a:solidFill>
+                  <a:srgbClr val="000000"/>
+                </a:solidFill>
+                <a:latin typeface="Calibri"/>
+              </a:rPr>
+              <a:t>Código expuesto</a:t>
+            </a:r>
+            <a:endParaRPr/>
+          </a:p>
+          <a:p>
+            <a:pPr lvl="1">
+              <a:lnSpc>
+                <a:spcPct val="100000"/>
+              </a:lnSpc>
+              <a:buFont typeface="Arial"/>
+              <a:buChar char="–"/>
+            </a:pPr>
+            <a:r>
+              <a:rPr lang="en-US" sz="2400">
+                <a:solidFill>
+                  <a:srgbClr val="000000"/>
+                </a:solidFill>
+                <a:latin typeface="Calibri"/>
+              </a:rPr>
+              <a:t>Modelos de calidad aprovechables (OpenBRR)</a:t>
+            </a:r>
+            <a:endParaRPr/>
+          </a:p>
+          <a:p>
+            <a:pPr>
+              <a:lnSpc>
+                <a:spcPct val="100000"/>
+              </a:lnSpc>
+              <a:buFont typeface="Arial"/>
+              <a:buChar char="•"/>
+            </a:pPr>
+            <a:r>
+              <a:rPr lang="en-US" sz="3200">
+                <a:solidFill>
+                  <a:srgbClr val="000000"/>
+                </a:solidFill>
+                <a:latin typeface="Calibri"/>
+              </a:rPr>
+              <a:t>Herramientas extracción métricas</a:t>
+            </a:r>
+            <a:endParaRPr/>
+          </a:p>
+          <a:p>
+            <a:pPr lvl="1">
+              <a:lnSpc>
+                <a:spcPct val="100000"/>
+              </a:lnSpc>
+              <a:buFont typeface="Arial"/>
+              <a:buChar char="–"/>
+            </a:pPr>
+            <a:r>
+              <a:rPr lang="en-US" sz="2400">
+                <a:solidFill>
+                  <a:srgbClr val="000000"/>
+                </a:solidFill>
+                <a:latin typeface="Calibri"/>
+              </a:rPr>
+              <a:t> </a:t>
+            </a:r>
+            <a:r>
+              <a:rPr lang="en-US" sz="2400">
+                <a:solidFill>
+                  <a:srgbClr val="000000"/>
+                </a:solidFill>
+                <a:latin typeface="Calibri"/>
+              </a:rPr>
+              <a:t>Mejorables (sobre todo herramientas Open Source evaluadas)</a:t>
+            </a:r>
+            <a:endParaRPr/>
+          </a:p>
+          <a:p>
+            <a:pPr>
+              <a:lnSpc>
+                <a:spcPct val="100000"/>
+              </a:lnSpc>
+              <a:buFont typeface="Arial"/>
+              <a:buChar char="•"/>
+            </a:pPr>
+            <a:endParaRPr/>
+          </a:p>
+        </p:txBody>
+      </p:sp>
+      <p:sp>
+        <p:nvSpPr>
+          <p:cNvPr id="135" name="CustomShape 3"/>
+          <p:cNvSpPr/>
+          <p:nvPr/>
+        </p:nvSpPr>
+        <p:spPr>
+          <a:xfrm>
+            <a:off x="6553080" y="6356520"/>
+            <a:ext cx="2131200" cy="362520"/>
+          </a:xfrm>
+          <a:prstGeom prst="rect">
+            <a:avLst/>
+          </a:prstGeom>
+          <a:noFill/>
+          <a:ln>
+            <a:noFill/>
+          </a:ln>
+        </p:spPr>
+      </p:sp>
+      <p:sp>
+        <p:nvSpPr>
+          <p:cNvPr id="136" name="CustomShape 4"/>
+          <p:cNvSpPr/>
+          <p:nvPr/>
+        </p:nvSpPr>
+        <p:spPr>
+          <a:xfrm>
+            <a:off x="548640" y="6356880"/>
+            <a:ext cx="6276960" cy="316440"/>
+          </a:xfrm>
+          <a:prstGeom prst="rect">
+            <a:avLst/>
+          </a:prstGeom>
+          <a:noFill/>
+          <a:ln>
+            <a:noFill/>
+          </a:ln>
+        </p:spPr>
+        <p:txBody>
+          <a:bodyPr lIns="90000" rIns="90000" tIns="45000" bIns="45000" anchor="ctr"/>
+          <a:p>
+            <a:pPr>
+              <a:lnSpc>
+                <a:spcPct val="100000"/>
+              </a:lnSpc>
+            </a:pPr>
+            <a:r>
+              <a:rPr lang="en-US" sz="1200">
+                <a:solidFill>
+                  <a:srgbClr val="8b8b8b"/>
+                </a:solidFill>
+                <a:latin typeface="Calibri"/>
+              </a:rPr>
+              <a:t>Medición de calidad de código en proyectos Open Source en base a métricas</a:t>
+            </a:r>
+            <a:endParaRPr/>
+          </a:p>
+        </p:txBody>
+      </p:sp>
+    </p:spTree>
+  </p:cSld>
+  <p:timing>
+    <p:tnLst>
+      <p:par>
+        <p:cTn id="27" dur="indefinite" restart="never" nodeType="tmRoot">
+          <p:childTnLst>
+            <p:seq>
+              <p:cTn id="28" nodeType="mainSeq"/>
+              <p:prevCondLst>
+                <p:cond delay="0" evt="onPrev">
+                  <p:tgtEl>
+                    <p:sldTgt/>
+                  </p:tgtEl>
+                </p:cond>
+              </p:prevCondLst>
+              <p:nextCondLst>
+                <p:cond delay="0" evt="onNext">
+                  <p:tgtEl>
+                    <p:sldTgt/>
+                  </p:tgtEl>
+                </p:cond>
+              </p:nextCondLst>
+            </p:seq>
+          </p:childTnLst>
+        </p:cTn>
+      </p:par>
+    </p:tnLst>
+  </p:timing>
+</p:sld>
+</file>
+
+<file path=ppt/slides/slide15.xml><?xml version="1.0" encoding="utf-8"?>
+<p:sld xmlns:a="http://schemas.openxmlformats.org/drawingml/2006/main" xmlns:p="http://schemas.openxmlformats.org/presentationml/2006/main" xmlns:r="http://schemas.openxmlformats.org/officeDocument/2006/relationships">
+  <p:cSld>
+    <p:spTree>
+      <p:nvGrpSpPr>
+        <p:cNvPr id="1" name=""/>
+        <p:cNvGrpSpPr/>
+        <p:nvPr/>
+      </p:nvGrpSpPr>
+      <p:grpSpPr>
+        <a:xfrm>
+          <a:off x="0" y="0"/>
+          <a:ext cx="0" cy="0"/>
+          <a:chOff x="0" y="0"/>
+          <a:chExt cx="0" cy="0"/>
+        </a:xfrm>
+      </p:grpSpPr>
+      <p:sp>
+        <p:nvSpPr>
+          <p:cNvPr id="137" name="CustomShape 1"/>
+          <p:cNvSpPr/>
+          <p:nvPr/>
+        </p:nvSpPr>
+        <p:spPr>
+          <a:xfrm>
+            <a:off x="457200" y="274680"/>
+            <a:ext cx="8227080" cy="1140480"/>
+          </a:xfrm>
+          <a:prstGeom prst="rect">
+            <a:avLst/>
+          </a:prstGeom>
+          <a:noFill/>
+          <a:ln>
+            <a:noFill/>
+          </a:ln>
+        </p:spPr>
+        <p:txBody>
+          <a:bodyPr lIns="90000" rIns="90000" tIns="45000" bIns="45000" anchor="ctr"/>
+          <a:p>
+            <a:pPr algn="ctr">
+              <a:lnSpc>
+                <a:spcPct val="100000"/>
+              </a:lnSpc>
+            </a:pPr>
+            <a:r>
+              <a:rPr lang="en-US" sz="2800">
+                <a:solidFill>
+                  <a:srgbClr val="000000"/>
+                </a:solidFill>
+                <a:latin typeface="Calibri"/>
+              </a:rPr>
+              <a:t> </a:t>
+            </a:r>
+            <a:r>
+              <a:rPr lang="en-US" sz="2800">
+                <a:solidFill>
+                  <a:srgbClr val="000000"/>
+                </a:solidFill>
+                <a:latin typeface="Calibri"/>
+              </a:rPr>
+              <a:t>Trabajo Futuro</a:t>
+            </a:r>
+            <a:endParaRPr/>
+          </a:p>
+        </p:txBody>
+      </p:sp>
+      <p:sp>
+        <p:nvSpPr>
+          <p:cNvPr id="138" name="CustomShape 2"/>
+          <p:cNvSpPr/>
+          <p:nvPr/>
+        </p:nvSpPr>
+        <p:spPr>
+          <a:xfrm>
+            <a:off x="457200" y="1600200"/>
+            <a:ext cx="8227080" cy="4523400"/>
+          </a:xfrm>
+          <a:prstGeom prst="rect">
+            <a:avLst/>
+          </a:prstGeom>
+          <a:noFill/>
+          <a:ln>
+            <a:noFill/>
+          </a:ln>
+        </p:spPr>
+      </p:sp>
+      <p:sp>
+        <p:nvSpPr>
+          <p:cNvPr id="139" name="CustomShape 3"/>
+          <p:cNvSpPr/>
+          <p:nvPr/>
+        </p:nvSpPr>
+        <p:spPr>
+          <a:xfrm>
+            <a:off x="6553080" y="6356520"/>
+            <a:ext cx="2131200" cy="362520"/>
+          </a:xfrm>
+          <a:prstGeom prst="rect">
+            <a:avLst/>
+          </a:prstGeom>
+          <a:noFill/>
+          <a:ln>
+            <a:noFill/>
+          </a:ln>
+        </p:spPr>
+      </p:sp>
+      <p:sp>
+        <p:nvSpPr>
+          <p:cNvPr id="140" name="CustomShape 4"/>
+          <p:cNvSpPr/>
+          <p:nvPr/>
+        </p:nvSpPr>
+        <p:spPr>
+          <a:xfrm>
+            <a:off x="548640" y="6358320"/>
+            <a:ext cx="6276960" cy="316440"/>
+          </a:xfrm>
+          <a:prstGeom prst="rect">
+            <a:avLst/>
+          </a:prstGeom>
+          <a:noFill/>
+          <a:ln>
+            <a:noFill/>
+          </a:ln>
+        </p:spPr>
+        <p:txBody>
+          <a:bodyPr lIns="90000" rIns="90000" tIns="45000" bIns="45000" anchor="ctr"/>
+          <a:p>
+            <a:pPr>
+              <a:lnSpc>
+                <a:spcPct val="100000"/>
+              </a:lnSpc>
+            </a:pPr>
+            <a:r>
+              <a:rPr lang="en-US" sz="1200">
+                <a:solidFill>
+                  <a:srgbClr val="8b8b8b"/>
+                </a:solidFill>
+                <a:latin typeface="Calibri"/>
+              </a:rPr>
+              <a:t>Medición de calidad de código en proyectos Open Source en base a métricas</a:t>
+            </a:r>
+            <a:endParaRPr/>
+          </a:p>
+        </p:txBody>
+      </p:sp>
+      <p:sp>
+        <p:nvSpPr>
+          <p:cNvPr id="141" name="TextShape 5"/>
+          <p:cNvSpPr txBox="1"/>
+          <p:nvPr/>
+        </p:nvSpPr>
+        <p:spPr>
+          <a:xfrm>
+            <a:off x="274320" y="1973880"/>
+            <a:ext cx="8138160" cy="4240800"/>
+          </a:xfrm>
+          <a:prstGeom prst="rect">
+            <a:avLst/>
+          </a:prstGeom>
+        </p:spPr>
+        <p:txBody>
+          <a:bodyPr lIns="90000" rIns="90000" tIns="45000" bIns="45000"/>
+          <a:p>
+            <a:pPr>
+              <a:lnSpc>
+                <a:spcPct val="100000"/>
+              </a:lnSpc>
+            </a:pPr>
+            <a:r>
+              <a:rPr lang="en-US" sz="4000">
+                <a:latin typeface="Calibri"/>
+              </a:rPr>
+              <a:t>	</a:t>
+            </a:r>
+            <a:r>
+              <a:rPr lang="en-US" sz="4000">
+                <a:latin typeface="Calibri"/>
+              </a:rPr>
+              <a:t>→ </a:t>
+            </a:r>
+            <a:r>
+              <a:rPr lang="en-US" sz="4000">
+                <a:latin typeface="Calibri"/>
+              </a:rPr>
+              <a:t>Modificación, extensión y mejora de herramientas</a:t>
+            </a:r>
+            <a:r>
+              <a:rPr lang="en-US" sz="4000">
+                <a:latin typeface="Calibri"/>
+              </a:rPr>
+              <a:t>
+</a:t>
+            </a:r>
+            <a:endParaRPr/>
+          </a:p>
+          <a:p>
+            <a:pPr>
+              <a:lnSpc>
+                <a:spcPct val="100000"/>
+              </a:lnSpc>
+            </a:pPr>
+            <a:r>
+              <a:rPr lang="en-US" sz="4000">
+                <a:latin typeface="Calibri"/>
+              </a:rPr>
+              <a:t>	</a:t>
+            </a:r>
+            <a:r>
+              <a:rPr lang="en-US" sz="4000">
+                <a:latin typeface="Calibri"/>
+              </a:rPr>
+              <a:t>→ </a:t>
+            </a:r>
+            <a:r>
+              <a:rPr lang="en-US" sz="4000">
+                <a:latin typeface="Calibri"/>
+              </a:rPr>
+              <a:t>Extensión del modelo</a:t>
+            </a:r>
+            <a:endParaRPr/>
+          </a:p>
+          <a:p>
+            <a:pPr>
+              <a:lnSpc>
+                <a:spcPct val="100000"/>
+              </a:lnSpc>
+            </a:pPr>
+            <a:endParaRPr/>
+          </a:p>
+          <a:p>
+            <a:pPr>
+              <a:lnSpc>
+                <a:spcPct val="100000"/>
+              </a:lnSpc>
+            </a:pPr>
+            <a:r>
+              <a:rPr lang="en-US" sz="4000">
+                <a:latin typeface="Calibri"/>
+              </a:rPr>
+              <a:t>	</a:t>
+            </a:r>
+            <a:r>
+              <a:rPr lang="en-US" sz="4000">
+                <a:latin typeface="Calibri"/>
+              </a:rPr>
+              <a:t>→ </a:t>
+            </a:r>
+            <a:r>
+              <a:rPr lang="en-US" sz="4000">
+                <a:latin typeface="Calibri"/>
+              </a:rPr>
+              <a:t>Automatización</a:t>
+            </a:r>
+            <a:endParaRPr/>
+          </a:p>
+          <a:p>
+            <a:pPr>
+              <a:lnSpc>
+                <a:spcPct val="100000"/>
+              </a:lnSpc>
+            </a:pPr>
+            <a:endParaRPr/>
+          </a:p>
+        </p:txBody>
+      </p:sp>
+    </p:spTree>
+  </p:cSld>
+  <p:timing>
+    <p:tnLst>
+      <p:par>
+        <p:cTn id="29" dur="indefinite" restart="never" nodeType="tmRoot">
+          <p:childTnLst>
+            <p:seq>
+              <p:cTn id="30" nodeType="mainSeq"/>
+              <p:prevCondLst>
+                <p:cond delay="0" evt="onPrev">
+                  <p:tgtEl>
+                    <p:sldTgt/>
+                  </p:tgtEl>
+                </p:cond>
+              </p:prevCondLst>
+              <p:nextCondLst>
+                <p:cond delay="0" evt="onNext">
+                  <p:tgtEl>
+                    <p:sldTgt/>
+                  </p:tgtEl>
+                </p:cond>
+              </p:nextCondLst>
+            </p:seq>
+          </p:childTnLst>
+        </p:cTn>
+      </p:par>
+    </p:tnLst>
+  </p:timing>
+</p:sld>
+</file>
+
+<file path=ppt/slides/slide16.xml><?xml version="1.0" encoding="utf-8"?>
+<p:sld xmlns:a="http://schemas.openxmlformats.org/drawingml/2006/main" xmlns:p="http://schemas.openxmlformats.org/presentationml/2006/main" xmlns:r="http://schemas.openxmlformats.org/officeDocument/2006/relationships">
+  <p:cSld>
+    <p:spTree>
+      <p:nvGrpSpPr>
+        <p:cNvPr id="1" name=""/>
+        <p:cNvGrpSpPr/>
+        <p:nvPr/>
+      </p:nvGrpSpPr>
+      <p:grpSpPr>
+        <a:xfrm>
+          <a:off x="0" y="0"/>
+          <a:ext cx="0" cy="0"/>
+          <a:chOff x="0" y="0"/>
+          <a:chExt cx="0" cy="0"/>
+        </a:xfrm>
+      </p:grpSpPr>
+      <p:sp>
+        <p:nvSpPr>
+          <p:cNvPr id="142" name="CustomShape 1"/>
+          <p:cNvSpPr/>
+          <p:nvPr/>
+        </p:nvSpPr>
+        <p:spPr>
+          <a:xfrm>
+            <a:off x="457200" y="274680"/>
+            <a:ext cx="8227080" cy="1140480"/>
+          </a:xfrm>
+          <a:prstGeom prst="rect">
+            <a:avLst/>
+          </a:prstGeom>
+          <a:noFill/>
+          <a:ln>
+            <a:noFill/>
+          </a:ln>
+        </p:spPr>
+        <p:txBody>
+          <a:bodyPr lIns="90000" rIns="90000" tIns="45000" bIns="45000" anchor="ctr"/>
+          <a:p>
+            <a:pPr algn="ctr">
+              <a:lnSpc>
+                <a:spcPct val="100000"/>
+              </a:lnSpc>
+            </a:pPr>
+            <a:r>
+              <a:rPr lang="en-US" sz="4400">
+                <a:solidFill>
+                  <a:srgbClr val="000000"/>
+                </a:solidFill>
+                <a:latin typeface="Calibri"/>
+              </a:rPr>
+              <a:t>Bibliografía</a:t>
+            </a:r>
+            <a:endParaRPr/>
+          </a:p>
+        </p:txBody>
+      </p:sp>
+      <p:sp>
+        <p:nvSpPr>
+          <p:cNvPr id="143" name="CustomShape 2"/>
+          <p:cNvSpPr/>
+          <p:nvPr/>
+        </p:nvSpPr>
+        <p:spPr>
+          <a:xfrm>
+            <a:off x="457200" y="1600200"/>
+            <a:ext cx="8227080" cy="4523400"/>
+          </a:xfrm>
+          <a:prstGeom prst="rect">
+            <a:avLst/>
+          </a:prstGeom>
+          <a:noFill/>
+          <a:ln>
+            <a:noFill/>
+          </a:ln>
+        </p:spPr>
+      </p:sp>
+      <p:sp>
+        <p:nvSpPr>
+          <p:cNvPr id="144" name="CustomShape 3"/>
+          <p:cNvSpPr/>
+          <p:nvPr/>
+        </p:nvSpPr>
+        <p:spPr>
+          <a:xfrm>
+            <a:off x="6553080" y="6356520"/>
+            <a:ext cx="2131200" cy="362520"/>
+          </a:xfrm>
+          <a:prstGeom prst="rect">
+            <a:avLst/>
+          </a:prstGeom>
+          <a:noFill/>
+          <a:ln>
+            <a:noFill/>
+          </a:ln>
+        </p:spPr>
+      </p:sp>
+      <p:sp>
+        <p:nvSpPr>
+          <p:cNvPr id="145" name="CustomShape 4"/>
+          <p:cNvSpPr/>
+          <p:nvPr/>
+        </p:nvSpPr>
+        <p:spPr>
+          <a:xfrm>
+            <a:off x="548640" y="6358320"/>
+            <a:ext cx="6276960" cy="316440"/>
+          </a:xfrm>
+          <a:prstGeom prst="rect">
+            <a:avLst/>
+          </a:prstGeom>
+          <a:noFill/>
+          <a:ln>
+            <a:noFill/>
+          </a:ln>
+        </p:spPr>
+        <p:txBody>
+          <a:bodyPr lIns="90000" rIns="90000" tIns="45000" bIns="45000" anchor="ctr"/>
+          <a:p>
+            <a:pPr>
+              <a:lnSpc>
+                <a:spcPct val="100000"/>
+              </a:lnSpc>
+            </a:pPr>
+            <a:r>
+              <a:rPr lang="en-US" sz="1200">
+                <a:solidFill>
+                  <a:srgbClr val="8b8b8b"/>
+                </a:solidFill>
+                <a:latin typeface="Calibri"/>
+              </a:rPr>
+              <a:t>Medición de calidad de código en proyectos Open Source en base a métricas</a:t>
+            </a:r>
+            <a:endParaRPr/>
+          </a:p>
+        </p:txBody>
+      </p:sp>
+      <p:sp>
+        <p:nvSpPr>
+          <p:cNvPr id="146" name="TextShape 5"/>
+          <p:cNvSpPr txBox="1"/>
+          <p:nvPr/>
+        </p:nvSpPr>
+        <p:spPr>
+          <a:xfrm>
+            <a:off x="457200" y="1702440"/>
+            <a:ext cx="8078040" cy="602640"/>
+          </a:xfrm>
+          <a:prstGeom prst="rect">
+            <a:avLst/>
+          </a:prstGeom>
+        </p:spPr>
+        <p:txBody>
+          <a:bodyPr lIns="90000" rIns="90000" tIns="45000" bIns="45000"/>
+          <a:p>
+            <a:r>
+              <a:rPr lang="en-US">
+                <a:latin typeface="Arial"/>
+              </a:rPr>
+              <a:t>- Robert Cecil Martin. Clean Code: A Handbook of Agile Software Craftmanship. Prentice Hall, 2008.</a:t>
+            </a:r>
+            <a:endParaRPr/>
+          </a:p>
+        </p:txBody>
+      </p:sp>
+      <p:sp>
+        <p:nvSpPr>
+          <p:cNvPr id="147" name="TextShape 6"/>
+          <p:cNvSpPr txBox="1"/>
+          <p:nvPr/>
+        </p:nvSpPr>
+        <p:spPr>
+          <a:xfrm>
+            <a:off x="483120" y="2360880"/>
+            <a:ext cx="8203680" cy="346680"/>
+          </a:xfrm>
+          <a:prstGeom prst="rect">
+            <a:avLst/>
+          </a:prstGeom>
+        </p:spPr>
+        <p:txBody>
+          <a:bodyPr lIns="90000" rIns="90000" tIns="45000" bIns="45000"/>
+          <a:p>
+            <a:r>
+              <a:rPr lang="en-US">
+                <a:latin typeface="Arial"/>
+              </a:rPr>
+              <a:t>- F.B. e. Abreu. The mood metrics set. ECOOP ’95 Workshop on Metrics, 1995.</a:t>
+            </a:r>
+            <a:endParaRPr/>
+          </a:p>
+        </p:txBody>
+      </p:sp>
+      <p:sp>
+        <p:nvSpPr>
+          <p:cNvPr id="148" name="TextShape 7"/>
+          <p:cNvSpPr txBox="1"/>
+          <p:nvPr/>
+        </p:nvSpPr>
+        <p:spPr>
+          <a:xfrm>
+            <a:off x="483120" y="2707560"/>
+            <a:ext cx="7994160" cy="858600"/>
+          </a:xfrm>
+          <a:prstGeom prst="rect">
+            <a:avLst/>
+          </a:prstGeom>
+        </p:spPr>
+        <p:txBody>
+          <a:bodyPr lIns="90000" rIns="90000" tIns="45000" bIns="45000"/>
+          <a:p>
+            <a:r>
+              <a:rPr lang="en-US">
+                <a:latin typeface="Arial"/>
+              </a:rPr>
+              <a:t>- Briand L. C. Basili, V. R. and W. L. Melo. A validation of object orient design</a:t>
+            </a:r>
+            <a:endParaRPr/>
+          </a:p>
+          <a:p>
+            <a:r>
+              <a:rPr lang="en-US">
+                <a:latin typeface="Arial"/>
+              </a:rPr>
+              <a:t>metrics as quality indicators. IEEE Transactions on Software Engineering, 21,</a:t>
+            </a:r>
+            <a:endParaRPr/>
+          </a:p>
+          <a:p>
+            <a:r>
+              <a:rPr lang="en-US">
+                <a:latin typeface="Arial"/>
+              </a:rPr>
+              <a:t>1996.</a:t>
+            </a:r>
+            <a:endParaRPr/>
+          </a:p>
+        </p:txBody>
+      </p:sp>
+      <p:sp>
+        <p:nvSpPr>
+          <p:cNvPr id="149" name="TextShape 8"/>
+          <p:cNvSpPr txBox="1"/>
+          <p:nvPr/>
+        </p:nvSpPr>
+        <p:spPr>
+          <a:xfrm>
+            <a:off x="483120" y="3566160"/>
+            <a:ext cx="7563600" cy="346680"/>
+          </a:xfrm>
+          <a:prstGeom prst="rect">
+            <a:avLst/>
+          </a:prstGeom>
+        </p:spPr>
+        <p:txBody>
+          <a:bodyPr lIns="90000" rIns="90000" tIns="45000" bIns="45000"/>
+          <a:p>
+            <a:r>
+              <a:rPr lang="en-US">
+                <a:latin typeface="Arial"/>
+              </a:rPr>
+              <a:t>- B. W. Boehm. Improving software productivity. IEEE Computer, 1987.</a:t>
+            </a:r>
+            <a:endParaRPr/>
+          </a:p>
+        </p:txBody>
+      </p:sp>
+      <p:sp>
+        <p:nvSpPr>
+          <p:cNvPr id="150" name="TextShape 9"/>
+          <p:cNvSpPr txBox="1"/>
+          <p:nvPr/>
+        </p:nvSpPr>
+        <p:spPr>
+          <a:xfrm>
+            <a:off x="491400" y="3912840"/>
+            <a:ext cx="8012520" cy="602640"/>
+          </a:xfrm>
+          <a:prstGeom prst="rect">
+            <a:avLst/>
+          </a:prstGeom>
+        </p:spPr>
+        <p:txBody>
+          <a:bodyPr lIns="90000" rIns="90000" tIns="45000" bIns="45000"/>
+          <a:p>
+            <a:r>
+              <a:rPr lang="en-US">
+                <a:latin typeface="Arial"/>
+              </a:rPr>
+              <a:t>- Computer Science NC State University. An introduction to object-oriented metrics. Website, 2010.</a:t>
+            </a:r>
+            <a:endParaRPr/>
+          </a:p>
+        </p:txBody>
+      </p:sp>
+      <p:sp>
+        <p:nvSpPr>
+          <p:cNvPr id="151" name="TextShape 10"/>
+          <p:cNvSpPr txBox="1"/>
+          <p:nvPr/>
+        </p:nvSpPr>
+        <p:spPr>
+          <a:xfrm>
+            <a:off x="548640" y="4515480"/>
+            <a:ext cx="7970040" cy="602640"/>
+          </a:xfrm>
+          <a:prstGeom prst="rect">
+            <a:avLst/>
+          </a:prstGeom>
+        </p:spPr>
+        <p:txBody>
+          <a:bodyPr lIns="90000" rIns="90000" tIns="45000" bIns="45000"/>
+          <a:p>
+            <a:r>
+              <a:rPr lang="en-US">
+                <a:latin typeface="Arial"/>
+              </a:rPr>
+              <a:t>- Thomas McCabe. A complexity measure. IEEE Transactions on Software Engineering, 1976.</a:t>
+            </a:r>
+            <a:endParaRPr/>
+          </a:p>
+        </p:txBody>
+      </p:sp>
+      <p:sp>
+        <p:nvSpPr>
+          <p:cNvPr id="152" name="TextShape 11"/>
+          <p:cNvSpPr txBox="1"/>
+          <p:nvPr/>
+        </p:nvSpPr>
+        <p:spPr>
+          <a:xfrm>
+            <a:off x="548640" y="5139720"/>
+            <a:ext cx="7950240" cy="346680"/>
+          </a:xfrm>
+          <a:prstGeom prst="rect">
+            <a:avLst/>
+          </a:prstGeom>
+        </p:spPr>
+        <p:txBody>
+          <a:bodyPr lIns="90000" rIns="90000" tIns="45000" bIns="45000"/>
+          <a:p>
+            <a:r>
+              <a:rPr lang="en-US">
+                <a:latin typeface="Arial"/>
+              </a:rPr>
+              <a:t>-  IEEE. IEEE standard glossary of software engineering terminology. 2002.</a:t>
+            </a:r>
+            <a:endParaRPr/>
+          </a:p>
+        </p:txBody>
+      </p:sp>
+    </p:spTree>
+  </p:cSld>
+  <p:timing>
+    <p:tnLst>
+      <p:par>
+        <p:cTn id="31" dur="indefinite" restart="never" nodeType="tmRoot">
+          <p:childTnLst>
+            <p:seq>
+              <p:cTn id="32" nodeType="mainSeq"/>
               <p:prevCondLst>
                 <p:cond delay="0" evt="onPrev">
                   <p:tgtEl>
@@ -5722,21 +5143,25 @@
       </p:grpSpPr>
       <p:sp>
         <p:nvSpPr>
-          <p:cNvPr id="127" name="TextShape 1"/>
-          <p:cNvSpPr txBox="1"/>
+          <p:cNvPr id="81" name="CustomShape 1"/>
+          <p:cNvSpPr/>
           <p:nvPr/>
         </p:nvSpPr>
         <p:spPr>
           <a:xfrm>
             <a:off x="457200" y="274680"/>
-            <a:ext cx="8229240" cy="1142640"/>
-          </a:xfrm>
-          <a:prstGeom prst="rect">
-            <a:avLst/>
-          </a:prstGeom>
-        </p:spPr>
-        <p:txBody>
-          <a:bodyPr anchor="ctr"/>
+            <a:ext cx="8227080" cy="1140480"/>
+          </a:xfrm>
+          <a:prstGeom prst="rect">
+            <a:avLst/>
+          </a:prstGeom>
+          <a:noFill/>
+          <a:ln>
+            <a:noFill/>
+          </a:ln>
+        </p:spPr>
+        <p:txBody>
+          <a:bodyPr lIns="90000" rIns="90000" tIns="45000" bIns="45000" anchor="ctr"/>
           <a:p>
             <a:pPr algn="ctr">
               <a:lnSpc>
@@ -5744,7 +5169,7 @@
               </a:lnSpc>
             </a:pPr>
             <a:r>
-              <a:rPr lang="es-ES" sz="4400">
+              <a:rPr lang="en-US" sz="2800">
                 <a:solidFill>
                   <a:srgbClr val="000000"/>
                 </a:solidFill>
@@ -5758,21 +5183,25 @@
       </p:sp>
       <p:sp>
         <p:nvSpPr>
-          <p:cNvPr id="128" name="TextShape 2"/>
-          <p:cNvSpPr txBox="1"/>
+          <p:cNvPr id="82" name="CustomShape 2"/>
+          <p:cNvSpPr/>
           <p:nvPr/>
         </p:nvSpPr>
         <p:spPr>
           <a:xfrm>
             <a:off x="457200" y="1600200"/>
-            <a:ext cx="8229240" cy="4525560"/>
-          </a:xfrm>
-          <a:prstGeom prst="rect">
-            <a:avLst/>
-          </a:prstGeom>
-        </p:spPr>
-        <p:txBody>
-          <a:bodyPr/>
+            <a:ext cx="8227080" cy="4523400"/>
+          </a:xfrm>
+          <a:prstGeom prst="rect">
+            <a:avLst/>
+          </a:prstGeom>
+          <a:noFill/>
+          <a:ln>
+            <a:noFill/>
+          </a:ln>
+        </p:spPr>
+        <p:txBody>
+          <a:bodyPr lIns="90000" rIns="90000" tIns="45000" bIns="45000"/>
           <a:p>
             <a:pPr>
               <a:lnSpc>
@@ -5782,7 +5211,7 @@
               <a:buChar char="•"/>
             </a:pPr>
             <a:r>
-              <a:rPr lang="es-ES" sz="3200">
+              <a:rPr lang="en-US" sz="3200">
                 <a:solidFill>
                   <a:srgbClr val="000000"/>
                 </a:solidFill>
@@ -5801,13 +5230,13 @@
               <a:buChar char="–"/>
             </a:pPr>
             <a:r>
-              <a:rPr lang="es-ES" sz="2800">
+              <a:rPr lang="en-US" sz="2800">
                 <a:solidFill>
                   <a:srgbClr val="000000"/>
                 </a:solidFill>
                 <a:latin typeface="Calibri"/>
               </a:rPr>
-              <a:t>Descripción, objetivos y alcance del proyecto</a:t>
+              <a:t>Descripción, objetivos y alcance</a:t>
             </a:r>
             <a:endParaRPr/>
           </a:p>
@@ -5820,7 +5249,7 @@
               <a:buChar char="•"/>
             </a:pPr>
             <a:r>
-              <a:rPr lang="es-ES" sz="3200">
+              <a:rPr lang="en-US" sz="3200">
                 <a:solidFill>
                   <a:srgbClr val="000000"/>
                 </a:solidFill>
@@ -5839,7 +5268,7 @@
               <a:buChar char="–"/>
             </a:pPr>
             <a:r>
-              <a:rPr lang="es-ES" sz="2800">
+              <a:rPr lang="en-US" sz="2800">
                 <a:solidFill>
                   <a:srgbClr val="000000"/>
                 </a:solidFill>
@@ -5858,7 +5287,7 @@
               <a:buChar char="–"/>
             </a:pPr>
             <a:r>
-              <a:rPr lang="es-ES" sz="2800">
+              <a:rPr lang="en-US" sz="2800">
                 <a:solidFill>
                   <a:srgbClr val="000000"/>
                 </a:solidFill>
@@ -5877,7 +5306,7 @@
               <a:buChar char="–"/>
             </a:pPr>
             <a:r>
-              <a:rPr lang="es-ES" sz="2800">
+              <a:rPr lang="en-US" sz="2800">
                 <a:solidFill>
                   <a:srgbClr val="000000"/>
                 </a:solidFill>
@@ -5896,7 +5325,7 @@
               <a:buChar char="–"/>
             </a:pPr>
             <a:r>
-              <a:rPr lang="es-ES" sz="2800">
+              <a:rPr lang="en-US" sz="2800">
                 <a:solidFill>
                   <a:srgbClr val="000000"/>
                 </a:solidFill>
@@ -5915,7 +5344,7 @@
               <a:buChar char="•"/>
             </a:pPr>
             <a:r>
-              <a:rPr lang="es-ES" sz="3200">
+              <a:rPr lang="en-US" sz="3200">
                 <a:solidFill>
                   <a:srgbClr val="000000"/>
                 </a:solidFill>
@@ -5934,7 +5363,7 @@
               <a:buChar char="•"/>
             </a:pPr>
             <a:r>
-              <a:rPr lang="es-ES" sz="3200">
+              <a:rPr lang="en-US" sz="3200">
                 <a:solidFill>
                   <a:srgbClr val="000000"/>
                 </a:solidFill>
@@ -5948,57 +5377,45 @@
       </p:sp>
       <p:sp>
         <p:nvSpPr>
-          <p:cNvPr id="129" name="TextShape 3"/>
-          <p:cNvSpPr txBox="1"/>
+          <p:cNvPr id="83" name="CustomShape 3"/>
+          <p:cNvSpPr/>
           <p:nvPr/>
         </p:nvSpPr>
         <p:spPr>
           <a:xfrm>
             <a:off x="6553080" y="6356520"/>
-            <a:ext cx="2133360" cy="364680"/>
-          </a:xfrm>
-          <a:prstGeom prst="rect">
-            <a:avLst/>
-          </a:prstGeom>
-        </p:spPr>
-        <p:txBody>
-          <a:bodyPr anchor="ctr"/>
-          <a:p>
-            <a:pPr algn="r">
-              <a:lnSpc>
-                <a:spcPct val="100000"/>
-              </a:lnSpc>
-            </a:pPr>
-            <a:fld id="{88E7BB4D-7589-407E-A1D7-9EC0C59ABA7A}" type="slidenum">
-              <a:rPr lang="en-US" sz="1200">
-                <a:solidFill>
-                  <a:srgbClr val="8b8b8b"/>
-                </a:solidFill>
-                <a:latin typeface="Calibri"/>
-              </a:rPr>
-              <a:t>&lt;number&gt;</a:t>
-            </a:fld>
-            <a:endParaRPr/>
-          </a:p>
-        </p:txBody>
-      </p:sp>
-      <p:sp>
-        <p:nvSpPr>
-          <p:cNvPr id="130" name="TextShape 4"/>
-          <p:cNvSpPr txBox="1"/>
+            <a:ext cx="2131200" cy="362520"/>
+          </a:xfrm>
+          <a:prstGeom prst="rect">
+            <a:avLst/>
+          </a:prstGeom>
+          <a:noFill/>
+          <a:ln>
+            <a:noFill/>
+          </a:ln>
+        </p:spPr>
+      </p:sp>
+      <p:sp>
+        <p:nvSpPr>
+          <p:cNvPr id="84" name="CustomShape 4"/>
+          <p:cNvSpPr/>
           <p:nvPr/>
         </p:nvSpPr>
         <p:spPr>
           <a:xfrm>
             <a:off x="548640" y="6356880"/>
-            <a:ext cx="6279120" cy="318600"/>
-          </a:xfrm>
-          <a:prstGeom prst="rect">
-            <a:avLst/>
-          </a:prstGeom>
-        </p:spPr>
-        <p:txBody>
-          <a:bodyPr anchor="ctr"/>
+            <a:ext cx="6276960" cy="316440"/>
+          </a:xfrm>
+          <a:prstGeom prst="rect">
+            <a:avLst/>
+          </a:prstGeom>
+          <a:noFill/>
+          <a:ln>
+            <a:noFill/>
+          </a:ln>
+        </p:spPr>
+        <p:txBody>
+          <a:bodyPr lIns="90000" rIns="90000" tIns="45000" bIns="45000" anchor="ctr"/>
           <a:p>
             <a:pPr>
               <a:lnSpc>
@@ -6069,21 +5486,25 @@
       </p:grpSpPr>
       <p:sp>
         <p:nvSpPr>
-          <p:cNvPr id="131" name="TextShape 1"/>
-          <p:cNvSpPr txBox="1"/>
+          <p:cNvPr id="85" name="CustomShape 1"/>
+          <p:cNvSpPr/>
           <p:nvPr/>
         </p:nvSpPr>
         <p:spPr>
           <a:xfrm>
             <a:off x="457200" y="274680"/>
-            <a:ext cx="8229240" cy="1142640"/>
-          </a:xfrm>
-          <a:prstGeom prst="rect">
-            <a:avLst/>
-          </a:prstGeom>
-        </p:spPr>
-        <p:txBody>
-          <a:bodyPr anchor="ctr"/>
+            <a:ext cx="8227080" cy="1140480"/>
+          </a:xfrm>
+          <a:prstGeom prst="rect">
+            <a:avLst/>
+          </a:prstGeom>
+          <a:noFill/>
+          <a:ln>
+            <a:noFill/>
+          </a:ln>
+        </p:spPr>
+        <p:txBody>
+          <a:bodyPr lIns="90000" rIns="90000" tIns="45000" bIns="45000" anchor="ctr"/>
           <a:p>
             <a:pPr algn="ctr">
               <a:lnSpc>
@@ -6091,7 +5512,7 @@
               </a:lnSpc>
             </a:pPr>
             <a:r>
-              <a:rPr lang="es-ES" sz="4400">
+              <a:rPr lang="en-US" sz="2800">
                 <a:solidFill>
                   <a:srgbClr val="000000"/>
                 </a:solidFill>
@@ -6105,21 +5526,25 @@
       </p:sp>
       <p:sp>
         <p:nvSpPr>
-          <p:cNvPr id="132" name="TextShape 2"/>
-          <p:cNvSpPr txBox="1"/>
+          <p:cNvPr id="86" name="CustomShape 2"/>
+          <p:cNvSpPr/>
           <p:nvPr/>
         </p:nvSpPr>
         <p:spPr>
           <a:xfrm>
             <a:off x="457200" y="1600200"/>
-            <a:ext cx="8229240" cy="4709160"/>
-          </a:xfrm>
-          <a:prstGeom prst="rect">
-            <a:avLst/>
-          </a:prstGeom>
-        </p:spPr>
-        <p:txBody>
-          <a:bodyPr/>
+            <a:ext cx="8227080" cy="4707000"/>
+          </a:xfrm>
+          <a:prstGeom prst="rect">
+            <a:avLst/>
+          </a:prstGeom>
+          <a:noFill/>
+          <a:ln>
+            <a:noFill/>
+          </a:ln>
+        </p:spPr>
+        <p:txBody>
+          <a:bodyPr lIns="90000" rIns="90000" tIns="45000" bIns="45000"/>
           <a:p>
             <a:pPr>
               <a:lnSpc>
@@ -6129,7 +5554,7 @@
               <a:buChar char="•"/>
             </a:pPr>
             <a:r>
-              <a:rPr lang="es-ES" sz="3200">
+              <a:rPr lang="en-US" sz="3200">
                 <a:solidFill>
                   <a:srgbClr val="000000"/>
                 </a:solidFill>
@@ -6138,7 +5563,7 @@
               <a:t>Descripción: </a:t>
             </a:r>
             <a:r>
-              <a:rPr lang="es-ES" sz="2200">
+              <a:rPr lang="en-US" sz="2200">
                 <a:solidFill>
                   <a:srgbClr val="000000"/>
                 </a:solidFill>
@@ -6157,7 +5582,7 @@
               <a:buChar char="•"/>
             </a:pPr>
             <a:r>
-              <a:rPr lang="es-ES" sz="3200">
+              <a:rPr lang="en-US" sz="3200">
                 <a:solidFill>
                   <a:srgbClr val="000000"/>
                 </a:solidFill>
@@ -6165,108 +5590,108 @@
               </a:rPr>
               <a:t>Objetivos:</a:t>
             </a:r>
-            <a:r>
-              <a:rPr lang="es-ES" sz="2400">
+            <a:endParaRPr/>
+          </a:p>
+          <a:p>
+            <a:pPr>
+              <a:lnSpc>
+                <a:spcPct val="100000"/>
+              </a:lnSpc>
+              <a:buFont typeface="Arial"/>
+              <a:buChar char="•"/>
+            </a:pPr>
+            <a:r>
+              <a:rPr lang="en-US" sz="2200">
                 <a:solidFill>
                   <a:srgbClr val="000000"/>
                 </a:solidFill>
                 <a:latin typeface="Calibri"/>
               </a:rPr>
-              <a:t>
-</a:t>
-            </a:r>
-            <a:r>
-              <a:rPr lang="es-ES" sz="2200">
+              <a:t>- Revisión de conceptos</a:t>
+            </a:r>
+            <a:endParaRPr/>
+          </a:p>
+          <a:p>
+            <a:pPr>
+              <a:lnSpc>
+                <a:spcPct val="100000"/>
+              </a:lnSpc>
+              <a:buFont typeface="Arial"/>
+              <a:buChar char="•"/>
+            </a:pPr>
+            <a:r>
+              <a:rPr lang="en-US" sz="2200">
                 <a:solidFill>
                   <a:srgbClr val="000000"/>
                 </a:solidFill>
                 <a:latin typeface="Calibri"/>
               </a:rPr>
-              <a:t>- Revisión de conceptos</a:t>
-            </a:r>
-            <a:r>
-              <a:rPr lang="es-ES" sz="2200">
+              <a:t>- Estudio de modelos de calidad de software Open Source</a:t>
+            </a:r>
+            <a:endParaRPr/>
+          </a:p>
+          <a:p>
+            <a:pPr>
+              <a:lnSpc>
+                <a:spcPct val="100000"/>
+              </a:lnSpc>
+              <a:buFont typeface="Arial"/>
+              <a:buChar char="•"/>
+            </a:pPr>
+            <a:r>
+              <a:rPr lang="en-US" sz="2200">
                 <a:solidFill>
                   <a:srgbClr val="000000"/>
                 </a:solidFill>
                 <a:latin typeface="Calibri"/>
               </a:rPr>
-              <a:t>
-</a:t>
-            </a:r>
-            <a:r>
-              <a:rPr lang="es-ES" sz="2200">
+              <a:t>- Análisis de herramientas de extracción de métricas</a:t>
+            </a:r>
+            <a:endParaRPr/>
+          </a:p>
+          <a:p>
+            <a:pPr>
+              <a:lnSpc>
+                <a:spcPct val="100000"/>
+              </a:lnSpc>
+              <a:buFont typeface="Arial"/>
+              <a:buChar char="•"/>
+            </a:pPr>
+            <a:r>
+              <a:rPr lang="en-US" sz="2200">
                 <a:solidFill>
                   <a:srgbClr val="000000"/>
                 </a:solidFill>
                 <a:latin typeface="Calibri"/>
               </a:rPr>
-              <a:t>- Estudio de modelos de calidad de software Open Source</a:t>
-            </a:r>
-            <a:r>
-              <a:rPr lang="es-ES" sz="2200">
+              <a:t>- Definición/Evaluación de modelo de calidad en base a métricas</a:t>
+            </a:r>
+            <a:endParaRPr/>
+          </a:p>
+          <a:p>
+            <a:pPr>
+              <a:lnSpc>
+                <a:spcPct val="100000"/>
+              </a:lnSpc>
+              <a:buFont typeface="Arial"/>
+              <a:buChar char="•"/>
+            </a:pPr>
+            <a:r>
+              <a:rPr lang="en-US" sz="3200">
                 <a:solidFill>
                   <a:srgbClr val="000000"/>
                 </a:solidFill>
                 <a:latin typeface="Calibri"/>
               </a:rPr>
-              <a:t>
-</a:t>
-            </a:r>
-            <a:r>
-              <a:rPr lang="es-ES" sz="2200">
+              <a:t>Alcance: </a:t>
+            </a:r>
+            <a:r>
+              <a:rPr lang="en-US" sz="2400">
                 <a:solidFill>
                   <a:srgbClr val="000000"/>
                 </a:solidFill>
                 <a:latin typeface="Calibri"/>
               </a:rPr>
-              <a:t>- Análisis de herramientas de extracción de métricas</a:t>
-            </a:r>
-            <a:r>
-              <a:rPr lang="es-ES" sz="2200">
-                <a:solidFill>
-                  <a:srgbClr val="000000"/>
-                </a:solidFill>
-                <a:latin typeface="Calibri"/>
-              </a:rPr>
-              <a:t>
-</a:t>
-            </a:r>
-            <a:r>
-              <a:rPr lang="es-ES" sz="2200">
-                <a:solidFill>
-                  <a:srgbClr val="000000"/>
-                </a:solidFill>
-                <a:latin typeface="Calibri"/>
-              </a:rPr>
-              <a:t>- Definición/Evaluación de modelo de calidad en base a métricas</a:t>
-            </a:r>
-            <a:endParaRPr/>
-          </a:p>
-          <a:p>
-            <a:pPr>
-              <a:lnSpc>
-                <a:spcPct val="100000"/>
-              </a:lnSpc>
-              <a:buFont typeface="Arial"/>
-              <a:buChar char="•"/>
-            </a:pPr>
-            <a:r>
-              <a:rPr lang="es-ES" sz="3200">
-                <a:solidFill>
-                  <a:srgbClr val="000000"/>
-                </a:solidFill>
-                <a:latin typeface="Calibri"/>
-              </a:rPr>
-              <a:t>Alcance: </a:t>
-            </a:r>
-            <a:r>
-              <a:rPr lang="es-ES" sz="2400">
-                <a:solidFill>
-                  <a:srgbClr val="000000"/>
-                </a:solidFill>
-                <a:latin typeface="Calibri"/>
-              </a:rPr>
               <a:t>Proyectos, particulares y/o empresas del ámbito Open Source</a:t>
             </a:r>
             <a:endParaRPr/>
@@ -6275,57 +5700,45 @@
       </p:sp>
       <p:sp>
         <p:nvSpPr>
-          <p:cNvPr id="133" name="TextShape 3"/>
-          <p:cNvSpPr txBox="1"/>
+          <p:cNvPr id="87" name="CustomShape 3"/>
+          <p:cNvSpPr/>
           <p:nvPr/>
         </p:nvSpPr>
         <p:spPr>
           <a:xfrm>
             <a:off x="6553080" y="6356520"/>
-            <a:ext cx="2133360" cy="364680"/>
-          </a:xfrm>
-          <a:prstGeom prst="rect">
-            <a:avLst/>
-          </a:prstGeom>
-        </p:spPr>
-        <p:txBody>
-          <a:bodyPr anchor="ctr"/>
-          <a:p>
-            <a:pPr algn="r">
-              <a:lnSpc>
-                <a:spcPct val="100000"/>
-              </a:lnSpc>
-            </a:pPr>
-            <a:fld id="{8DBED280-45B3-4A11-AAB2-77B4B43E85F8}" type="slidenum">
-              <a:rPr lang="en-US" sz="1200">
-                <a:solidFill>
-                  <a:srgbClr val="8b8b8b"/>
-                </a:solidFill>
-                <a:latin typeface="Calibri"/>
-              </a:rPr>
-              <a:t>&lt;number&gt;</a:t>
-            </a:fld>
-            <a:endParaRPr/>
-          </a:p>
-        </p:txBody>
-      </p:sp>
-      <p:sp>
-        <p:nvSpPr>
-          <p:cNvPr id="134" name="TextShape 4"/>
-          <p:cNvSpPr txBox="1"/>
+            <a:ext cx="2131200" cy="362520"/>
+          </a:xfrm>
+          <a:prstGeom prst="rect">
+            <a:avLst/>
+          </a:prstGeom>
+          <a:noFill/>
+          <a:ln>
+            <a:noFill/>
+          </a:ln>
+        </p:spPr>
+      </p:sp>
+      <p:sp>
+        <p:nvSpPr>
+          <p:cNvPr id="88" name="CustomShape 4"/>
+          <p:cNvSpPr/>
           <p:nvPr/>
         </p:nvSpPr>
         <p:spPr>
           <a:xfrm>
             <a:off x="548640" y="6357240"/>
-            <a:ext cx="6279120" cy="318600"/>
-          </a:xfrm>
-          <a:prstGeom prst="rect">
-            <a:avLst/>
-          </a:prstGeom>
-        </p:spPr>
-        <p:txBody>
-          <a:bodyPr anchor="ctr"/>
+            <a:ext cx="6276960" cy="316440"/>
+          </a:xfrm>
+          <a:prstGeom prst="rect">
+            <a:avLst/>
+          </a:prstGeom>
+          <a:noFill/>
+          <a:ln>
+            <a:noFill/>
+          </a:ln>
+        </p:spPr>
+        <p:txBody>
+          <a:bodyPr lIns="90000" rIns="90000" tIns="45000" bIns="45000" anchor="ctr"/>
           <a:p>
             <a:pPr>
               <a:lnSpc>
@@ -6396,21 +5809,25 @@
       </p:grpSpPr>
       <p:sp>
         <p:nvSpPr>
-          <p:cNvPr id="135" name="TextShape 1"/>
-          <p:cNvSpPr txBox="1"/>
+          <p:cNvPr id="89" name="CustomShape 1"/>
+          <p:cNvSpPr/>
           <p:nvPr/>
         </p:nvSpPr>
         <p:spPr>
           <a:xfrm>
             <a:off x="457200" y="274680"/>
-            <a:ext cx="8229240" cy="1142640"/>
-          </a:xfrm>
-          <a:prstGeom prst="rect">
-            <a:avLst/>
-          </a:prstGeom>
-        </p:spPr>
-        <p:txBody>
-          <a:bodyPr anchor="ctr"/>
+            <a:ext cx="8227080" cy="1140480"/>
+          </a:xfrm>
+          <a:prstGeom prst="rect">
+            <a:avLst/>
+          </a:prstGeom>
+          <a:noFill/>
+          <a:ln>
+            <a:noFill/>
+          </a:ln>
+        </p:spPr>
+        <p:txBody>
+          <a:bodyPr lIns="90000" rIns="90000" tIns="45000" bIns="45000" anchor="ctr"/>
           <a:p>
             <a:pPr algn="ctr">
               <a:lnSpc>
@@ -6418,7 +5835,7 @@
               </a:lnSpc>
             </a:pPr>
             <a:r>
-              <a:rPr lang="es-ES" sz="2800">
+              <a:rPr lang="en-US" sz="2800">
                 <a:solidFill>
                   <a:srgbClr val="000000"/>
                 </a:solidFill>
@@ -6432,29 +5849,36 @@
       </p:sp>
       <p:sp>
         <p:nvSpPr>
-          <p:cNvPr id="136" name="TextShape 2"/>
-          <p:cNvSpPr txBox="1"/>
+          <p:cNvPr id="90" name="CustomShape 2"/>
+          <p:cNvSpPr/>
           <p:nvPr/>
         </p:nvSpPr>
         <p:spPr>
           <a:xfrm>
             <a:off x="457200" y="1418040"/>
-            <a:ext cx="8229240" cy="4525560"/>
-          </a:xfrm>
-          <a:prstGeom prst="rect">
-            <a:avLst/>
-          </a:prstGeom>
-        </p:spPr>
-        <p:txBody>
-          <a:bodyPr/>
-          <a:p>
-            <a:pPr>
+            <a:ext cx="8227080" cy="4523400"/>
+          </a:xfrm>
+          <a:prstGeom prst="rect">
+            <a:avLst/>
+          </a:prstGeom>
+          <a:noFill/>
+          <a:ln>
+            <a:noFill/>
+          </a:ln>
+        </p:spPr>
+        <p:txBody>
+          <a:bodyPr lIns="90000" rIns="90000" tIns="45000" bIns="45000"/>
+          <a:p>
+            <a:pPr lvl="1">
+              <a:lnSpc>
+                <a:spcPct val="100000"/>
+              </a:lnSpc>
               <a:buSzPct val="45000"/>
               <a:buFont typeface="StarSymbol"/>
-              <a:buChar char=""/>
-            </a:pPr>
-            <a:r>
-              <a:rPr lang="es-ES" sz="3200">
+              <a:buChar char="l"/>
+            </a:pPr>
+            <a:r>
+              <a:rPr lang="en-US" sz="3200">
                 <a:latin typeface="Calibri"/>
               </a:rPr>
               <a:t>Modelos ligeros: Más deseables</a:t>
@@ -6462,65 +5886,74 @@
             <a:endParaRPr/>
           </a:p>
           <a:p>
-            <a:pPr lvl="1">
-              <a:buSzPct val="75000"/>
-              <a:buFont typeface="StarSymbol"/>
-              <a:buChar char=""/>
-            </a:pPr>
-            <a:r>
-              <a:rPr lang="es-ES" sz="2400" u="sng">
-                <a:latin typeface="Calibri"/>
-              </a:rPr>
-              <a:t>OpenBRR</a:t>
-            </a:r>
-            <a:r>
-              <a:rPr lang="es-ES" sz="2400">
-                <a:latin typeface="Calibri"/>
-              </a:rPr>
-              <a:t>: </a:t>
-            </a:r>
-            <a:r>
-              <a:rPr lang="es-ES" sz="2000">
-                <a:latin typeface="Calibri"/>
-              </a:rPr>
-              <a:t>Métricas organizadas por categorías. Hoja de Cálculo. Sin referencias directas a la calidad del código fuente. En proceso de revisión.</a:t>
-            </a:r>
-            <a:endParaRPr/>
-          </a:p>
-          <a:p>
-            <a:pPr lvl="1">
-              <a:buSzPct val="75000"/>
-              <a:buFont typeface="StarSymbol"/>
-              <a:buChar char=""/>
-            </a:pPr>
-            <a:r>
-              <a:rPr lang="es-ES" sz="2400" u="sng">
-                <a:latin typeface="Calibri"/>
-              </a:rPr>
-              <a:t>QSOS</a:t>
-            </a:r>
-            <a:r>
-              <a:rPr lang="es-ES" sz="2400">
-                <a:latin typeface="Calibri"/>
-              </a:rPr>
-              <a:t>: </a:t>
-            </a:r>
-            <a:r>
-              <a:rPr lang="es-ES" sz="2000">
-                <a:latin typeface="Calibri"/>
-              </a:rPr>
-              <a:t>Método formal + herramientas + comunidad. Método iterativo. No tan ligero. Sin referencias directas a la calidad del código fuente.</a:t>
-            </a:r>
-            <a:endParaRPr/>
-          </a:p>
-          <a:p>
-            <a:pPr>
+            <a:pPr lvl="2">
+              <a:lnSpc>
+                <a:spcPct val="100000"/>
+              </a:lnSpc>
               <a:buSzPct val="45000"/>
               <a:buFont typeface="StarSymbol"/>
-              <a:buChar char=""/>
-            </a:pPr>
-            <a:r>
-              <a:rPr lang="es-ES" sz="3200">
+              <a:buChar char="l"/>
+            </a:pPr>
+            <a:r>
+              <a:rPr lang="en-US" sz="2400" u="sng">
+                <a:latin typeface="Calibri"/>
+              </a:rPr>
+              <a:t>OpenBRR</a:t>
+            </a:r>
+            <a:r>
+              <a:rPr lang="en-US" sz="2400">
+                <a:latin typeface="Calibri"/>
+              </a:rPr>
+              <a:t>: </a:t>
+            </a:r>
+            <a:r>
+              <a:rPr lang="en-US" sz="2000">
+                <a:latin typeface="Calibri"/>
+              </a:rPr>
+              <a:t>Métricas organizadas por categorías. Hoja de Cálculo. Sin referencias directas a la calidad del código fuente. En proceso de revisión.</a:t>
+            </a:r>
+            <a:endParaRPr/>
+          </a:p>
+          <a:p>
+            <a:pPr lvl="2">
+              <a:lnSpc>
+                <a:spcPct val="100000"/>
+              </a:lnSpc>
+              <a:buSzPct val="45000"/>
+              <a:buFont typeface="StarSymbol"/>
+              <a:buChar char="l"/>
+            </a:pPr>
+            <a:r>
+              <a:rPr lang="en-US" sz="2400" u="sng">
+                <a:latin typeface="Calibri"/>
+              </a:rPr>
+              <a:t>QSOS</a:t>
+            </a:r>
+            <a:r>
+              <a:rPr lang="en-US" sz="2400">
+                <a:latin typeface="Calibri"/>
+              </a:rPr>
+              <a:t>: </a:t>
+            </a:r>
+            <a:r>
+              <a:rPr lang="en-US" sz="2000">
+                <a:latin typeface="Calibri"/>
+              </a:rPr>
+              <a:t>Método formal + herramientas + comunidad. Método iterativo. No tan ligero. Sin referencias directas a la calidad del código fuente.</a:t>
+            </a:r>
+            <a:endParaRPr/>
+          </a:p>
+          <a:p>
+            <a:pPr lvl="1">
+              <a:lnSpc>
+                <a:spcPct val="100000"/>
+              </a:lnSpc>
+              <a:buSzPct val="45000"/>
+              <a:buFont typeface="StarSymbol"/>
+              <a:buChar char="l"/>
+            </a:pPr>
+            <a:r>
+              <a:rPr lang="en-US" sz="3200">
                 <a:latin typeface="Calibri"/>
               </a:rPr>
               <a:t>Modelos pesados: Menos deseables</a:t>
@@ -6528,31 +5961,34 @@
             <a:endParaRPr/>
           </a:p>
           <a:p>
-            <a:pPr lvl="1">
-              <a:buSzPct val="75000"/>
+            <a:pPr lvl="2">
+              <a:lnSpc>
+                <a:spcPct val="100000"/>
+              </a:lnSpc>
+              <a:buSzPct val="45000"/>
               <a:buFont typeface="StarSymbol"/>
-              <a:buChar char=""/>
-            </a:pPr>
-            <a:r>
-              <a:rPr lang="es-ES" sz="2400" u="sng">
+              <a:buChar char="l"/>
+            </a:pPr>
+            <a:r>
+              <a:rPr lang="en-US" sz="2400" u="sng">
                 <a:latin typeface="Calibri"/>
               </a:rPr>
               <a:t>QualOSS</a:t>
             </a:r>
             <a:r>
-              <a:rPr lang="es-ES" sz="2400">
+              <a:rPr lang="en-US" sz="2400">
                 <a:latin typeface="Calibri"/>
               </a:rPr>
               <a:t>: </a:t>
             </a:r>
             <a:r>
-              <a:rPr lang="es-ES" sz="2000">
+              <a:rPr lang="en-US" sz="2000">
                 <a:latin typeface="Calibri"/>
               </a:rPr>
               <a:t>Pasos Iniciales + Modelo Básico de Calidad (GQM) + Consideraciones de la Comunidad. Descontinuado.</a:t>
             </a:r>
             <a:r>
-              <a:rPr lang="es-ES" sz="2400">
+              <a:rPr lang="en-US" sz="2400">
                 <a:latin typeface="Calibri"/>
               </a:rPr>
               <a:t> </a:t>
@@ -6560,76 +5996,64 @@
             <a:endParaRPr/>
           </a:p>
           <a:p>
-            <a:pPr lvl="1">
-              <a:buSzPct val="75000"/>
-              <a:buFont typeface="StarSymbol"/>
-              <a:buChar char=""/>
-            </a:pPr>
-            <a:endParaRPr/>
-          </a:p>
-          <a:p>
-            <a:pPr lvl="1">
-              <a:buSzPct val="75000"/>
-              <a:buFont typeface="StarSymbol"/>
-              <a:buChar char=""/>
-            </a:pPr>
-            <a:endParaRPr/>
-          </a:p>
-        </p:txBody>
-      </p:sp>
-      <p:sp>
-        <p:nvSpPr>
-          <p:cNvPr id="137" name="TextShape 3"/>
-          <p:cNvSpPr txBox="1"/>
+            <a:pPr>
+              <a:lnSpc>
+                <a:spcPct val="100000"/>
+              </a:lnSpc>
+            </a:pPr>
+            <a:endParaRPr/>
+          </a:p>
+          <a:p>
+            <a:pPr>
+              <a:lnSpc>
+                <a:spcPct val="100000"/>
+              </a:lnSpc>
+            </a:pPr>
+            <a:endParaRPr/>
+          </a:p>
+        </p:txBody>
+      </p:sp>
+      <p:sp>
+        <p:nvSpPr>
+          <p:cNvPr id="91" name="CustomShape 3"/>
+          <p:cNvSpPr/>
           <p:nvPr/>
         </p:nvSpPr>
         <p:spPr>
           <a:xfrm>
             <a:off x="6553080" y="6356520"/>
-            <a:ext cx="2133360" cy="364680"/>
-          </a:xfrm>
-          <a:prstGeom prst="rect">
-            <a:avLst/>
-          </a:prstGeom>
-        </p:spPr>
-        <p:txBody>
-          <a:bodyPr anchor="ctr"/>
-          <a:p>
-            <a:pPr algn="r">
-              <a:lnSpc>
-                <a:spcPct val="100000"/>
-              </a:lnSpc>
-            </a:pPr>
-            <a:fld id="{9AA95137-619D-40AD-845E-E90020EA53D2}" type="slidenum">
-              <a:rPr lang="en-US" sz="1200">
-                <a:solidFill>
-                  <a:srgbClr val="8b8b8b"/>
-                </a:solidFill>
-                <a:latin typeface="Calibri"/>
-              </a:rPr>
-              <a:t>&lt;number&gt;</a:t>
-            </a:fld>
-            <a:endParaRPr/>
-          </a:p>
-        </p:txBody>
-      </p:sp>
-      <p:sp>
-        <p:nvSpPr>
-          <p:cNvPr id="138" name="TextShape 4"/>
-          <p:cNvSpPr txBox="1"/>
+            <a:ext cx="2131200" cy="362520"/>
+          </a:xfrm>
+          <a:prstGeom prst="rect">
+            <a:avLst/>
+          </a:prstGeom>
+          <a:noFill/>
+          <a:ln>
+            <a:noFill/>
+          </a:ln>
+        </p:spPr>
+      </p:sp>
+      <p:sp>
+        <p:nvSpPr>
+          <p:cNvPr id="92" name="CustomShape 4"/>
+          <p:cNvSpPr/>
           <p:nvPr/>
         </p:nvSpPr>
         <p:spPr>
           <a:xfrm>
             <a:off x="548640" y="6357960"/>
-            <a:ext cx="6279120" cy="318600"/>
-          </a:xfrm>
-          <a:prstGeom prst="rect">
-            <a:avLst/>
-          </a:prstGeom>
-        </p:spPr>
-        <p:txBody>
-          <a:bodyPr anchor="ctr"/>
+            <a:ext cx="6276960" cy="316440"/>
+          </a:xfrm>
+          <a:prstGeom prst="rect">
+            <a:avLst/>
+          </a:prstGeom>
+          <a:noFill/>
+          <a:ln>
+            <a:noFill/>
+          </a:ln>
+        </p:spPr>
+        <p:txBody>
+          <a:bodyPr lIns="90000" rIns="90000" tIns="45000" bIns="45000" anchor="ctr"/>
           <a:p>
             <a:pPr>
               <a:lnSpc>
@@ -6700,21 +6124,25 @@
       </p:grpSpPr>
       <p:sp>
         <p:nvSpPr>
-          <p:cNvPr id="139" name="TextShape 1"/>
-          <p:cNvSpPr txBox="1"/>
+          <p:cNvPr id="93" name="CustomShape 1"/>
+          <p:cNvSpPr/>
           <p:nvPr/>
         </p:nvSpPr>
         <p:spPr>
           <a:xfrm>
             <a:off x="457200" y="274680"/>
-            <a:ext cx="8229240" cy="1142640"/>
-          </a:xfrm>
-          <a:prstGeom prst="rect">
-            <a:avLst/>
-          </a:prstGeom>
-        </p:spPr>
-        <p:txBody>
-          <a:bodyPr anchor="ctr"/>
+            <a:ext cx="8227080" cy="1140480"/>
+          </a:xfrm>
+          <a:prstGeom prst="rect">
+            <a:avLst/>
+          </a:prstGeom>
+          <a:noFill/>
+          <a:ln>
+            <a:noFill/>
+          </a:ln>
+        </p:spPr>
+        <p:txBody>
+          <a:bodyPr lIns="90000" rIns="90000" tIns="45000" bIns="45000" anchor="ctr"/>
           <a:p>
             <a:pPr algn="ctr">
               <a:lnSpc>
@@ -6722,7 +6150,7 @@
               </a:lnSpc>
             </a:pPr>
             <a:r>
-              <a:rPr lang="es-ES" sz="2800">
+              <a:rPr lang="en-US" sz="2800">
                 <a:solidFill>
                   <a:srgbClr val="000000"/>
                 </a:solidFill>
@@ -6736,35 +6164,42 @@
       </p:sp>
       <p:sp>
         <p:nvSpPr>
-          <p:cNvPr id="140" name="TextShape 2"/>
-          <p:cNvSpPr txBox="1"/>
+          <p:cNvPr id="94" name="CustomShape 2"/>
+          <p:cNvSpPr/>
           <p:nvPr/>
         </p:nvSpPr>
         <p:spPr>
           <a:xfrm>
             <a:off x="457200" y="1418040"/>
-            <a:ext cx="8321040" cy="4891320"/>
-          </a:xfrm>
-          <a:prstGeom prst="rect">
-            <a:avLst/>
-          </a:prstGeom>
-        </p:spPr>
-        <p:txBody>
-          <a:bodyPr/>
+            <a:ext cx="8318880" cy="4889160"/>
+          </a:xfrm>
+          <a:prstGeom prst="rect">
+            <a:avLst/>
+          </a:prstGeom>
+          <a:noFill/>
+          <a:ln>
+            <a:noFill/>
+          </a:ln>
+        </p:spPr>
+        <p:txBody>
+          <a:bodyPr lIns="90000" rIns="90000" tIns="45000" bIns="45000"/>
           <a:p>
             <a:pPr>
+              <a:lnSpc>
+                <a:spcPct val="100000"/>
+              </a:lnSpc>
               <a:buSzPct val="45000"/>
               <a:buFont typeface="StarSymbol"/>
-              <a:buChar char=""/>
-            </a:pPr>
-            <a:r>
-              <a:rPr lang="es-ES" sz="3200">
+              <a:buChar char="l"/>
+            </a:pPr>
+            <a:r>
+              <a:rPr lang="en-US" sz="3200">
                 <a:latin typeface="Calibri"/>
               </a:rPr>
               <a:t>OpenBRR: </a:t>
             </a:r>
             <a:r>
-              <a:rPr lang="es-ES" sz="2400">
+              <a:rPr lang="en-US" sz="2400">
                 <a:latin typeface="Calibri"/>
               </a:rPr>
               <a:t>Método ligero. Reaprovechable.</a:t>
@@ -6772,89 +6207,77 @@
             <a:endParaRPr/>
           </a:p>
           <a:p>
-            <a:pPr lvl="1">
-              <a:buSzPct val="75000"/>
-              <a:buFont typeface="StarSymbol"/>
-              <a:buChar char=""/>
-            </a:pPr>
-            <a:endParaRPr/>
-          </a:p>
-          <a:p>
-            <a:pPr lvl="1">
-              <a:buSzPct val="75000"/>
-              <a:buFont typeface="StarSymbol"/>
-              <a:buChar char=""/>
-            </a:pPr>
-            <a:endParaRPr/>
-          </a:p>
-        </p:txBody>
-      </p:sp>
-      <p:sp>
-        <p:nvSpPr>
-          <p:cNvPr id="141" name="TextShape 3"/>
-          <p:cNvSpPr txBox="1"/>
+            <a:pPr>
+              <a:lnSpc>
+                <a:spcPct val="100000"/>
+              </a:lnSpc>
+            </a:pPr>
+            <a:endParaRPr/>
+          </a:p>
+          <a:p>
+            <a:pPr>
+              <a:lnSpc>
+                <a:spcPct val="100000"/>
+              </a:lnSpc>
+            </a:pPr>
+            <a:endParaRPr/>
+          </a:p>
+        </p:txBody>
+      </p:sp>
+      <p:sp>
+        <p:nvSpPr>
+          <p:cNvPr id="95" name="CustomShape 3"/>
+          <p:cNvSpPr/>
           <p:nvPr/>
         </p:nvSpPr>
         <p:spPr>
           <a:xfrm>
             <a:off x="6553080" y="6356520"/>
-            <a:ext cx="2133360" cy="364680"/>
-          </a:xfrm>
-          <a:prstGeom prst="rect">
-            <a:avLst/>
-          </a:prstGeom>
-        </p:spPr>
-        <p:txBody>
-          <a:bodyPr anchor="ctr"/>
-          <a:p>
-            <a:pPr algn="r">
-              <a:lnSpc>
-                <a:spcPct val="100000"/>
-              </a:lnSpc>
-            </a:pPr>
-            <a:fld id="{09863014-56A1-4DA6-B284-88EE6BA243A2}" type="slidenum">
+            <a:ext cx="2131200" cy="362520"/>
+          </a:xfrm>
+          <a:prstGeom prst="rect">
+            <a:avLst/>
+          </a:prstGeom>
+          <a:noFill/>
+          <a:ln>
+            <a:noFill/>
+          </a:ln>
+        </p:spPr>
+      </p:sp>
+      <p:sp>
+        <p:nvSpPr>
+          <p:cNvPr id="96" name="CustomShape 4"/>
+          <p:cNvSpPr/>
+          <p:nvPr/>
+        </p:nvSpPr>
+        <p:spPr>
+          <a:xfrm>
+            <a:off x="548640" y="6357960"/>
+            <a:ext cx="6276960" cy="316440"/>
+          </a:xfrm>
+          <a:prstGeom prst="rect">
+            <a:avLst/>
+          </a:prstGeom>
+          <a:noFill/>
+          <a:ln>
+            <a:noFill/>
+          </a:ln>
+        </p:spPr>
+        <p:txBody>
+          <a:bodyPr lIns="90000" rIns="90000" tIns="45000" bIns="45000" anchor="ctr"/>
+          <a:p>
+            <a:pPr>
+              <a:lnSpc>
+                <a:spcPct val="100000"/>
+              </a:lnSpc>
+            </a:pPr>
+            <a:r>
               <a:rPr lang="en-US" sz="1200">
                 <a:solidFill>
                   <a:srgbClr val="8b8b8b"/>
                 </a:solidFill>
                 <a:latin typeface="Calibri"/>
               </a:rPr>
-              <a:t>&lt;number&gt;</a:t>
-            </a:fld>
-            <a:endParaRPr/>
-          </a:p>
-        </p:txBody>
-      </p:sp>
-      <p:sp>
-        <p:nvSpPr>
-          <p:cNvPr id="142" name="TextShape 4"/>
-          <p:cNvSpPr txBox="1"/>
-          <p:nvPr/>
-        </p:nvSpPr>
-        <p:spPr>
-          <a:xfrm>
-            <a:off x="548640" y="6357960"/>
-            <a:ext cx="6279120" cy="318600"/>
-          </a:xfrm>
-          <a:prstGeom prst="rect">
-            <a:avLst/>
-          </a:prstGeom>
-        </p:spPr>
-        <p:txBody>
-          <a:bodyPr anchor="ctr"/>
-          <a:p>
-            <a:pPr>
-              <a:lnSpc>
-                <a:spcPct val="100000"/>
-              </a:lnSpc>
-            </a:pPr>
-            <a:r>
-              <a:rPr lang="en-US" sz="1200">
-                <a:solidFill>
-                  <a:srgbClr val="8b8b8b"/>
-                </a:solidFill>
-                <a:latin typeface="Calibri"/>
-              </a:rPr>
               <a:t>Medición de calidad de código en proyectos Open Source en base a métricas</a:t>
             </a:r>
             <a:endParaRPr/>
@@ -6863,7 +6286,7 @@
       </p:sp>
       <p:pic>
         <p:nvPicPr>
-          <p:cNvPr id="143" name="" descr=""/>
+          <p:cNvPr id="97" name="" descr=""/>
           <p:cNvPicPr/>
           <p:nvPr/>
         </p:nvPicPr>
@@ -6876,7 +6299,7 @@
         <p:spPr>
           <a:xfrm>
             <a:off x="360" y="2122560"/>
-            <a:ext cx="9143640" cy="3693960"/>
+            <a:ext cx="9141480" cy="3691800"/>
           </a:xfrm>
           <a:prstGeom prst="rect">
             <a:avLst/>
@@ -6937,21 +6360,25 @@
       </p:grpSpPr>
       <p:sp>
         <p:nvSpPr>
-          <p:cNvPr id="144" name="TextShape 1"/>
-          <p:cNvSpPr txBox="1"/>
+          <p:cNvPr id="98" name="CustomShape 1"/>
+          <p:cNvSpPr/>
           <p:nvPr/>
         </p:nvSpPr>
         <p:spPr>
           <a:xfrm>
             <a:off x="457200" y="274680"/>
-            <a:ext cx="8229240" cy="1142640"/>
-          </a:xfrm>
-          <a:prstGeom prst="rect">
-            <a:avLst/>
-          </a:prstGeom>
-        </p:spPr>
-        <p:txBody>
-          <a:bodyPr anchor="ctr"/>
+            <a:ext cx="8227080" cy="1140480"/>
+          </a:xfrm>
+          <a:prstGeom prst="rect">
+            <a:avLst/>
+          </a:prstGeom>
+          <a:noFill/>
+          <a:ln>
+            <a:noFill/>
+          </a:ln>
+        </p:spPr>
+        <p:txBody>
+          <a:bodyPr lIns="90000" rIns="90000" tIns="45000" bIns="45000" anchor="ctr"/>
           <a:p>
             <a:pPr algn="ctr">
               <a:lnSpc>
@@ -6959,7 +6386,7 @@
               </a:lnSpc>
             </a:pPr>
             <a:r>
-              <a:rPr lang="es-ES" sz="2800">
+              <a:rPr lang="en-US" sz="2800">
                 <a:solidFill>
                   <a:srgbClr val="000000"/>
                 </a:solidFill>
@@ -6973,71 +6400,377 @@
       </p:sp>
       <p:sp>
         <p:nvSpPr>
-          <p:cNvPr id="145" name="TextShape 2"/>
-          <p:cNvSpPr txBox="1"/>
+          <p:cNvPr id="99" name="CustomShape 2"/>
+          <p:cNvSpPr/>
           <p:nvPr/>
         </p:nvSpPr>
         <p:spPr>
           <a:xfrm>
             <a:off x="6553080" y="6356520"/>
-            <a:ext cx="2133360" cy="364680"/>
-          </a:xfrm>
-          <a:prstGeom prst="rect">
-            <a:avLst/>
-          </a:prstGeom>
-        </p:spPr>
-        <p:txBody>
-          <a:bodyPr anchor="ctr"/>
-          <a:p>
-            <a:pPr algn="r">
-              <a:lnSpc>
-                <a:spcPct val="100000"/>
-              </a:lnSpc>
-            </a:pPr>
-            <a:fld id="{7F8E73FC-4DD7-4888-8EA6-256C02DF42ED}" type="slidenum">
+            <a:ext cx="2131200" cy="362520"/>
+          </a:xfrm>
+          <a:prstGeom prst="rect">
+            <a:avLst/>
+          </a:prstGeom>
+          <a:noFill/>
+          <a:ln>
+            <a:noFill/>
+          </a:ln>
+        </p:spPr>
+      </p:sp>
+      <p:sp>
+        <p:nvSpPr>
+          <p:cNvPr id="100" name="CustomShape 3"/>
+          <p:cNvSpPr/>
+          <p:nvPr/>
+        </p:nvSpPr>
+        <p:spPr>
+          <a:xfrm>
+            <a:off x="548640" y="6357960"/>
+            <a:ext cx="6276960" cy="316440"/>
+          </a:xfrm>
+          <a:prstGeom prst="rect">
+            <a:avLst/>
+          </a:prstGeom>
+          <a:noFill/>
+          <a:ln>
+            <a:noFill/>
+          </a:ln>
+        </p:spPr>
+        <p:txBody>
+          <a:bodyPr lIns="90000" rIns="90000" tIns="45000" bIns="45000" anchor="ctr"/>
+          <a:p>
+            <a:pPr>
+              <a:lnSpc>
+                <a:spcPct val="100000"/>
+              </a:lnSpc>
+            </a:pPr>
+            <a:r>
               <a:rPr lang="en-US" sz="1200">
                 <a:solidFill>
                   <a:srgbClr val="8b8b8b"/>
                 </a:solidFill>
                 <a:latin typeface="Calibri"/>
               </a:rPr>
-              <a:t>&lt;number&gt;</a:t>
-            </a:fld>
-            <a:endParaRPr/>
-          </a:p>
-        </p:txBody>
-      </p:sp>
-      <p:sp>
-        <p:nvSpPr>
-          <p:cNvPr id="146" name="TextShape 3"/>
-          <p:cNvSpPr txBox="1"/>
-          <p:nvPr/>
-        </p:nvSpPr>
-        <p:spPr>
-          <a:xfrm>
-            <a:off x="548640" y="6357960"/>
-            <a:ext cx="6279120" cy="318600"/>
-          </a:xfrm>
-          <a:prstGeom prst="rect">
-            <a:avLst/>
-          </a:prstGeom>
-        </p:spPr>
-        <p:txBody>
-          <a:bodyPr anchor="ctr"/>
-          <a:p>
-            <a:pPr>
-              <a:lnSpc>
-                <a:spcPct val="100000"/>
-              </a:lnSpc>
-            </a:pPr>
-            <a:r>
-              <a:rPr lang="en-US" sz="1200">
-                <a:solidFill>
-                  <a:srgbClr val="8b8b8b"/>
-                </a:solidFill>
-                <a:latin typeface="Calibri"/>
-              </a:rPr>
               <a:t>Medición de calidad de código en proyectos Open Source en base a métricas</a:t>
+            </a:r>
+            <a:endParaRPr/>
+          </a:p>
+        </p:txBody>
+      </p:sp>
+      <p:sp>
+        <p:nvSpPr>
+          <p:cNvPr id="101" name="CustomShape 4"/>
+          <p:cNvSpPr/>
+          <p:nvPr/>
+        </p:nvSpPr>
+        <p:spPr>
+          <a:xfrm>
+            <a:off x="209880" y="3439440"/>
+            <a:ext cx="180000" cy="345960"/>
+          </a:xfrm>
+          <a:prstGeom prst="rect">
+            <a:avLst/>
+          </a:prstGeom>
+          <a:noFill/>
+          <a:ln>
+            <a:noFill/>
+          </a:ln>
+        </p:spPr>
+      </p:sp>
+      <p:sp>
+        <p:nvSpPr>
+          <p:cNvPr id="102" name="CustomShape 5"/>
+          <p:cNvSpPr/>
+          <p:nvPr/>
+        </p:nvSpPr>
+        <p:spPr>
+          <a:xfrm>
+            <a:off x="304200" y="1165680"/>
+            <a:ext cx="180000" cy="345960"/>
+          </a:xfrm>
+          <a:prstGeom prst="rect">
+            <a:avLst/>
+          </a:prstGeom>
+          <a:noFill/>
+          <a:ln>
+            <a:noFill/>
+          </a:ln>
+        </p:spPr>
+      </p:sp>
+      <p:sp>
+        <p:nvSpPr>
+          <p:cNvPr id="103" name="CustomShape 6"/>
+          <p:cNvSpPr/>
+          <p:nvPr/>
+        </p:nvSpPr>
+        <p:spPr>
+          <a:xfrm>
+            <a:off x="-25560" y="919800"/>
+            <a:ext cx="8227080" cy="4523400"/>
+          </a:xfrm>
+          <a:prstGeom prst="rect">
+            <a:avLst/>
+          </a:prstGeom>
+          <a:noFill/>
+          <a:ln>
+            <a:noFill/>
+          </a:ln>
+        </p:spPr>
+        <p:txBody>
+          <a:bodyPr lIns="90000" rIns="90000" tIns="45000" bIns="45000"/>
+          <a:p>
+            <a:pPr lvl="1">
+              <a:lnSpc>
+                <a:spcPct val="100000"/>
+              </a:lnSpc>
+              <a:buSzPct val="45000"/>
+              <a:buFont typeface="StarSymbol"/>
+              <a:buChar char="l"/>
+            </a:pPr>
+            <a:r>
+              <a:rPr lang="en-US" sz="3200">
+                <a:latin typeface="Calibri"/>
+              </a:rPr>
+              <a:t>OOD</a:t>
+            </a:r>
+            <a:endParaRPr/>
+          </a:p>
+          <a:p>
+            <a:pPr lvl="2">
+              <a:lnSpc>
+                <a:spcPct val="100000"/>
+              </a:lnSpc>
+              <a:buSzPct val="45000"/>
+              <a:buFont typeface="StarSymbol"/>
+              <a:buChar char="l"/>
+            </a:pPr>
+            <a:r>
+              <a:rPr lang="en-US" sz="2200">
+                <a:latin typeface="Calibri"/>
+              </a:rPr>
+              <a:t>Acoplamiento</a:t>
+            </a:r>
+            <a:endParaRPr/>
+          </a:p>
+          <a:p>
+            <a:pPr lvl="2">
+              <a:lnSpc>
+                <a:spcPct val="100000"/>
+              </a:lnSpc>
+              <a:buSzPct val="45000"/>
+              <a:buFont typeface="StarSymbol"/>
+              <a:buChar char="l"/>
+            </a:pPr>
+            <a:r>
+              <a:rPr lang="en-US" sz="2200">
+                <a:latin typeface="Calibri"/>
+              </a:rPr>
+              <a:t>Cohesión</a:t>
+            </a:r>
+            <a:endParaRPr/>
+          </a:p>
+          <a:p>
+            <a:pPr lvl="2">
+              <a:lnSpc>
+                <a:spcPct val="100000"/>
+              </a:lnSpc>
+              <a:buSzPct val="45000"/>
+              <a:buFont typeface="StarSymbol"/>
+              <a:buChar char="l"/>
+            </a:pPr>
+            <a:r>
+              <a:rPr lang="en-US" sz="2200">
+                <a:latin typeface="Calibri"/>
+              </a:rPr>
+              <a:t>Encapsulación</a:t>
+            </a:r>
+            <a:endParaRPr/>
+          </a:p>
+          <a:p>
+            <a:pPr lvl="2">
+              <a:lnSpc>
+                <a:spcPct val="100000"/>
+              </a:lnSpc>
+              <a:buSzPct val="45000"/>
+              <a:buFont typeface="StarSymbol"/>
+              <a:buChar char="l"/>
+            </a:pPr>
+            <a:r>
+              <a:rPr lang="en-US" sz="2200">
+                <a:latin typeface="Calibri"/>
+              </a:rPr>
+              <a:t>Herencia</a:t>
+            </a:r>
+            <a:endParaRPr/>
+          </a:p>
+          <a:p>
+            <a:pPr lvl="2">
+              <a:lnSpc>
+                <a:spcPct val="100000"/>
+              </a:lnSpc>
+              <a:buSzPct val="45000"/>
+              <a:buFont typeface="StarSymbol"/>
+              <a:buChar char="l"/>
+            </a:pPr>
+            <a:r>
+              <a:rPr lang="en-US" sz="2200">
+                <a:latin typeface="Calibri"/>
+              </a:rPr>
+              <a:t>Complejidad de clase (WMC)</a:t>
+            </a:r>
+            <a:endParaRPr/>
+          </a:p>
+          <a:p>
+            <a:pPr lvl="1">
+              <a:lnSpc>
+                <a:spcPct val="100000"/>
+              </a:lnSpc>
+              <a:buSzPct val="45000"/>
+              <a:buFont typeface="StarSymbol"/>
+              <a:buChar char="l"/>
+            </a:pPr>
+            <a:r>
+              <a:rPr lang="en-US" sz="3200">
+                <a:latin typeface="Calibri"/>
+              </a:rPr>
+              <a:t>Paquetes</a:t>
+            </a:r>
+            <a:endParaRPr/>
+          </a:p>
+          <a:p>
+            <a:pPr lvl="2">
+              <a:lnSpc>
+                <a:spcPct val="100000"/>
+              </a:lnSpc>
+              <a:buSzPct val="45000"/>
+              <a:buFont typeface="StarSymbol"/>
+              <a:buChar char="l"/>
+            </a:pPr>
+            <a:r>
+              <a:rPr lang="en-US" sz="2200">
+                <a:latin typeface="Calibri"/>
+              </a:rPr>
+              <a:t>Abstracción</a:t>
+            </a:r>
+            <a:endParaRPr/>
+          </a:p>
+          <a:p>
+            <a:pPr lvl="2">
+              <a:lnSpc>
+                <a:spcPct val="100000"/>
+              </a:lnSpc>
+              <a:buSzPct val="45000"/>
+              <a:buFont typeface="StarSymbol"/>
+              <a:buChar char="l"/>
+            </a:pPr>
+            <a:r>
+              <a:rPr lang="en-US" sz="2200">
+                <a:latin typeface="Calibri"/>
+              </a:rPr>
+              <a:t>Estabilidad</a:t>
+            </a:r>
+            <a:endParaRPr/>
+          </a:p>
+          <a:p>
+            <a:pPr lvl="1">
+              <a:lnSpc>
+                <a:spcPct val="100000"/>
+              </a:lnSpc>
+              <a:buSzPct val="45000"/>
+              <a:buFont typeface="StarSymbol"/>
+              <a:buChar char="l"/>
+            </a:pPr>
+            <a:r>
+              <a:rPr lang="en-US" sz="3200">
+                <a:latin typeface="Calibri"/>
+              </a:rPr>
+              <a:t>Estructurales</a:t>
+            </a:r>
+            <a:endParaRPr/>
+          </a:p>
+          <a:p>
+            <a:pPr lvl="2">
+              <a:lnSpc>
+                <a:spcPct val="100000"/>
+              </a:lnSpc>
+              <a:buSzPct val="45000"/>
+              <a:buFont typeface="StarSymbol"/>
+              <a:buChar char="l"/>
+            </a:pPr>
+            <a:r>
+              <a:rPr lang="en-US" sz="2200">
+                <a:latin typeface="Calibri"/>
+              </a:rPr>
+              <a:t>Código duplicado</a:t>
+            </a:r>
+            <a:endParaRPr/>
+          </a:p>
+          <a:p>
+            <a:pPr lvl="2">
+              <a:lnSpc>
+                <a:spcPct val="100000"/>
+              </a:lnSpc>
+              <a:buSzPct val="45000"/>
+              <a:buFont typeface="StarSymbol"/>
+              <a:buChar char="l"/>
+            </a:pPr>
+            <a:r>
+              <a:rPr lang="en-US" sz="2200">
+                <a:latin typeface="Calibri"/>
+              </a:rPr>
+              <a:t>Código muerto</a:t>
+            </a:r>
+            <a:endParaRPr/>
+          </a:p>
+          <a:p>
+            <a:pPr lvl="2">
+              <a:lnSpc>
+                <a:spcPct val="100000"/>
+              </a:lnSpc>
+              <a:buSzPct val="45000"/>
+              <a:buFont typeface="StarSymbol"/>
+              <a:buChar char="l"/>
+            </a:pPr>
+            <a:r>
+              <a:rPr lang="en-US" sz="2200">
+                <a:latin typeface="Calibri"/>
+              </a:rPr>
+              <a:t>Parámetros por método</a:t>
+            </a:r>
+            <a:endParaRPr/>
+          </a:p>
+          <a:p>
+            <a:pPr lvl="2">
+              <a:lnSpc>
+                <a:spcPct val="100000"/>
+              </a:lnSpc>
+              <a:buSzPct val="45000"/>
+              <a:buFont typeface="StarSymbol"/>
+              <a:buChar char="l"/>
+            </a:pPr>
+            <a:r>
+              <a:rPr lang="en-US" sz="2200">
+                <a:latin typeface="Calibri"/>
+              </a:rPr>
+              <a:t>Complejidad Ciclomática</a:t>
+            </a:r>
+            <a:endParaRPr/>
+          </a:p>
+          <a:p>
+            <a:pPr lvl="2">
+              <a:lnSpc>
+                <a:spcPct val="100000"/>
+              </a:lnSpc>
+              <a:buSzPct val="45000"/>
+              <a:buFont typeface="StarSymbol"/>
+              <a:buChar char="l"/>
+            </a:pPr>
+            <a:r>
+              <a:rPr lang="en-US" sz="2200">
+                <a:latin typeface="Calibri"/>
+              </a:rPr>
+              <a:t>LOC</a:t>
             </a:r>
             <a:endParaRPr/>
           </a:p>
@@ -7094,21 +6827,25 @@
       </p:grpSpPr>
       <p:sp>
         <p:nvSpPr>
-          <p:cNvPr id="147" name="TextShape 1"/>
-          <p:cNvSpPr txBox="1"/>
+          <p:cNvPr id="104" name="CustomShape 1"/>
+          <p:cNvSpPr/>
           <p:nvPr/>
         </p:nvSpPr>
         <p:spPr>
           <a:xfrm>
             <a:off x="457200" y="274680"/>
-            <a:ext cx="8229240" cy="1142640"/>
-          </a:xfrm>
-          <a:prstGeom prst="rect">
-            <a:avLst/>
-          </a:prstGeom>
-        </p:spPr>
-        <p:txBody>
-          <a:bodyPr anchor="ctr"/>
+            <a:ext cx="8227080" cy="1140480"/>
+          </a:xfrm>
+          <a:prstGeom prst="rect">
+            <a:avLst/>
+          </a:prstGeom>
+          <a:noFill/>
+          <a:ln>
+            <a:noFill/>
+          </a:ln>
+        </p:spPr>
+        <p:txBody>
+          <a:bodyPr lIns="90000" rIns="90000" tIns="45000" bIns="45000" anchor="ctr"/>
           <a:p>
             <a:pPr algn="ctr">
               <a:lnSpc>
@@ -7116,7 +6853,7 @@
               </a:lnSpc>
             </a:pPr>
             <a:r>
-              <a:rPr lang="es-ES" sz="2800">
+              <a:rPr lang="en-US" sz="2800">
                 <a:solidFill>
                   <a:srgbClr val="000000"/>
                 </a:solidFill>
@@ -7130,70 +6867,58 @@
       </p:sp>
       <p:sp>
         <p:nvSpPr>
-          <p:cNvPr id="148" name="TextShape 2"/>
-          <p:cNvSpPr txBox="1"/>
+          <p:cNvPr id="105" name="CustomShape 2"/>
+          <p:cNvSpPr/>
           <p:nvPr/>
         </p:nvSpPr>
         <p:spPr>
           <a:xfrm>
             <a:off x="6553080" y="6356520"/>
-            <a:ext cx="2133360" cy="364680"/>
-          </a:xfrm>
-          <a:prstGeom prst="rect">
-            <a:avLst/>
-          </a:prstGeom>
-        </p:spPr>
-        <p:txBody>
-          <a:bodyPr anchor="ctr"/>
-          <a:p>
-            <a:pPr algn="r">
-              <a:lnSpc>
-                <a:spcPct val="100000"/>
-              </a:lnSpc>
-            </a:pPr>
-            <a:fld id="{DBE5F807-B587-4244-A968-A1390966C8D0}" type="slidenum">
+            <a:ext cx="2131200" cy="362520"/>
+          </a:xfrm>
+          <a:prstGeom prst="rect">
+            <a:avLst/>
+          </a:prstGeom>
+          <a:noFill/>
+          <a:ln>
+            <a:noFill/>
+          </a:ln>
+        </p:spPr>
+      </p:sp>
+      <p:sp>
+        <p:nvSpPr>
+          <p:cNvPr id="106" name="CustomShape 3"/>
+          <p:cNvSpPr/>
+          <p:nvPr/>
+        </p:nvSpPr>
+        <p:spPr>
+          <a:xfrm>
+            <a:off x="548640" y="6357960"/>
+            <a:ext cx="6276960" cy="316440"/>
+          </a:xfrm>
+          <a:prstGeom prst="rect">
+            <a:avLst/>
+          </a:prstGeom>
+          <a:noFill/>
+          <a:ln>
+            <a:noFill/>
+          </a:ln>
+        </p:spPr>
+        <p:txBody>
+          <a:bodyPr lIns="90000" rIns="90000" tIns="45000" bIns="45000" anchor="ctr"/>
+          <a:p>
+            <a:pPr>
+              <a:lnSpc>
+                <a:spcPct val="100000"/>
+              </a:lnSpc>
+            </a:pPr>
+            <a:r>
               <a:rPr lang="en-US" sz="1200">
                 <a:solidFill>
                   <a:srgbClr val="8b8b8b"/>
                 </a:solidFill>
                 <a:latin typeface="Calibri"/>
               </a:rPr>
-              <a:t>&lt;number&gt;</a:t>
-            </a:fld>
-            <a:endParaRPr/>
-          </a:p>
-        </p:txBody>
-      </p:sp>
-      <p:sp>
-        <p:nvSpPr>
-          <p:cNvPr id="149" name="TextShape 3"/>
-          <p:cNvSpPr txBox="1"/>
-          <p:nvPr/>
-        </p:nvSpPr>
-        <p:spPr>
-          <a:xfrm>
-            <a:off x="548640" y="6357960"/>
-            <a:ext cx="6279120" cy="318600"/>
-          </a:xfrm>
-          <a:prstGeom prst="rect">
-            <a:avLst/>
-          </a:prstGeom>
-        </p:spPr>
-        <p:txBody>
-          <a:bodyPr anchor="ctr"/>
-          <a:p>
-            <a:pPr>
-              <a:lnSpc>
-                <a:spcPct val="100000"/>
-              </a:lnSpc>
-            </a:pPr>
-            <a:r>
-              <a:rPr lang="en-US" sz="1200">
-                <a:solidFill>
-                  <a:srgbClr val="8b8b8b"/>
-                </a:solidFill>
-                <a:latin typeface="Calibri"/>
-              </a:rPr>
               <a:t>Medición de calidad de código en proyectos Open Source en base a métricas</a:t>
             </a:r>
             <a:endParaRPr/>
@@ -7202,29 +6927,36 @@
       </p:sp>
       <p:sp>
         <p:nvSpPr>
-          <p:cNvPr id="150" name="TextShape 4"/>
-          <p:cNvSpPr txBox="1"/>
+          <p:cNvPr id="107" name="CustomShape 4"/>
+          <p:cNvSpPr/>
           <p:nvPr/>
         </p:nvSpPr>
         <p:spPr>
           <a:xfrm>
             <a:off x="274680" y="1005840"/>
-            <a:ext cx="8229240" cy="4525560"/>
-          </a:xfrm>
-          <a:prstGeom prst="rect">
-            <a:avLst/>
-          </a:prstGeom>
-        </p:spPr>
-        <p:txBody>
-          <a:bodyPr/>
-          <a:p>
-            <a:pPr>
+            <a:ext cx="8227080" cy="4523400"/>
+          </a:xfrm>
+          <a:prstGeom prst="rect">
+            <a:avLst/>
+          </a:prstGeom>
+          <a:noFill/>
+          <a:ln>
+            <a:noFill/>
+          </a:ln>
+        </p:spPr>
+        <p:txBody>
+          <a:bodyPr lIns="90000" rIns="90000" tIns="45000" bIns="45000"/>
+          <a:p>
+            <a:pPr lvl="1">
+              <a:lnSpc>
+                <a:spcPct val="100000"/>
+              </a:lnSpc>
               <a:buSzPct val="45000"/>
               <a:buFont typeface="StarSymbol"/>
-              <a:buChar char=""/>
-            </a:pPr>
-            <a:r>
-              <a:rPr lang="es-ES" sz="3200">
+              <a:buChar char="l"/>
+            </a:pPr>
+            <a:r>
+              <a:rPr lang="en-US" sz="3200">
                 <a:latin typeface="Calibri"/>
               </a:rPr>
               <a:t>cccc</a:t>
@@ -7232,88 +6964,103 @@
             <a:endParaRPr/>
           </a:p>
           <a:p>
-            <a:pPr lvl="1">
-              <a:buSzPct val="75000"/>
-              <a:buFont typeface="StarSymbol"/>
-              <a:buChar char=""/>
-            </a:pPr>
-            <a:r>
-              <a:rPr lang="es-ES" sz="2400">
-                <a:latin typeface="Calibri"/>
-              </a:rPr>
-              <a:t>Pros: Sin coste. Open source. Métricas Orientación a Objetos. Reportes Web.</a:t>
-            </a:r>
-            <a:endParaRPr/>
-          </a:p>
-          <a:p>
-            <a:pPr lvl="1">
-              <a:buSzPct val="75000"/>
-              <a:buFont typeface="StarSymbol"/>
-              <a:buChar char=""/>
-            </a:pPr>
-            <a:r>
-              <a:rPr lang="es-ES" sz="2400">
-                <a:latin typeface="Calibri"/>
-              </a:rPr>
-              <a:t>Cons: Sin soporte.</a:t>
-            </a:r>
-            <a:endParaRPr/>
-          </a:p>
-          <a:p>
-            <a:pPr>
+            <a:pPr lvl="2">
+              <a:lnSpc>
+                <a:spcPct val="100000"/>
+              </a:lnSpc>
               <a:buSzPct val="45000"/>
               <a:buFont typeface="StarSymbol"/>
-              <a:buChar char=""/>
-            </a:pPr>
-            <a:r>
-              <a:rPr lang="es-ES" sz="3200">
-                <a:latin typeface="Calibri"/>
-              </a:rPr>
-              <a:t>cppdepend</a:t>
-            </a:r>
-            <a:endParaRPr/>
-          </a:p>
-          <a:p>
-            <a:pPr lvl="1">
-              <a:buSzPct val="75000"/>
-              <a:buFont typeface="StarSymbol"/>
-              <a:buChar char=""/>
-            </a:pPr>
-            <a:r>
-              <a:rPr lang="es-ES" sz="2400">
-                <a:latin typeface="Calibri"/>
-              </a:rPr>
-              <a:t>Pros: Completa. </a:t>
-            </a:r>
-            <a:endParaRPr/>
-          </a:p>
-          <a:p>
-            <a:pPr lvl="1">
-              <a:buSzPct val="75000"/>
-              <a:buFont typeface="StarSymbol"/>
-              <a:buChar char=""/>
-            </a:pPr>
-            <a:r>
-              <a:rPr lang="es-ES" sz="2400">
-                <a:latin typeface="Calibri"/>
-              </a:rPr>
-              <a:t>Cons: Coste elevado por licencia. Privativa.</a:t>
-            </a:r>
-            <a:endParaRPr/>
-          </a:p>
-          <a:p>
-            <a:pPr>
+              <a:buChar char="l"/>
+            </a:pPr>
+            <a:r>
+              <a:rPr lang="en-US" sz="2400">
+                <a:latin typeface="Calibri"/>
+              </a:rPr>
+              <a:t>Pros: Sin coste. Open source. Métricas Orientación a Objetos. Reportes Web.</a:t>
+            </a:r>
+            <a:endParaRPr/>
+          </a:p>
+          <a:p>
+            <a:pPr lvl="2">
+              <a:lnSpc>
+                <a:spcPct val="100000"/>
+              </a:lnSpc>
               <a:buSzPct val="45000"/>
               <a:buFont typeface="StarSymbol"/>
-              <a:buChar char=""/>
-            </a:pPr>
+              <a:buChar char="l"/>
+            </a:pPr>
+            <a:r>
+              <a:rPr lang="en-US" sz="2400">
+                <a:latin typeface="Calibri"/>
+              </a:rPr>
+              <a:t>Cons: Sin soporte.</a:t>
+            </a:r>
             <a:endParaRPr/>
           </a:p>
           <a:p>
             <a:pPr lvl="1">
-              <a:buSzPct val="75000"/>
+              <a:lnSpc>
+                <a:spcPct val="100000"/>
+              </a:lnSpc>
+              <a:buSzPct val="45000"/>
               <a:buFont typeface="StarSymbol"/>
-              <a:buChar char=""/>
+              <a:buChar char="l"/>
+            </a:pPr>
+            <a:r>
+              <a:rPr lang="en-US" sz="3200">
+                <a:latin typeface="Calibri"/>
+              </a:rPr>
+              <a:t>cppdepend</a:t>
+            </a:r>
+            <a:endParaRPr/>
+          </a:p>
+          <a:p>
+            <a:pPr lvl="2">
+              <a:lnSpc>
+                <a:spcPct val="100000"/>
+              </a:lnSpc>
+              <a:buSzPct val="45000"/>
+              <a:buFont typeface="StarSymbol"/>
+              <a:buChar char="l"/>
+            </a:pPr>
+            <a:r>
+              <a:rPr lang="en-US" sz="2400">
+                <a:latin typeface="Calibri"/>
+              </a:rPr>
+              <a:t>Pros: Completa. </a:t>
+            </a:r>
+            <a:endParaRPr/>
+          </a:p>
+          <a:p>
+            <a:pPr lvl="2">
+              <a:lnSpc>
+                <a:spcPct val="100000"/>
+              </a:lnSpc>
+              <a:buSzPct val="45000"/>
+              <a:buFont typeface="StarSymbol"/>
+              <a:buChar char="l"/>
+            </a:pPr>
+            <a:r>
+              <a:rPr lang="en-US" sz="2400">
+                <a:latin typeface="Calibri"/>
+              </a:rPr>
+              <a:t>Cons: Coste elevado por licencia. Privativa.</a:t>
+            </a:r>
+            <a:endParaRPr/>
+          </a:p>
+          <a:p>
+            <a:pPr>
+              <a:lnSpc>
+                <a:spcPct val="100000"/>
+              </a:lnSpc>
+            </a:pPr>
+            <a:endParaRPr/>
+          </a:p>
+          <a:p>
+            <a:pPr>
+              <a:lnSpc>
+                <a:spcPct val="100000"/>
+              </a:lnSpc>
             </a:pPr>
             <a:endParaRPr/>
           </a:p>
@@ -7370,21 +7117,25 @@
       </p:grpSpPr>
       <p:sp>
         <p:nvSpPr>
-          <p:cNvPr id="151" name="TextShape 1"/>
-          <p:cNvSpPr txBox="1"/>
+          <p:cNvPr id="108" name="CustomShape 1"/>
+          <p:cNvSpPr/>
           <p:nvPr/>
         </p:nvSpPr>
         <p:spPr>
           <a:xfrm>
             <a:off x="457200" y="274680"/>
-            <a:ext cx="8229240" cy="1142640"/>
-          </a:xfrm>
-          <a:prstGeom prst="rect">
-            <a:avLst/>
-          </a:prstGeom>
-        </p:spPr>
-        <p:txBody>
-          <a:bodyPr anchor="ctr"/>
+            <a:ext cx="8227080" cy="1140480"/>
+          </a:xfrm>
+          <a:prstGeom prst="rect">
+            <a:avLst/>
+          </a:prstGeom>
+          <a:noFill/>
+          <a:ln>
+            <a:noFill/>
+          </a:ln>
+        </p:spPr>
+        <p:txBody>
+          <a:bodyPr lIns="90000" rIns="90000" tIns="45000" bIns="45000" anchor="ctr"/>
           <a:p>
             <a:pPr algn="ctr">
               <a:lnSpc>
@@ -7392,7 +7143,7 @@
               </a:lnSpc>
             </a:pPr>
             <a:r>
-              <a:rPr lang="es-ES" sz="2800">
+              <a:rPr lang="en-US" sz="2800">
                 <a:solidFill>
                   <a:srgbClr val="000000"/>
                 </a:solidFill>
@@ -7406,70 +7157,58 @@
       </p:sp>
       <p:sp>
         <p:nvSpPr>
-          <p:cNvPr id="152" name="TextShape 2"/>
-          <p:cNvSpPr txBox="1"/>
+          <p:cNvPr id="109" name="CustomShape 2"/>
+          <p:cNvSpPr/>
           <p:nvPr/>
         </p:nvSpPr>
         <p:spPr>
           <a:xfrm>
             <a:off x="6553080" y="6356520"/>
-            <a:ext cx="2133360" cy="364680"/>
-          </a:xfrm>
-          <a:prstGeom prst="rect">
-            <a:avLst/>
-          </a:prstGeom>
-        </p:spPr>
-        <p:txBody>
-          <a:bodyPr anchor="ctr"/>
-          <a:p>
-            <a:pPr algn="r">
-              <a:lnSpc>
-                <a:spcPct val="100000"/>
-              </a:lnSpc>
-            </a:pPr>
-            <a:fld id="{160BD87E-D439-4DFF-8009-9B2ABBF0CCCC}" type="slidenum">
+            <a:ext cx="2131200" cy="362520"/>
+          </a:xfrm>
+          <a:prstGeom prst="rect">
+            <a:avLst/>
+          </a:prstGeom>
+          <a:noFill/>
+          <a:ln>
+            <a:noFill/>
+          </a:ln>
+        </p:spPr>
+      </p:sp>
+      <p:sp>
+        <p:nvSpPr>
+          <p:cNvPr id="110" name="CustomShape 3"/>
+          <p:cNvSpPr/>
+          <p:nvPr/>
+        </p:nvSpPr>
+        <p:spPr>
+          <a:xfrm>
+            <a:off x="548640" y="6357960"/>
+            <a:ext cx="6276960" cy="316440"/>
+          </a:xfrm>
+          <a:prstGeom prst="rect">
+            <a:avLst/>
+          </a:prstGeom>
+          <a:noFill/>
+          <a:ln>
+            <a:noFill/>
+          </a:ln>
+        </p:spPr>
+        <p:txBody>
+          <a:bodyPr lIns="90000" rIns="90000" tIns="45000" bIns="45000" anchor="ctr"/>
+          <a:p>
+            <a:pPr>
+              <a:lnSpc>
+                <a:spcPct val="100000"/>
+              </a:lnSpc>
+            </a:pPr>
+            <a:r>
               <a:rPr lang="en-US" sz="1200">
                 <a:solidFill>
                   <a:srgbClr val="8b8b8b"/>
                 </a:solidFill>
                 <a:latin typeface="Calibri"/>
               </a:rPr>
-              <a:t>&lt;number&gt;</a:t>
-            </a:fld>
-            <a:endParaRPr/>
-          </a:p>
-        </p:txBody>
-      </p:sp>
-      <p:sp>
-        <p:nvSpPr>
-          <p:cNvPr id="153" name="TextShape 3"/>
-          <p:cNvSpPr txBox="1"/>
-          <p:nvPr/>
-        </p:nvSpPr>
-        <p:spPr>
-          <a:xfrm>
-            <a:off x="548640" y="6357960"/>
-            <a:ext cx="6279120" cy="318600"/>
-          </a:xfrm>
-          <a:prstGeom prst="rect">
-            <a:avLst/>
-          </a:prstGeom>
-        </p:spPr>
-        <p:txBody>
-          <a:bodyPr anchor="ctr"/>
-          <a:p>
-            <a:pPr>
-              <a:lnSpc>
-                <a:spcPct val="100000"/>
-              </a:lnSpc>
-            </a:pPr>
-            <a:r>
-              <a:rPr lang="en-US" sz="1200">
-                <a:solidFill>
-                  <a:srgbClr val="8b8b8b"/>
-                </a:solidFill>
-                <a:latin typeface="Calibri"/>
-              </a:rPr>
               <a:t>Medición de calidad de código en proyectos Open Source en base a métricas</a:t>
             </a:r>
             <a:endParaRPr/>
@@ -7478,29 +7217,36 @@
       </p:sp>
       <p:sp>
         <p:nvSpPr>
-          <p:cNvPr id="154" name="TextShape 4"/>
-          <p:cNvSpPr txBox="1"/>
+          <p:cNvPr id="111" name="CustomShape 4"/>
+          <p:cNvSpPr/>
           <p:nvPr/>
         </p:nvSpPr>
         <p:spPr>
           <a:xfrm>
             <a:off x="365760" y="1280160"/>
-            <a:ext cx="8229240" cy="4525560"/>
-          </a:xfrm>
-          <a:prstGeom prst="rect">
-            <a:avLst/>
-          </a:prstGeom>
-        </p:spPr>
-        <p:txBody>
-          <a:bodyPr/>
-          <a:p>
-            <a:pPr>
+            <a:ext cx="8227080" cy="4523400"/>
+          </a:xfrm>
+          <a:prstGeom prst="rect">
+            <a:avLst/>
+          </a:prstGeom>
+          <a:noFill/>
+          <a:ln>
+            <a:noFill/>
+          </a:ln>
+        </p:spPr>
+        <p:txBody>
+          <a:bodyPr lIns="90000" rIns="90000" tIns="45000" bIns="45000"/>
+          <a:p>
+            <a:pPr lvl="1">
+              <a:lnSpc>
+                <a:spcPct val="100000"/>
+              </a:lnSpc>
               <a:buSzPct val="45000"/>
               <a:buFont typeface="StarSymbol"/>
-              <a:buChar char=""/>
-            </a:pPr>
-            <a:r>
-              <a:rPr lang="es-ES" sz="3200">
+              <a:buChar char="l"/>
+            </a:pPr>
+            <a:r>
+              <a:rPr lang="en-US" sz="3200">
                 <a:latin typeface="Calibri"/>
               </a:rPr>
               <a:t>pmd / cpd</a:t>
@@ -7508,83 +7254,101 @@
             <a:endParaRPr/>
           </a:p>
           <a:p>
-            <a:pPr lvl="1">
-              <a:buSzPct val="75000"/>
-              <a:buFont typeface="StarSymbol"/>
-              <a:buChar char=""/>
-            </a:pPr>
-            <a:r>
-              <a:rPr lang="es-ES" sz="2400">
-                <a:latin typeface="Calibri"/>
-              </a:rPr>
-              <a:t>Pros: cpd: Detección de código duplicado.</a:t>
-            </a:r>
-            <a:endParaRPr/>
-          </a:p>
-          <a:p>
-            <a:pPr lvl="1">
-              <a:buSzPct val="75000"/>
-              <a:buFont typeface="StarSymbol"/>
-              <a:buChar char=""/>
-            </a:pPr>
-            <a:r>
-              <a:rPr lang="es-ES" sz="2400">
-                <a:latin typeface="Calibri"/>
-              </a:rPr>
-              <a:t>Cons:Análisis sintáctico: sólo Java.</a:t>
-            </a:r>
-            <a:endParaRPr/>
-          </a:p>
-          <a:p>
-            <a:pPr>
+            <a:pPr lvl="2">
+              <a:lnSpc>
+                <a:spcPct val="100000"/>
+              </a:lnSpc>
               <a:buSzPct val="45000"/>
               <a:buFont typeface="StarSymbol"/>
-              <a:buChar char=""/>
-            </a:pPr>
-            <a:r>
-              <a:rPr lang="es-ES" sz="3200">
-                <a:latin typeface="Calibri"/>
-              </a:rPr>
-              <a:t>cppcheck</a:t>
-            </a:r>
-            <a:endParaRPr/>
-          </a:p>
-          <a:p>
-            <a:pPr lvl="1">
-              <a:buSzPct val="75000"/>
-              <a:buFont typeface="StarSymbol"/>
-              <a:buChar char=""/>
-            </a:pPr>
-            <a:r>
-              <a:rPr lang="es-ES" sz="2400">
-                <a:latin typeface="Calibri"/>
-              </a:rPr>
-              <a:t>Pros: uso Extendido.</a:t>
-            </a:r>
-            <a:endParaRPr/>
-          </a:p>
-          <a:p>
-            <a:pPr lvl="1">
-              <a:buSzPct val="75000"/>
-              <a:buFont typeface="StarSymbol"/>
-              <a:buChar char=""/>
-            </a:pPr>
-            <a:r>
-              <a:rPr lang="es-ES" sz="2400">
-                <a:latin typeface="Calibri"/>
-              </a:rPr>
-              <a:t>Cons: Más orientada a análisis sintáctico.</a:t>
-            </a:r>
-            <a:endParaRPr/>
-          </a:p>
-          <a:p>
-            <a:pPr>
+              <a:buChar char="l"/>
+            </a:pPr>
+            <a:r>
+              <a:rPr lang="en-US" sz="2400">
+                <a:latin typeface="Calibri"/>
+              </a:rPr>
+              <a:t>Pros: cpd: Detección de código duplicado.</a:t>
+            </a:r>
+            <a:endParaRPr/>
+          </a:p>
+          <a:p>
+            <a:pPr lvl="2">
+              <a:lnSpc>
+                <a:spcPct val="100000"/>
+              </a:lnSpc>
               <a:buSzPct val="45000"/>
               <a:buFont typeface="StarSymbol"/>
-              <a:buChar char=""/>
-            </a:pPr>
-            <a:r>
-              <a:rPr lang="es-ES" sz="3200">
+              <a:buChar char="l"/>
+            </a:pPr>
+            <a:r>
+              <a:rPr lang="en-US" sz="2400">
+                <a:latin typeface="Calibri"/>
+              </a:rPr>
+              <a:t>Cons:Análisis sintáctico: sólo Java.</a:t>
+            </a:r>
+            <a:endParaRPr/>
+          </a:p>
+          <a:p>
+            <a:pPr lvl="1">
+              <a:lnSpc>
+                <a:spcPct val="100000"/>
+              </a:lnSpc>
+              <a:buSzPct val="45000"/>
+              <a:buFont typeface="StarSymbol"/>
+              <a:buChar char="l"/>
+            </a:pPr>
+            <a:r>
+              <a:rPr lang="en-US" sz="3200">
+                <a:latin typeface="Calibri"/>
+              </a:rPr>
+              <a:t>cppcheck</a:t>
+            </a:r>
+            <a:endParaRPr/>
+          </a:p>
+          <a:p>
+            <a:pPr lvl="2">
+              <a:lnSpc>
+                <a:spcPct val="100000"/>
+              </a:lnSpc>
+              <a:buSzPct val="45000"/>
+              <a:buFont typeface="StarSymbol"/>
+              <a:buChar char="l"/>
+            </a:pPr>
+            <a:r>
+              <a:rPr lang="en-US" sz="2400">
+                <a:latin typeface="Calibri"/>
+              </a:rPr>
+              <a:t>Pros: uso Extendido.</a:t>
+            </a:r>
+            <a:endParaRPr/>
+          </a:p>
+          <a:p>
+            <a:pPr lvl="2">
+              <a:lnSpc>
+                <a:spcPct val="100000"/>
+              </a:lnSpc>
+              <a:buSzPct val="45000"/>
+              <a:buFont typeface="StarSymbol"/>
+              <a:buChar char="l"/>
+            </a:pPr>
+            <a:r>
+              <a:rPr lang="en-US" sz="2400">
+                <a:latin typeface="Calibri"/>
+              </a:rPr>
+              <a:t>Cons: Más orientada a análisis sintáctico.</a:t>
+            </a:r>
+            <a:endParaRPr/>
+          </a:p>
+          <a:p>
+            <a:pPr lvl="1">
+              <a:lnSpc>
+                <a:spcPct val="100000"/>
+              </a:lnSpc>
+              <a:buSzPct val="45000"/>
+              <a:buFont typeface="StarSymbol"/>
+              <a:buChar char="l"/>
+            </a:pPr>
+            <a:r>
+              <a:rPr lang="en-US" sz="3200">
                 <a:latin typeface="Calibri"/>
               </a:rPr>
               <a:t>vera++</a:t>
@@ -7592,13 +7356,16 @@
             <a:endParaRPr/>
           </a:p>
           <a:p>
-            <a:pPr lvl="1">
-              <a:buSzPct val="75000"/>
+            <a:pPr lvl="2">
+              <a:lnSpc>
+                <a:spcPct val="100000"/>
+              </a:lnSpc>
+              <a:buSzPct val="45000"/>
               <a:buFont typeface="StarSymbol"/>
-              <a:buChar char=""/>
-            </a:pPr>
-            <a:r>
-              <a:rPr lang="es-ES" sz="2400">
+              <a:buChar char="l"/>
+            </a:pPr>
+            <a:r>
+              <a:rPr lang="en-US" sz="2400">
                 <a:latin typeface="Calibri"/>
               </a:rPr>
               <a:t>Pros: Facilidad de uso. Extensibilidad.</a:t>
@@ -7606,40 +7373,43 @@
             <a:endParaRPr/>
           </a:p>
           <a:p>
-            <a:pPr lvl="1">
-              <a:buSzPct val="75000"/>
+            <a:pPr lvl="2">
+              <a:lnSpc>
+                <a:spcPct val="100000"/>
+              </a:lnSpc>
+              <a:buSzPct val="45000"/>
               <a:buFont typeface="StarSymbol"/>
-              <a:buChar char=""/>
-            </a:pPr>
-            <a:r>
-              <a:rPr lang="es-ES" sz="2400">
-                <a:latin typeface="Calibri"/>
-              </a:rPr>
-              <a:t>Cons: Centrada en formato. Faltan métricas.</a:t>
-            </a:r>
-            <a:endParaRPr/>
-          </a:p>
-          <a:p>
-            <a:pPr lvl="1">
-              <a:buSzPct val="75000"/>
-              <a:buFont typeface="StarSymbol"/>
-              <a:buChar char=""/>
-            </a:pPr>
-            <a:endParaRPr/>
-          </a:p>
-          <a:p>
-            <a:pPr lvl="1">
-              <a:buSzPct val="75000"/>
-              <a:buFont typeface="StarSymbol"/>
-              <a:buChar char=""/>
-            </a:pPr>
-            <a:endParaRPr/>
-          </a:p>
-          <a:p>
-            <a:pPr lvl="1">
-              <a:buSzPct val="75000"/>
-              <a:buFont typeface="StarSymbol"/>
-              <a:buChar char=""/>
+              <a:buChar char="l"/>
+            </a:pPr>
+            <a:r>
+              <a:rPr lang="en-US" sz="2400">
+                <a:latin typeface="Calibri"/>
+              </a:rPr>
+              <a:t>Cons: Centrada en formato.</a:t>
+            </a:r>
+            <a:endParaRPr/>
+          </a:p>
+          <a:p>
+            <a:pPr>
+              <a:lnSpc>
+                <a:spcPct val="100000"/>
+              </a:lnSpc>
+            </a:pPr>
+            <a:endParaRPr/>
+          </a:p>
+          <a:p>
+            <a:pPr>
+              <a:lnSpc>
+                <a:spcPct val="100000"/>
+              </a:lnSpc>
+            </a:pPr>
+            <a:endParaRPr/>
+          </a:p>
+          <a:p>
+            <a:pPr>
+              <a:lnSpc>
+                <a:spcPct val="100000"/>
+              </a:lnSpc>
             </a:pPr>
             <a:endParaRPr/>
           </a:p>
@@ -7696,21 +7466,25 @@
       </p:grpSpPr>
       <p:sp>
         <p:nvSpPr>
-          <p:cNvPr id="155" name="TextShape 1"/>
-          <p:cNvSpPr txBox="1"/>
+          <p:cNvPr id="112" name="CustomShape 1"/>
+          <p:cNvSpPr/>
           <p:nvPr/>
         </p:nvSpPr>
         <p:spPr>
           <a:xfrm>
             <a:off x="457200" y="274680"/>
-            <a:ext cx="8229240" cy="1142640"/>
-          </a:xfrm>
-          <a:prstGeom prst="rect">
-            <a:avLst/>
-          </a:prstGeom>
-        </p:spPr>
-        <p:txBody>
-          <a:bodyPr anchor="ctr"/>
+            <a:ext cx="8227080" cy="1140480"/>
+          </a:xfrm>
+          <a:prstGeom prst="rect">
+            <a:avLst/>
+          </a:prstGeom>
+          <a:noFill/>
+          <a:ln>
+            <a:noFill/>
+          </a:ln>
+        </p:spPr>
+        <p:txBody>
+          <a:bodyPr lIns="90000" rIns="90000" tIns="45000" bIns="45000" anchor="ctr"/>
           <a:p>
             <a:pPr algn="ctr">
               <a:lnSpc>
@@ -7718,7 +7492,7 @@
               </a:lnSpc>
             </a:pPr>
             <a:r>
-              <a:rPr lang="es-ES" sz="2800">
+              <a:rPr lang="en-US" sz="2800">
                 <a:solidFill>
                   <a:srgbClr val="000000"/>
                 </a:solidFill>
@@ -7732,57 +7506,130 @@
       </p:sp>
       <p:sp>
         <p:nvSpPr>
-          <p:cNvPr id="156" name="TextShape 2"/>
-          <p:cNvSpPr txBox="1"/>
+          <p:cNvPr id="113" name="CustomShape 2"/>
+          <p:cNvSpPr/>
           <p:nvPr/>
         </p:nvSpPr>
         <p:spPr>
           <a:xfrm>
             <a:off x="6553080" y="6356520"/>
-            <a:ext cx="2133360" cy="364680"/>
-          </a:xfrm>
-          <a:prstGeom prst="rect">
-            <a:avLst/>
-          </a:prstGeom>
-        </p:spPr>
-        <p:txBody>
-          <a:bodyPr anchor="ctr"/>
-          <a:p>
-            <a:pPr algn="r">
-              <a:lnSpc>
-                <a:spcPct val="100000"/>
-              </a:lnSpc>
-            </a:pPr>
-            <a:fld id="{2733F832-0CF2-4FC4-BDEA-39B1CB088E7C}" type="slidenum">
+            <a:ext cx="2131200" cy="362520"/>
+          </a:xfrm>
+          <a:prstGeom prst="rect">
+            <a:avLst/>
+          </a:prstGeom>
+          <a:noFill/>
+          <a:ln>
+            <a:noFill/>
+          </a:ln>
+        </p:spPr>
+      </p:sp>
+      <p:sp>
+        <p:nvSpPr>
+          <p:cNvPr id="114" name="CustomShape 3"/>
+          <p:cNvSpPr/>
+          <p:nvPr/>
+        </p:nvSpPr>
+        <p:spPr>
+          <a:xfrm>
+            <a:off x="580320" y="6357960"/>
+            <a:ext cx="6276960" cy="316440"/>
+          </a:xfrm>
+          <a:prstGeom prst="rect">
+            <a:avLst/>
+          </a:prstGeom>
+          <a:noFill/>
+          <a:ln>
+            <a:noFill/>
+          </a:ln>
+        </p:spPr>
+        <p:txBody>
+          <a:bodyPr lIns="90000" rIns="90000" tIns="45000" bIns="45000" anchor="ctr"/>
+          <a:p>
+            <a:pPr>
+              <a:lnSpc>
+                <a:spcPct val="100000"/>
+              </a:lnSpc>
+            </a:pPr>
+            <a:r>
               <a:rPr lang="en-US" sz="1200">
                 <a:solidFill>
                   <a:srgbClr val="8b8b8b"/>
                 </a:solidFill>
                 <a:latin typeface="Calibri"/>
               </a:rPr>
-              <a:t>&lt;number&gt;</a:t>
-            </a:fld>
-            <a:endParaRPr/>
-          </a:p>
-        </p:txBody>
-      </p:sp>
-      <p:sp>
-        <p:nvSpPr>
-          <p:cNvPr id="157" name="TextShape 3"/>
-          <p:cNvSpPr txBox="1"/>
-          <p:nvPr/>
-        </p:nvSpPr>
-        <p:spPr>
-          <a:xfrm>
-            <a:off x="548640" y="6357960"/>
-            <a:ext cx="6279120" cy="318600"/>
-          </a:xfrm>
-          <a:prstGeom prst="rect">
-            <a:avLst/>
-          </a:prstGeom>
-        </p:spPr>
-        <p:txBody>
-          <a:bodyPr anchor="ctr"/>
+              <a:t>Medición de calidad de código en proyectos Open Source en base a métricas</a:t>
+            </a:r>
+            <a:endParaRPr/>
+          </a:p>
+        </p:txBody>
+      </p:sp>
+      <p:sp>
+        <p:nvSpPr>
+          <p:cNvPr id="115" name="CustomShape 4"/>
+          <p:cNvSpPr/>
+          <p:nvPr/>
+        </p:nvSpPr>
+        <p:spPr>
+          <a:xfrm>
+            <a:off x="457560" y="1137960"/>
+            <a:ext cx="7497000" cy="5079240"/>
+          </a:xfrm>
+          <a:prstGeom prst="rect">
+            <a:avLst/>
+          </a:prstGeom>
+          <a:noFill/>
+          <a:ln>
+            <a:noFill/>
+          </a:ln>
+        </p:spPr>
+        <p:txBody>
+          <a:bodyPr lIns="90000" rIns="90000" tIns="45000" bIns="45000"/>
+          <a:p>
+            <a:pPr lvl="1">
+              <a:lnSpc>
+                <a:spcPct val="100000"/>
+              </a:lnSpc>
+              <a:buSzPct val="45000"/>
+              <a:buFont typeface="StarSymbol"/>
+              <a:buChar char="l"/>
+            </a:pPr>
+            <a:endParaRPr/>
+          </a:p>
+          <a:p>
+            <a:pPr lvl="1">
+              <a:lnSpc>
+                <a:spcPct val="100000"/>
+              </a:lnSpc>
+              <a:buSzPct val="45000"/>
+              <a:buFont typeface="StarSymbol"/>
+              <a:buChar char="l"/>
+            </a:pPr>
+            <a:endParaRPr/>
+          </a:p>
+          <a:p>
+            <a:pPr lvl="1">
+              <a:lnSpc>
+                <a:spcPct val="100000"/>
+              </a:lnSpc>
+              <a:buSzPct val="45000"/>
+              <a:buFont typeface="StarSymbol"/>
+              <a:buChar char="l"/>
+            </a:pPr>
+            <a:r>
+              <a:rPr lang="en-US" sz="4000">
+                <a:latin typeface="Calibri"/>
+              </a:rPr>
+              <a:t>→ </a:t>
+            </a:r>
+            <a:r>
+              <a:rPr lang="en-US" sz="4000">
+                <a:latin typeface="Calibri"/>
+              </a:rPr>
+              <a:t>Simple</a:t>
+            </a:r>
+            <a:endParaRPr/>
+          </a:p>
           <a:p>
             <a:pPr>
               <a:lnSpc>
@@ -7790,14 +7637,123 @@
               </a:lnSpc>
             </a:pPr>
             <a:r>
-              <a:rPr lang="en-US" sz="1200">
-                <a:solidFill>
-                  <a:srgbClr val="8b8b8b"/>
-                </a:solidFill>
-                <a:latin typeface="Calibri"/>
-              </a:rPr>
-              <a:t>Medición de calidad de código en proyectos Open Source en base a métricas</a:t>
-            </a:r>
+              <a:rPr lang="en-US" sz="4000">
+                <a:latin typeface="Calibri"/>
+              </a:rPr>
+              <a:t>	</a:t>
+            </a:r>
+            <a:r>
+              <a:rPr lang="en-US" sz="4000">
+                <a:latin typeface="Calibri"/>
+              </a:rPr>
+              <a:t>→ </a:t>
+            </a:r>
+            <a:r>
+              <a:rPr lang="en-US" sz="4000">
+                <a:latin typeface="Calibri"/>
+              </a:rPr>
+              <a:t>Fácil implementación</a:t>
+            </a:r>
+            <a:endParaRPr/>
+          </a:p>
+          <a:p>
+            <a:pPr>
+              <a:lnSpc>
+                <a:spcPct val="100000"/>
+              </a:lnSpc>
+            </a:pPr>
+            <a:r>
+              <a:rPr lang="en-US" sz="4000">
+                <a:latin typeface="Calibri"/>
+              </a:rPr>
+              <a:t>	</a:t>
+            </a:r>
+            <a:r>
+              <a:rPr lang="en-US" sz="4000">
+                <a:latin typeface="Calibri"/>
+              </a:rPr>
+              <a:t>→ </a:t>
+            </a:r>
+            <a:r>
+              <a:rPr lang="en-US" sz="4000">
+                <a:latin typeface="Calibri"/>
+              </a:rPr>
+              <a:t>Iterativo</a:t>
+            </a:r>
+            <a:endParaRPr/>
+          </a:p>
+          <a:p>
+            <a:pPr>
+              <a:lnSpc>
+                <a:spcPct val="100000"/>
+              </a:lnSpc>
+            </a:pPr>
+            <a:r>
+              <a:rPr lang="en-US" sz="4000">
+                <a:latin typeface="Calibri"/>
+              </a:rPr>
+              <a:t>	</a:t>
+            </a:r>
+            <a:r>
+              <a:rPr lang="en-US" sz="4000">
+                <a:latin typeface="Calibri"/>
+              </a:rPr>
+              <a:t>→ </a:t>
+            </a:r>
+            <a:r>
+              <a:rPr lang="en-US" sz="4000">
+                <a:latin typeface="Calibri"/>
+              </a:rPr>
+              <a:t>Automatizable</a:t>
+            </a:r>
+            <a:endParaRPr/>
+          </a:p>
+          <a:p>
+            <a:pPr>
+              <a:lnSpc>
+                <a:spcPct val="100000"/>
+              </a:lnSpc>
+            </a:pPr>
+            <a:r>
+              <a:rPr lang="en-US" sz="4000">
+                <a:latin typeface="Calibri"/>
+              </a:rPr>
+              <a:t>	</a:t>
+            </a:r>
+            <a:r>
+              <a:rPr lang="en-US" sz="4000">
+                <a:latin typeface="Calibri"/>
+              </a:rPr>
+              <a:t>→ </a:t>
+            </a:r>
+            <a:r>
+              <a:rPr lang="en-US" sz="4000">
+                <a:latin typeface="Calibri"/>
+              </a:rPr>
+              <a:t>Basado en Open Source</a:t>
+            </a:r>
+            <a:endParaRPr/>
+          </a:p>
+          <a:p>
+            <a:pPr lvl="1">
+              <a:lnSpc>
+                <a:spcPct val="100000"/>
+              </a:lnSpc>
+              <a:buSzPct val="45000"/>
+              <a:buFont typeface="StarSymbol"/>
+              <a:buChar char="l"/>
+            </a:pPr>
+            <a:endParaRPr/>
+          </a:p>
+          <a:p>
+            <a:pPr lvl="3">
+              <a:lnSpc>
+                <a:spcPct val="100000"/>
+              </a:lnSpc>
+              <a:buSzPct val="45000"/>
+              <a:buFont typeface="StarSymbol"/>
+              <a:buChar char="l"/>
+            </a:pPr>
             <a:endParaRPr/>
           </a:p>
         </p:txBody>
@@ -8278,227 +8234,4 @@
     </a:fmtScheme>
   </a:themeElements>
 </a:theme>
-</file>
-
-<file path=ppt/theme/theme3.xml><?xml version="1.0" encoding="utf-8"?>
-<a:theme xmlns:a="http://schemas.openxmlformats.org/drawingml/2006/main" name="Office Theme">
-  <a:themeElements>
-    <a:clrScheme name="Office">
-      <a:dk1>
-        <a:sysClr val="windowText" lastClr="000000"/>
-      </a:dk1>
-      <a:lt1>
-        <a:sysClr val="window" lastClr="FFFFFF"/>
-      </a:lt1>
-      <a:dk2>
-        <a:srgbClr val="1F497D"/>
-      </a:dk2>
-      <a:lt2>
-        <a:srgbClr val="EEECE1"/>
-      </a:lt2>
-      <a:accent1>
-        <a:srgbClr val="4F81BD"/>
-      </a:accent1>
-      <a:accent2>
-        <a:srgbClr val="C0504D"/>
-      </a:accent2>
-      <a:accent3>
-        <a:srgbClr val="9BBB59"/>
-      </a:accent3>
-      <a:accent4>
-        <a:srgbClr val="8064A2"/>
-      </a:accent4>
-      <a:accent5>
-        <a:srgbClr val="4BACC6"/>
-      </a:accent5>
-      <a:accent6>
-        <a:srgbClr val="F79646"/>
-      </a:accent6>
-      <a:hlink>
-        <a:srgbClr val="0000FF"/>
-      </a:hlink>
-      <a:folHlink>
-        <a:srgbClr val="800080"/>
-      </a:folHlink>
-    </a:clrScheme>
-    <a:fontScheme name="Office">
-      <a:majorFont>
-        <a:latin typeface="Arial"/>
-        <a:ea typeface="DejaVu Sans"/>
-        <a:cs typeface="DejaVu Sans"/>
-      </a:majorFont>
-      <a:minorFont>
-        <a:latin typeface="Arial"/>
-        <a:ea typeface="DejaVu Sans"/>
-        <a:cs typeface="DejaVu Sans"/>
-      </a:minorFont>
-    </a:fontScheme>
-    <a:fmtScheme name="Office">
-      <a:fillStyleLst>
-        <a:solidFill>
-          <a:schemeClr val="phClr"/>
-        </a:solidFill>
-        <a:gradFill rotWithShape="1">
-          <a:gsLst>
-            <a:gs pos="0">
-              <a:schemeClr val="phClr">
-                <a:tint val="50000"/>
-                <a:satMod val="300000"/>
-              </a:schemeClr>
-            </a:gs>
-            <a:gs pos="35000">
-              <a:schemeClr val="phClr">
-                <a:tint val="37000"/>
-                <a:satMod val="300000"/>
-              </a:schemeClr>
-            </a:gs>
-            <a:gs pos="100000">
-              <a:schemeClr val="phClr">
-                <a:tint val="15000"/>
-                <a:satMod val="350000"/>
-              </a:schemeClr>
-            </a:gs>
-          </a:gsLst>
-          <a:lin ang="16200000" scaled="1"/>
-        </a:gradFill>
-        <a:gradFill rotWithShape="1">
-          <a:gsLst>
-            <a:gs pos="0">
-              <a:schemeClr val="phClr">
-                <a:shade val="51000"/>
-                <a:satMod val="130000"/>
-              </a:schemeClr>
-            </a:gs>
-            <a:gs pos="80000">
-              <a:schemeClr val="phClr">
-                <a:shade val="93000"/>
-                <a:satMod val="130000"/>
-              </a:schemeClr>
-            </a:gs>
-            <a:gs pos="100000">
-              <a:schemeClr val="phClr">
-                <a:shade val="94000"/>
-                <a:satMod val="135000"/>
-              </a:schemeClr>
-            </a:gs>
-          </a:gsLst>
-          <a:lin ang="16200000" scaled="0"/>
-        </a:gradFill>
-      </a:fillStyleLst>
-      <a:lnStyleLst>
-        <a:ln w="9525" cap="flat" cmpd="sng" algn="ctr">
-          <a:solidFill>
-            <a:schemeClr val="phClr">
-              <a:shade val="95000"/>
-              <a:satMod val="105000"/>
-            </a:schemeClr>
-          </a:solidFill>
-          <a:prstDash val="solid"/>
-        </a:ln>
-        <a:ln w="25400" cap="flat" cmpd="sng" algn="ctr">
-          <a:solidFill>
-            <a:schemeClr val="phClr"/>
-          </a:solidFill>
-          <a:prstDash val="solid"/>
-        </a:ln>
-        <a:ln w="38100" cap="flat" cmpd="sng" algn="ctr">
-          <a:solidFill>
-            <a:schemeClr val="phClr"/>
-          </a:solidFill>
-          <a:prstDash val="solid"/>
-        </a:ln>
-      </a:lnStyleLst>
-      <a:effectStyleLst>
-        <a:effectStyle>
-          <a:effectLst>
-            <a:outerShdw blurRad="40000" dist="20000" dir="5400000" rotWithShape="0">
-              <a:srgbClr val="000000">
-                <a:alpha val="38000"/>
-              </a:srgbClr>
-            </a:outerShdw>
-          </a:effectLst>
-        </a:effectStyle>
-        <a:effectStyle>
-          <a:effectLst>
-            <a:outerShdw blurRad="40000" dist="23000" dir="5400000" rotWithShape="0">
-              <a:srgbClr val="000000">
-                <a:alpha val="35000"/>
-              </a:srgbClr>
-            </a:outerShdw>
-          </a:effectLst>
-        </a:effectStyle>
-        <a:effectStyle>
-          <a:effectLst>
-            <a:outerShdw blurRad="40000" dist="23000" dir="5400000" rotWithShape="0">
-              <a:srgbClr val="000000">
-                <a:alpha val="35000"/>
-              </a:srgbClr>
-            </a:outerShdw>
-          </a:effectLst>
-          <a:scene3d>
-            <a:camera prst="orthographicFront">
-              <a:rot lat="0" lon="0" rev="0"/>
-            </a:camera>
-            <a:lightRig rig="threePt" dir="t">
-              <a:rot lat="0" lon="0" rev="1200000"/>
-            </a:lightRig>
-          </a:scene3d>
-          <a:sp3d>
-            <a:bevelT w="63500" h="25400"/>
-          </a:sp3d>
-        </a:effectStyle>
-      </a:effectStyleLst>
-      <a:bgFillStyleLst>
-        <a:solidFill>
-          <a:schemeClr val="phClr"/>
-        </a:solidFill>
-        <a:gradFill rotWithShape="1">
-          <a:gsLst>
-            <a:gs pos="0">
-              <a:schemeClr val="phClr">
-                <a:tint val="40000"/>
-                <a:satMod val="350000"/>
-              </a:schemeClr>
-            </a:gs>
-            <a:gs pos="40000">
-              <a:schemeClr val="phClr">
-                <a:tint val="45000"/>
-                <a:shade val="99000"/>
-                <a:satMod val="350000"/>
-              </a:schemeClr>
-            </a:gs>
-            <a:gs pos="100000">
-              <a:schemeClr val="phClr">
-                <a:shade val="20000"/>
-                <a:satMod val="255000"/>
-              </a:schemeClr>
-            </a:gs>
-          </a:gsLst>
-          <a:path path="circle">
-            <a:fillToRect l="50000" t="-80000" r="50000" b="180000"/>
-          </a:path>
-        </a:gradFill>
-        <a:gradFill rotWithShape="1">
-          <a:gsLst>
-            <a:gs pos="0">
-              <a:schemeClr val="phClr">
-                <a:tint val="80000"/>
-                <a:satMod val="300000"/>
-              </a:schemeClr>
-            </a:gs>
-            <a:gs pos="100000">
-              <a:schemeClr val="phClr">
-                <a:shade val="30000"/>
-                <a:satMod val="200000"/>
-              </a:schemeClr>
-            </a:gs>
-          </a:gsLst>
-          <a:path path="circle">
-            <a:fillToRect l="50000" t="50000" r="50000" b="50000"/>
-          </a:path>
-        </a:gradFill>
-      </a:bgFillStyleLst>
-    </a:fmtScheme>
-  </a:themeElements>
-</a:theme>
 </file>